--- a/Project2/Reports/BIOS6623_Project2_InterimPresentation.pptx
+++ b/Project2/Reports/BIOS6623_Project2_InterimPresentation.pptx
@@ -107,6 +107,11 @@
       </a:defRPr>
     </a:lvl9pPr>
   </p:defaultTextStyle>
+  <p:extLst>
+    <p:ext uri="{EFAFB233-063F-42B5-8137-9DF3F51BA10A}">
+      <p15:sldGuideLst xmlns:p15="http://schemas.microsoft.com/office/powerpoint/2012/main"/>
+    </p:ext>
+  </p:extLst>
 </p:presentation>
 </file>
 
@@ -241,7 +246,7 @@
           <a:p>
             <a:fld id="{6A915066-F325-45A1-BFE2-9F77C911CB98}" type="datetimeFigureOut">
               <a:rPr lang="en-US" smtClean="0"/>
-              <a:t>10/12/2017</a:t>
+              <a:t>10/18/2017</a:t>
             </a:fld>
             <a:endParaRPr lang="en-US"/>
           </a:p>
@@ -411,7 +416,7 @@
           <a:p>
             <a:fld id="{6A915066-F325-45A1-BFE2-9F77C911CB98}" type="datetimeFigureOut">
               <a:rPr lang="en-US" smtClean="0"/>
-              <a:t>10/12/2017</a:t>
+              <a:t>10/18/2017</a:t>
             </a:fld>
             <a:endParaRPr lang="en-US"/>
           </a:p>
@@ -591,7 +596,7 @@
           <a:p>
             <a:fld id="{6A915066-F325-45A1-BFE2-9F77C911CB98}" type="datetimeFigureOut">
               <a:rPr lang="en-US" smtClean="0"/>
-              <a:t>10/12/2017</a:t>
+              <a:t>10/18/2017</a:t>
             </a:fld>
             <a:endParaRPr lang="en-US"/>
           </a:p>
@@ -761,7 +766,7 @@
           <a:p>
             <a:fld id="{6A915066-F325-45A1-BFE2-9F77C911CB98}" type="datetimeFigureOut">
               <a:rPr lang="en-US" smtClean="0"/>
-              <a:t>10/12/2017</a:t>
+              <a:t>10/18/2017</a:t>
             </a:fld>
             <a:endParaRPr lang="en-US"/>
           </a:p>
@@ -1007,7 +1012,7 @@
           <a:p>
             <a:fld id="{6A915066-F325-45A1-BFE2-9F77C911CB98}" type="datetimeFigureOut">
               <a:rPr lang="en-US" smtClean="0"/>
-              <a:t>10/12/2017</a:t>
+              <a:t>10/18/2017</a:t>
             </a:fld>
             <a:endParaRPr lang="en-US"/>
           </a:p>
@@ -1239,7 +1244,7 @@
           <a:p>
             <a:fld id="{6A915066-F325-45A1-BFE2-9F77C911CB98}" type="datetimeFigureOut">
               <a:rPr lang="en-US" smtClean="0"/>
-              <a:t>10/12/2017</a:t>
+              <a:t>10/18/2017</a:t>
             </a:fld>
             <a:endParaRPr lang="en-US"/>
           </a:p>
@@ -1606,7 +1611,7 @@
           <a:p>
             <a:fld id="{6A915066-F325-45A1-BFE2-9F77C911CB98}" type="datetimeFigureOut">
               <a:rPr lang="en-US" smtClean="0"/>
-              <a:t>10/12/2017</a:t>
+              <a:t>10/18/2017</a:t>
             </a:fld>
             <a:endParaRPr lang="en-US"/>
           </a:p>
@@ -1724,7 +1729,7 @@
           <a:p>
             <a:fld id="{6A915066-F325-45A1-BFE2-9F77C911CB98}" type="datetimeFigureOut">
               <a:rPr lang="en-US" smtClean="0"/>
-              <a:t>10/12/2017</a:t>
+              <a:t>10/18/2017</a:t>
             </a:fld>
             <a:endParaRPr lang="en-US"/>
           </a:p>
@@ -1819,7 +1824,7 @@
           <a:p>
             <a:fld id="{6A915066-F325-45A1-BFE2-9F77C911CB98}" type="datetimeFigureOut">
               <a:rPr lang="en-US" smtClean="0"/>
-              <a:t>10/12/2017</a:t>
+              <a:t>10/18/2017</a:t>
             </a:fld>
             <a:endParaRPr lang="en-US"/>
           </a:p>
@@ -2096,7 +2101,7 @@
           <a:p>
             <a:fld id="{6A915066-F325-45A1-BFE2-9F77C911CB98}" type="datetimeFigureOut">
               <a:rPr lang="en-US" smtClean="0"/>
-              <a:t>10/12/2017</a:t>
+              <a:t>10/18/2017</a:t>
             </a:fld>
             <a:endParaRPr lang="en-US"/>
           </a:p>
@@ -2349,7 +2354,7 @@
           <a:p>
             <a:fld id="{6A915066-F325-45A1-BFE2-9F77C911CB98}" type="datetimeFigureOut">
               <a:rPr lang="en-US" smtClean="0"/>
-              <a:t>10/12/2017</a:t>
+              <a:t>10/18/2017</a:t>
             </a:fld>
             <a:endParaRPr lang="en-US"/>
           </a:p>
@@ -2562,7 +2567,7 @@
           <a:p>
             <a:fld id="{6A915066-F325-45A1-BFE2-9F77C911CB98}" type="datetimeFigureOut">
               <a:rPr lang="en-US" smtClean="0"/>
-              <a:t>10/12/2017</a:t>
+              <a:t>10/18/2017</a:t>
             </a:fld>
             <a:endParaRPr lang="en-US"/>
           </a:p>
@@ -2977,7 +2982,12 @@
             <p:ph type="ctrTitle"/>
           </p:nvPr>
         </p:nvSpPr>
-        <p:spPr/>
+        <p:spPr>
+          <a:xfrm>
+            <a:off x="1654629" y="1628549"/>
+            <a:ext cx="9144000" cy="2387600"/>
+          </a:xfrm>
+        </p:spPr>
         <p:txBody>
           <a:bodyPr>
             <a:normAutofit/>
@@ -3009,7 +3019,12 @@
             <p:ph type="subTitle" idx="1"/>
           </p:nvPr>
         </p:nvSpPr>
-        <p:spPr/>
+        <p:spPr>
+          <a:xfrm>
+            <a:off x="1540329" y="4016149"/>
+            <a:ext cx="9144000" cy="1655762"/>
+          </a:xfrm>
+        </p:spPr>
         <p:txBody>
           <a:bodyPr/>
           <a:lstStyle/>
@@ -3032,6 +3047,13 @@
   <p:clrMapOvr>
     <a:masterClrMapping/>
   </p:clrMapOvr>
+  <p:timing>
+    <p:tnLst>
+      <p:par>
+        <p:cTn id="1" dur="indefinite" restart="never" nodeType="tmRoot"/>
+      </p:par>
+    </p:tnLst>
+  </p:timing>
 </p:sld>
 </file>
 
@@ -3069,7 +3091,7 @@
           <a:p>
             <a:r>
               <a:rPr lang="en-US" dirty="0" smtClean="0"/>
-              <a:t>Goal/Hypotheses</a:t>
+              <a:t>Summary/Goal</a:t>
             </a:r>
             <a:endParaRPr lang="en-US" dirty="0"/>
           </a:p>
@@ -3085,12 +3107,74 @@
             <p:ph idx="1"/>
           </p:nvPr>
         </p:nvSpPr>
-        <p:spPr/>
+        <p:spPr>
+          <a:xfrm>
+            <a:off x="838200" y="1874611"/>
+            <a:ext cx="10515600" cy="4351338"/>
+          </a:xfrm>
+        </p:spPr>
         <p:txBody>
           <a:bodyPr/>
           <a:lstStyle/>
           <a:p>
-            <a:endParaRPr lang="en-US"/>
+            <a:r>
+              <a:rPr lang="en-US" dirty="0" smtClean="0"/>
+              <a:t>Data about death rate of heart surgery patients</a:t>
+            </a:r>
+          </a:p>
+          <a:p>
+            <a:pPr lvl="1"/>
+            <a:r>
+              <a:rPr lang="en-US" dirty="0" smtClean="0"/>
+              <a:t>44 VA hospitals</a:t>
+            </a:r>
+          </a:p>
+          <a:p>
+            <a:pPr lvl="1"/>
+            <a:r>
+              <a:rPr lang="en-US" dirty="0" smtClean="0"/>
+              <a:t>3 years worth of data (6-6 month intervals)</a:t>
+            </a:r>
+          </a:p>
+          <a:p>
+            <a:endParaRPr lang="en-US" dirty="0" smtClean="0"/>
+          </a:p>
+          <a:p>
+            <a:r>
+              <a:rPr lang="en-US" dirty="0" smtClean="0"/>
+              <a:t>Estimate the death rate for the most current 6 month period</a:t>
+            </a:r>
+          </a:p>
+          <a:p>
+            <a:pPr lvl="1"/>
+            <a:r>
+              <a:rPr lang="en-US" dirty="0" smtClean="0"/>
+              <a:t>For each hospital</a:t>
+            </a:r>
+          </a:p>
+          <a:p>
+            <a:r>
+              <a:rPr lang="en-US" dirty="0" smtClean="0"/>
+              <a:t>Estimate the expected death rate</a:t>
+            </a:r>
+          </a:p>
+          <a:p>
+            <a:pPr lvl="1"/>
+            <a:r>
+              <a:rPr lang="en-US" dirty="0" smtClean="0"/>
+              <a:t>Use all 3 years of data</a:t>
+            </a:r>
+          </a:p>
+          <a:p>
+            <a:pPr lvl="1"/>
+            <a:r>
+              <a:rPr lang="en-US" dirty="0" smtClean="0"/>
+              <a:t>Adjusted for comorbidities (such as BMI, ASA, surgery type, etc.)</a:t>
+            </a:r>
+          </a:p>
+          <a:p>
+            <a:pPr lvl="1"/>
+            <a:endParaRPr lang="en-US" dirty="0"/>
           </a:p>
         </p:txBody>
       </p:sp>
@@ -3104,6 +3188,13 @@
   <p:clrMapOvr>
     <a:masterClrMapping/>
   </p:clrMapOvr>
+  <p:timing>
+    <p:tnLst>
+      <p:par>
+        <p:cTn id="1" dur="indefinite" restart="never" nodeType="tmRoot"/>
+      </p:par>
+    </p:tnLst>
+  </p:timing>
 </p:sld>
 </file>
 
@@ -3157,28 +3248,28 @@
           <p:nvPr>
             <p:extLst>
               <p:ext uri="{D42A27DB-BD31-4B8C-83A1-F6EECF244321}">
-                <p14:modId xmlns:p14="http://schemas.microsoft.com/office/powerpoint/2010/main" val="2332387770"/>
+                <p14:modId xmlns:p14="http://schemas.microsoft.com/office/powerpoint/2010/main" val="1205706116"/>
               </p:ext>
             </p:extLst>
           </p:nvPr>
         </p:nvGraphicFramePr>
         <p:xfrm>
           <a:off x="838199" y="1690688"/>
-          <a:ext cx="3625587" cy="3595522"/>
+          <a:ext cx="3752274" cy="3595522"/>
         </p:xfrm>
         <a:graphic>
           <a:graphicData uri="http://schemas.openxmlformats.org/drawingml/2006/table">
             <a:tbl>
               <a:tblPr firstRow="1" firstCol="1" bandRow="1"/>
               <a:tblGrid>
-                <a:gridCol w="1778552">
+                <a:gridCol w="1840699">
                   <a:extLst>
                     <a:ext uri="{9D8B030D-6E8A-4147-A177-3AD203B41FA5}">
                       <a16:colId xmlns:a16="http://schemas.microsoft.com/office/drawing/2014/main" val="1466824399"/>
                     </a:ext>
                   </a:extLst>
                 </a:gridCol>
-                <a:gridCol w="1847035">
+                <a:gridCol w="1911575">
                   <a:extLst>
                     <a:ext uri="{9D8B030D-6E8A-4147-A177-3AD203B41FA5}">
                       <a16:colId xmlns:a16="http://schemas.microsoft.com/office/drawing/2014/main" val="2729157076"/>
@@ -3444,35 +3535,20 @@
                     <a:bodyPr/>
                     <a:lstStyle/>
                     <a:p>
-                      <a:pPr marL="0" marR="0" algn="ctr">
-                        <a:spcBef>
-                          <a:spcPts val="0"/>
-                        </a:spcBef>
-                        <a:spcAft>
-                          <a:spcPts val="0"/>
-                        </a:spcAft>
-                      </a:pPr>
-                      <a:r>
-                        <a:rPr lang="en-US" sz="1100">
-                          <a:solidFill>
-                            <a:srgbClr val="000000"/>
-                          </a:solidFill>
-                          <a:effectLst/>
-                          <a:latin typeface="Times New Roman" panose="02020603050405020304" pitchFamily="18" charset="0"/>
-                          <a:ea typeface="Times New Roman" panose="02020603050405020304" pitchFamily="18" charset="0"/>
-                          <a:cs typeface="Times New Roman" panose="02020603050405020304" pitchFamily="18" charset="0"/>
-                        </a:rPr>
-                        <a:t>26520</a:t>
-                      </a:r>
-                      <a:endParaRPr lang="en-US" sz="1100">
-                        <a:effectLst/>
-                        <a:latin typeface="Times New Roman" panose="02020603050405020304" pitchFamily="18" charset="0"/>
-                        <a:ea typeface="Calibri" panose="020F0502020204030204" pitchFamily="34" charset="0"/>
-                        <a:cs typeface="Times New Roman" panose="02020603050405020304" pitchFamily="18" charset="0"/>
-                      </a:endParaRPr>
-                    </a:p>
-                  </a:txBody>
-                  <a:tcPr marL="68580" marR="68580" marT="0" marB="0">
+                      <a:pPr algn="ctr" fontAlgn="b"/>
+                      <a:r>
+                        <a:rPr lang="en-US" sz="1100" b="0" i="0" u="none" strike="noStrike">
+                          <a:solidFill>
+                            <a:srgbClr val="000000"/>
+                          </a:solidFill>
+                          <a:effectLst/>
+                          <a:latin typeface="Calibri" panose="020F0502020204030204" pitchFamily="34" charset="0"/>
+                        </a:rPr>
+                        <a:t>26518</a:t>
+                      </a:r>
+                    </a:p>
+                  </a:txBody>
+                  <a:tcPr marL="6350" marR="6350" marT="6350" marB="0" anchor="b">
                     <a:lnL>
                       <a:noFill/>
                     </a:lnL>
@@ -3565,14 +3641,17 @@
                     <a:bodyPr/>
                     <a:lstStyle/>
                     <a:p>
-                      <a:endParaRPr lang="en-US" sz="1100">
+                      <a:pPr algn="ctr" fontAlgn="b"/>
+                      <a:endParaRPr lang="en-US" sz="1100" b="0" i="0" u="none" strike="noStrike" dirty="0">
+                        <a:solidFill>
+                          <a:srgbClr val="000000"/>
+                        </a:solidFill>
                         <a:effectLst/>
-                        <a:latin typeface="Times New Roman" panose="02020603050405020304" pitchFamily="18" charset="0"/>
-                        <a:cs typeface="Times New Roman" panose="02020603050405020304" pitchFamily="18" charset="0"/>
+                        <a:latin typeface="Calibri" panose="020F0502020204030204" pitchFamily="34" charset="0"/>
                       </a:endParaRPr>
                     </a:p>
                   </a:txBody>
-                  <a:tcPr marL="68580" marR="68580" marT="0" marB="0">
+                  <a:tcPr marL="6350" marR="6350" marT="6350" marB="0" anchor="b">
                     <a:lnL>
                       <a:noFill/>
                     </a:lnL>
@@ -3647,35 +3726,37 @@
                     <a:bodyPr/>
                     <a:lstStyle/>
                     <a:p>
-                      <a:pPr marL="0" marR="0" algn="ctr">
-                        <a:spcBef>
-                          <a:spcPts val="0"/>
-                        </a:spcBef>
-                        <a:spcAft>
-                          <a:spcPts val="0"/>
-                        </a:spcAft>
-                      </a:pPr>
-                      <a:r>
-                        <a:rPr lang="en-US" sz="1100">
-                          <a:solidFill>
-                            <a:srgbClr val="000000"/>
-                          </a:solidFill>
-                          <a:effectLst/>
-                          <a:latin typeface="Times New Roman" panose="02020603050405020304" pitchFamily="18" charset="0"/>
-                          <a:ea typeface="Times New Roman" panose="02020603050405020304" pitchFamily="18" charset="0"/>
-                          <a:cs typeface="Times New Roman" panose="02020603050405020304" pitchFamily="18" charset="0"/>
-                        </a:rPr>
-                        <a:t>18.42 (4884)</a:t>
-                      </a:r>
-                      <a:endParaRPr lang="en-US" sz="1100">
+                      <a:pPr algn="ctr" fontAlgn="b"/>
+                      <a:r>
+                        <a:rPr lang="en-US" sz="1100" b="0" i="0" u="none" strike="noStrike" dirty="0">
+                          <a:solidFill>
+                            <a:srgbClr val="000000"/>
+                          </a:solidFill>
+                          <a:effectLst/>
+                          <a:latin typeface="Calibri" panose="020F0502020204030204" pitchFamily="34" charset="0"/>
+                        </a:rPr>
+                        <a:t>18.42 </a:t>
+                      </a:r>
+                      <a:r>
+                        <a:rPr lang="en-US" sz="1100" b="0" i="0" u="none" strike="noStrike" dirty="0" smtClean="0">
+                          <a:solidFill>
+                            <a:srgbClr val="000000"/>
+                          </a:solidFill>
+                          <a:effectLst/>
+                          <a:latin typeface="Calibri" panose="020F0502020204030204" pitchFamily="34" charset="0"/>
+                        </a:rPr>
+                        <a:t>(4884)</a:t>
+                      </a:r>
+                      <a:endParaRPr lang="en-US" sz="1100" b="0" i="0" u="none" strike="noStrike" dirty="0">
+                        <a:solidFill>
+                          <a:srgbClr val="000000"/>
+                        </a:solidFill>
                         <a:effectLst/>
-                        <a:latin typeface="Times New Roman" panose="02020603050405020304" pitchFamily="18" charset="0"/>
-                        <a:ea typeface="Calibri" panose="020F0502020204030204" pitchFamily="34" charset="0"/>
-                        <a:cs typeface="Times New Roman" panose="02020603050405020304" pitchFamily="18" charset="0"/>
+                        <a:latin typeface="Calibri" panose="020F0502020204030204" pitchFamily="34" charset="0"/>
                       </a:endParaRPr>
                     </a:p>
                   </a:txBody>
-                  <a:tcPr marL="68580" marR="68580" marT="0" marB="0">
+                  <a:tcPr marL="6350" marR="6350" marT="6350" marB="0" anchor="b">
                     <a:lnL>
                       <a:noFill/>
                     </a:lnL>
@@ -3750,35 +3831,37 @@
                     <a:bodyPr/>
                     <a:lstStyle/>
                     <a:p>
-                      <a:pPr marL="0" marR="0" algn="ctr">
-                        <a:spcBef>
-                          <a:spcPts val="0"/>
-                        </a:spcBef>
-                        <a:spcAft>
-                          <a:spcPts val="0"/>
-                        </a:spcAft>
-                      </a:pPr>
-                      <a:r>
-                        <a:rPr lang="en-US" sz="1100">
-                          <a:solidFill>
-                            <a:srgbClr val="000000"/>
-                          </a:solidFill>
-                          <a:effectLst/>
-                          <a:latin typeface="Times New Roman" panose="02020603050405020304" pitchFamily="18" charset="0"/>
-                          <a:ea typeface="Times New Roman" panose="02020603050405020304" pitchFamily="18" charset="0"/>
-                          <a:cs typeface="Times New Roman" panose="02020603050405020304" pitchFamily="18" charset="0"/>
-                        </a:rPr>
-                        <a:t>75.89 (20126)</a:t>
-                      </a:r>
-                      <a:endParaRPr lang="en-US" sz="1100">
+                      <a:pPr algn="ctr" fontAlgn="b"/>
+                      <a:r>
+                        <a:rPr lang="en-US" sz="1100" b="0" i="0" u="none" strike="noStrike" dirty="0">
+                          <a:solidFill>
+                            <a:srgbClr val="000000"/>
+                          </a:solidFill>
+                          <a:effectLst/>
+                          <a:latin typeface="Calibri" panose="020F0502020204030204" pitchFamily="34" charset="0"/>
+                        </a:rPr>
+                        <a:t>75.9 </a:t>
+                      </a:r>
+                      <a:r>
+                        <a:rPr lang="en-US" sz="1100" b="0" i="0" u="none" strike="noStrike" dirty="0" smtClean="0">
+                          <a:solidFill>
+                            <a:srgbClr val="000000"/>
+                          </a:solidFill>
+                          <a:effectLst/>
+                          <a:latin typeface="Calibri" panose="020F0502020204030204" pitchFamily="34" charset="0"/>
+                        </a:rPr>
+                        <a:t>(20126)</a:t>
+                      </a:r>
+                      <a:endParaRPr lang="en-US" sz="1100" b="0" i="0" u="none" strike="noStrike" dirty="0">
+                        <a:solidFill>
+                          <a:srgbClr val="000000"/>
+                        </a:solidFill>
                         <a:effectLst/>
-                        <a:latin typeface="Times New Roman" panose="02020603050405020304" pitchFamily="18" charset="0"/>
-                        <a:ea typeface="Calibri" panose="020F0502020204030204" pitchFamily="34" charset="0"/>
-                        <a:cs typeface="Times New Roman" panose="02020603050405020304" pitchFamily="18" charset="0"/>
+                        <a:latin typeface="Calibri" panose="020F0502020204030204" pitchFamily="34" charset="0"/>
                       </a:endParaRPr>
                     </a:p>
                   </a:txBody>
-                  <a:tcPr marL="68580" marR="68580" marT="0" marB="0">
+                  <a:tcPr marL="6350" marR="6350" marT="6350" marB="0" anchor="b">
                     <a:lnL>
                       <a:noFill/>
                     </a:lnL>
@@ -3853,35 +3936,37 @@
                     <a:bodyPr/>
                     <a:lstStyle/>
                     <a:p>
-                      <a:pPr marL="0" marR="0" algn="ctr">
-                        <a:spcBef>
-                          <a:spcPts val="0"/>
-                        </a:spcBef>
-                        <a:spcAft>
-                          <a:spcPts val="0"/>
-                        </a:spcAft>
-                      </a:pPr>
-                      <a:r>
-                        <a:rPr lang="en-US" sz="1100">
-                          <a:solidFill>
-                            <a:srgbClr val="000000"/>
-                          </a:solidFill>
-                          <a:effectLst/>
-                          <a:latin typeface="Times New Roman" panose="02020603050405020304" pitchFamily="18" charset="0"/>
-                          <a:ea typeface="Times New Roman" panose="02020603050405020304" pitchFamily="18" charset="0"/>
-                          <a:cs typeface="Times New Roman" panose="02020603050405020304" pitchFamily="18" charset="0"/>
-                        </a:rPr>
-                        <a:t>5.69 (1510)</a:t>
-                      </a:r>
-                      <a:endParaRPr lang="en-US" sz="1100">
+                      <a:pPr algn="ctr" fontAlgn="b"/>
+                      <a:r>
+                        <a:rPr lang="en-US" sz="1100" b="0" i="0" u="none" strike="noStrike" dirty="0">
+                          <a:solidFill>
+                            <a:srgbClr val="000000"/>
+                          </a:solidFill>
+                          <a:effectLst/>
+                          <a:latin typeface="Calibri" panose="020F0502020204030204" pitchFamily="34" charset="0"/>
+                        </a:rPr>
+                        <a:t>5.69 </a:t>
+                      </a:r>
+                      <a:r>
+                        <a:rPr lang="en-US" sz="1100" b="0" i="0" u="none" strike="noStrike" dirty="0" smtClean="0">
+                          <a:solidFill>
+                            <a:srgbClr val="000000"/>
+                          </a:solidFill>
+                          <a:effectLst/>
+                          <a:latin typeface="Calibri" panose="020F0502020204030204" pitchFamily="34" charset="0"/>
+                        </a:rPr>
+                        <a:t>(1508)</a:t>
+                      </a:r>
+                      <a:endParaRPr lang="en-US" sz="1100" b="0" i="0" u="none" strike="noStrike" dirty="0">
+                        <a:solidFill>
+                          <a:srgbClr val="000000"/>
+                        </a:solidFill>
                         <a:effectLst/>
-                        <a:latin typeface="Times New Roman" panose="02020603050405020304" pitchFamily="18" charset="0"/>
-                        <a:ea typeface="Calibri" panose="020F0502020204030204" pitchFamily="34" charset="0"/>
-                        <a:cs typeface="Times New Roman" panose="02020603050405020304" pitchFamily="18" charset="0"/>
+                        <a:latin typeface="Calibri" panose="020F0502020204030204" pitchFamily="34" charset="0"/>
                       </a:endParaRPr>
                     </a:p>
                   </a:txBody>
-                  <a:tcPr marL="68580" marR="68580" marT="0" marB="0">
+                  <a:tcPr marL="6350" marR="6350" marT="6350" marB="0" anchor="b">
                     <a:lnL>
                       <a:noFill/>
                     </a:lnL>
@@ -3968,14 +4053,17 @@
                     <a:bodyPr/>
                     <a:lstStyle/>
                     <a:p>
-                      <a:endParaRPr lang="en-US" sz="1100">
+                      <a:pPr algn="ctr" fontAlgn="b"/>
+                      <a:endParaRPr lang="en-US" sz="1100" b="0" i="0" u="none" strike="noStrike" dirty="0">
+                        <a:solidFill>
+                          <a:srgbClr val="000000"/>
+                        </a:solidFill>
                         <a:effectLst/>
-                        <a:latin typeface="Times New Roman" panose="02020603050405020304" pitchFamily="18" charset="0"/>
-                        <a:cs typeface="Times New Roman" panose="02020603050405020304" pitchFamily="18" charset="0"/>
+                        <a:latin typeface="Calibri" panose="020F0502020204030204" pitchFamily="34" charset="0"/>
                       </a:endParaRPr>
                     </a:p>
                   </a:txBody>
-                  <a:tcPr marL="68580" marR="68580" marT="0" marB="0">
+                  <a:tcPr marL="6350" marR="6350" marT="6350" marB="0" anchor="b">
                     <a:lnL>
                       <a:noFill/>
                     </a:lnL>
@@ -4050,35 +4138,37 @@
                     <a:bodyPr/>
                     <a:lstStyle/>
                     <a:p>
-                      <a:pPr marL="0" marR="0" algn="ctr">
-                        <a:spcBef>
-                          <a:spcPts val="0"/>
-                        </a:spcBef>
-                        <a:spcAft>
-                          <a:spcPts val="0"/>
-                        </a:spcAft>
-                      </a:pPr>
-                      <a:r>
-                        <a:rPr lang="en-US" sz="1100">
-                          <a:solidFill>
-                            <a:srgbClr val="000000"/>
-                          </a:solidFill>
-                          <a:effectLst/>
-                          <a:latin typeface="Times New Roman" panose="02020603050405020304" pitchFamily="18" charset="0"/>
-                          <a:ea typeface="Times New Roman" panose="02020603050405020304" pitchFamily="18" charset="0"/>
-                          <a:cs typeface="Times New Roman" panose="02020603050405020304" pitchFamily="18" charset="0"/>
-                        </a:rPr>
-                        <a:t>0.08 (21)</a:t>
-                      </a:r>
-                      <a:endParaRPr lang="en-US" sz="1100">
+                      <a:pPr algn="ctr" fontAlgn="b"/>
+                      <a:r>
+                        <a:rPr lang="en-US" sz="1100" b="0" i="0" u="none" strike="noStrike" dirty="0">
+                          <a:solidFill>
+                            <a:srgbClr val="000000"/>
+                          </a:solidFill>
+                          <a:effectLst/>
+                          <a:latin typeface="Calibri" panose="020F0502020204030204" pitchFamily="34" charset="0"/>
+                        </a:rPr>
+                        <a:t>0.08 </a:t>
+                      </a:r>
+                      <a:r>
+                        <a:rPr lang="en-US" sz="1100" b="0" i="0" u="none" strike="noStrike" dirty="0" smtClean="0">
+                          <a:solidFill>
+                            <a:srgbClr val="000000"/>
+                          </a:solidFill>
+                          <a:effectLst/>
+                          <a:latin typeface="Calibri" panose="020F0502020204030204" pitchFamily="34" charset="0"/>
+                        </a:rPr>
+                        <a:t>(21)</a:t>
+                      </a:r>
+                      <a:endParaRPr lang="en-US" sz="1100" b="0" i="0" u="none" strike="noStrike" dirty="0">
+                        <a:solidFill>
+                          <a:srgbClr val="000000"/>
+                        </a:solidFill>
                         <a:effectLst/>
-                        <a:latin typeface="Times New Roman" panose="02020603050405020304" pitchFamily="18" charset="0"/>
-                        <a:ea typeface="Calibri" panose="020F0502020204030204" pitchFamily="34" charset="0"/>
-                        <a:cs typeface="Times New Roman" panose="02020603050405020304" pitchFamily="18" charset="0"/>
+                        <a:latin typeface="Calibri" panose="020F0502020204030204" pitchFamily="34" charset="0"/>
                       </a:endParaRPr>
                     </a:p>
                   </a:txBody>
-                  <a:tcPr marL="68580" marR="68580" marT="0" marB="0">
+                  <a:tcPr marL="6350" marR="6350" marT="6350" marB="0" anchor="b">
                     <a:lnL>
                       <a:noFill/>
                     </a:lnL>
@@ -4153,35 +4243,37 @@
                     <a:bodyPr/>
                     <a:lstStyle/>
                     <a:p>
-                      <a:pPr marL="0" marR="0" algn="ctr">
-                        <a:spcBef>
-                          <a:spcPts val="0"/>
-                        </a:spcBef>
-                        <a:spcAft>
-                          <a:spcPts val="0"/>
-                        </a:spcAft>
-                      </a:pPr>
-                      <a:r>
-                        <a:rPr lang="en-US" sz="1100">
-                          <a:solidFill>
-                            <a:srgbClr val="000000"/>
-                          </a:solidFill>
-                          <a:effectLst/>
-                          <a:latin typeface="Times New Roman" panose="02020603050405020304" pitchFamily="18" charset="0"/>
-                          <a:ea typeface="Times New Roman" panose="02020603050405020304" pitchFamily="18" charset="0"/>
-                          <a:cs typeface="Times New Roman" panose="02020603050405020304" pitchFamily="18" charset="0"/>
-                        </a:rPr>
-                        <a:t>3.99 (1059)</a:t>
-                      </a:r>
-                      <a:endParaRPr lang="en-US" sz="1100">
+                      <a:pPr algn="ctr" fontAlgn="b"/>
+                      <a:r>
+                        <a:rPr lang="en-US" sz="1100" b="0" i="0" u="none" strike="noStrike" dirty="0">
+                          <a:solidFill>
+                            <a:srgbClr val="000000"/>
+                          </a:solidFill>
+                          <a:effectLst/>
+                          <a:latin typeface="Calibri" panose="020F0502020204030204" pitchFamily="34" charset="0"/>
+                        </a:rPr>
+                        <a:t>3.99 </a:t>
+                      </a:r>
+                      <a:r>
+                        <a:rPr lang="en-US" sz="1100" b="0" i="0" u="none" strike="noStrike" dirty="0" smtClean="0">
+                          <a:solidFill>
+                            <a:srgbClr val="000000"/>
+                          </a:solidFill>
+                          <a:effectLst/>
+                          <a:latin typeface="Calibri" panose="020F0502020204030204" pitchFamily="34" charset="0"/>
+                        </a:rPr>
+                        <a:t>(1059)</a:t>
+                      </a:r>
+                      <a:endParaRPr lang="en-US" sz="1100" b="0" i="0" u="none" strike="noStrike" dirty="0">
+                        <a:solidFill>
+                          <a:srgbClr val="000000"/>
+                        </a:solidFill>
                         <a:effectLst/>
-                        <a:latin typeface="Times New Roman" panose="02020603050405020304" pitchFamily="18" charset="0"/>
-                        <a:ea typeface="Calibri" panose="020F0502020204030204" pitchFamily="34" charset="0"/>
-                        <a:cs typeface="Times New Roman" panose="02020603050405020304" pitchFamily="18" charset="0"/>
+                        <a:latin typeface="Calibri" panose="020F0502020204030204" pitchFamily="34" charset="0"/>
                       </a:endParaRPr>
                     </a:p>
                   </a:txBody>
-                  <a:tcPr marL="68580" marR="68580" marT="0" marB="0">
+                  <a:tcPr marL="6350" marR="6350" marT="6350" marB="0" anchor="b">
                     <a:lnL>
                       <a:noFill/>
                     </a:lnL>
@@ -4256,35 +4348,37 @@
                     <a:bodyPr/>
                     <a:lstStyle/>
                     <a:p>
-                      <a:pPr marL="0" marR="0" algn="ctr">
-                        <a:spcBef>
-                          <a:spcPts val="0"/>
-                        </a:spcBef>
-                        <a:spcAft>
-                          <a:spcPts val="0"/>
-                        </a:spcAft>
-                      </a:pPr>
-                      <a:r>
-                        <a:rPr lang="en-US" sz="1100">
-                          <a:solidFill>
-                            <a:srgbClr val="000000"/>
-                          </a:solidFill>
-                          <a:effectLst/>
-                          <a:latin typeface="Times New Roman" panose="02020603050405020304" pitchFamily="18" charset="0"/>
-                          <a:ea typeface="Times New Roman" panose="02020603050405020304" pitchFamily="18" charset="0"/>
-                          <a:cs typeface="Times New Roman" panose="02020603050405020304" pitchFamily="18" charset="0"/>
-                        </a:rPr>
-                        <a:t>18.37 (4871)</a:t>
-                      </a:r>
-                      <a:endParaRPr lang="en-US" sz="1100">
+                      <a:pPr algn="ctr" fontAlgn="b"/>
+                      <a:r>
+                        <a:rPr lang="en-US" sz="1100" b="0" i="0" u="none" strike="noStrike" dirty="0">
+                          <a:solidFill>
+                            <a:srgbClr val="000000"/>
+                          </a:solidFill>
+                          <a:effectLst/>
+                          <a:latin typeface="Calibri" panose="020F0502020204030204" pitchFamily="34" charset="0"/>
+                        </a:rPr>
+                        <a:t>18.36 </a:t>
+                      </a:r>
+                      <a:r>
+                        <a:rPr lang="en-US" sz="1100" b="0" i="0" u="none" strike="noStrike" dirty="0" smtClean="0">
+                          <a:solidFill>
+                            <a:srgbClr val="000000"/>
+                          </a:solidFill>
+                          <a:effectLst/>
+                          <a:latin typeface="Calibri" panose="020F0502020204030204" pitchFamily="34" charset="0"/>
+                        </a:rPr>
+                        <a:t>(4870)</a:t>
+                      </a:r>
+                      <a:endParaRPr lang="en-US" sz="1100" b="0" i="0" u="none" strike="noStrike" dirty="0">
+                        <a:solidFill>
+                          <a:srgbClr val="000000"/>
+                        </a:solidFill>
                         <a:effectLst/>
-                        <a:latin typeface="Times New Roman" panose="02020603050405020304" pitchFamily="18" charset="0"/>
-                        <a:ea typeface="Calibri" panose="020F0502020204030204" pitchFamily="34" charset="0"/>
-                        <a:cs typeface="Times New Roman" panose="02020603050405020304" pitchFamily="18" charset="0"/>
+                        <a:latin typeface="Calibri" panose="020F0502020204030204" pitchFamily="34" charset="0"/>
                       </a:endParaRPr>
                     </a:p>
                   </a:txBody>
-                  <a:tcPr marL="68580" marR="68580" marT="0" marB="0">
+                  <a:tcPr marL="6350" marR="6350" marT="6350" marB="0" anchor="b">
                     <a:lnL>
                       <a:noFill/>
                     </a:lnL>
@@ -4359,35 +4453,37 @@
                     <a:bodyPr/>
                     <a:lstStyle/>
                     <a:p>
-                      <a:pPr marL="0" marR="0" algn="ctr">
-                        <a:spcBef>
-                          <a:spcPts val="0"/>
-                        </a:spcBef>
-                        <a:spcAft>
-                          <a:spcPts val="0"/>
-                        </a:spcAft>
-                      </a:pPr>
-                      <a:r>
-                        <a:rPr lang="en-US" sz="1100">
-                          <a:solidFill>
-                            <a:srgbClr val="000000"/>
-                          </a:solidFill>
-                          <a:effectLst/>
-                          <a:latin typeface="Times New Roman" panose="02020603050405020304" pitchFamily="18" charset="0"/>
-                          <a:ea typeface="Times New Roman" panose="02020603050405020304" pitchFamily="18" charset="0"/>
-                          <a:cs typeface="Times New Roman" panose="02020603050405020304" pitchFamily="18" charset="0"/>
-                        </a:rPr>
-                        <a:t>0.08 (21)</a:t>
-                      </a:r>
-                      <a:endParaRPr lang="en-US" sz="1100">
+                      <a:pPr algn="ctr" fontAlgn="b"/>
+                      <a:r>
+                        <a:rPr lang="en-US" sz="1100" b="0" i="0" u="none" strike="noStrike" dirty="0">
+                          <a:solidFill>
+                            <a:srgbClr val="000000"/>
+                          </a:solidFill>
+                          <a:effectLst/>
+                          <a:latin typeface="Calibri" panose="020F0502020204030204" pitchFamily="34" charset="0"/>
+                        </a:rPr>
+                        <a:t>0.08 </a:t>
+                      </a:r>
+                      <a:r>
+                        <a:rPr lang="en-US" sz="1100" b="0" i="0" u="none" strike="noStrike" dirty="0" smtClean="0">
+                          <a:solidFill>
+                            <a:srgbClr val="000000"/>
+                          </a:solidFill>
+                          <a:effectLst/>
+                          <a:latin typeface="Calibri" panose="020F0502020204030204" pitchFamily="34" charset="0"/>
+                        </a:rPr>
+                        <a:t>(21)</a:t>
+                      </a:r>
+                      <a:endParaRPr lang="en-US" sz="1100" b="0" i="0" u="none" strike="noStrike" dirty="0">
+                        <a:solidFill>
+                          <a:srgbClr val="000000"/>
+                        </a:solidFill>
                         <a:effectLst/>
-                        <a:latin typeface="Times New Roman" panose="02020603050405020304" pitchFamily="18" charset="0"/>
-                        <a:ea typeface="Calibri" panose="020F0502020204030204" pitchFamily="34" charset="0"/>
-                        <a:cs typeface="Times New Roman" panose="02020603050405020304" pitchFamily="18" charset="0"/>
+                        <a:latin typeface="Calibri" panose="020F0502020204030204" pitchFamily="34" charset="0"/>
                       </a:endParaRPr>
                     </a:p>
                   </a:txBody>
-                  <a:tcPr marL="68580" marR="68580" marT="0" marB="0">
+                  <a:tcPr marL="6350" marR="6350" marT="6350" marB="0" anchor="b">
                     <a:lnL>
                       <a:noFill/>
                     </a:lnL>
@@ -4462,35 +4558,37 @@
                     <a:bodyPr/>
                     <a:lstStyle/>
                     <a:p>
-                      <a:pPr marL="0" marR="0" algn="ctr">
-                        <a:spcBef>
-                          <a:spcPts val="0"/>
-                        </a:spcBef>
-                        <a:spcAft>
-                          <a:spcPts val="0"/>
-                        </a:spcAft>
-                      </a:pPr>
-                      <a:r>
-                        <a:rPr lang="en-US" sz="1100">
-                          <a:solidFill>
-                            <a:srgbClr val="000000"/>
-                          </a:solidFill>
-                          <a:effectLst/>
-                          <a:latin typeface="Times New Roman" panose="02020603050405020304" pitchFamily="18" charset="0"/>
-                          <a:ea typeface="Times New Roman" panose="02020603050405020304" pitchFamily="18" charset="0"/>
-                          <a:cs typeface="Times New Roman" panose="02020603050405020304" pitchFamily="18" charset="0"/>
-                        </a:rPr>
-                        <a:t>3.99 (1059)</a:t>
-                      </a:r>
-                      <a:endParaRPr lang="en-US" sz="1100">
+                      <a:pPr algn="ctr" fontAlgn="b"/>
+                      <a:r>
+                        <a:rPr lang="en-US" sz="1100" b="0" i="0" u="none" strike="noStrike" dirty="0">
+                          <a:solidFill>
+                            <a:srgbClr val="000000"/>
+                          </a:solidFill>
+                          <a:effectLst/>
+                          <a:latin typeface="Calibri" panose="020F0502020204030204" pitchFamily="34" charset="0"/>
+                        </a:rPr>
+                        <a:t>3.99 </a:t>
+                      </a:r>
+                      <a:r>
+                        <a:rPr lang="en-US" sz="1100" b="0" i="0" u="none" strike="noStrike" dirty="0" smtClean="0">
+                          <a:solidFill>
+                            <a:srgbClr val="000000"/>
+                          </a:solidFill>
+                          <a:effectLst/>
+                          <a:latin typeface="Calibri" panose="020F0502020204030204" pitchFamily="34" charset="0"/>
+                        </a:rPr>
+                        <a:t>(1059)</a:t>
+                      </a:r>
+                      <a:endParaRPr lang="en-US" sz="1100" b="0" i="0" u="none" strike="noStrike" dirty="0">
+                        <a:solidFill>
+                          <a:srgbClr val="000000"/>
+                        </a:solidFill>
                         <a:effectLst/>
-                        <a:latin typeface="Times New Roman" panose="02020603050405020304" pitchFamily="18" charset="0"/>
-                        <a:ea typeface="Calibri" panose="020F0502020204030204" pitchFamily="34" charset="0"/>
-                        <a:cs typeface="Times New Roman" panose="02020603050405020304" pitchFamily="18" charset="0"/>
+                        <a:latin typeface="Calibri" panose="020F0502020204030204" pitchFamily="34" charset="0"/>
                       </a:endParaRPr>
                     </a:p>
                   </a:txBody>
-                  <a:tcPr marL="68580" marR="68580" marT="0" marB="0">
+                  <a:tcPr marL="6350" marR="6350" marT="6350" marB="0" anchor="b">
                     <a:lnL>
                       <a:noFill/>
                     </a:lnL>
@@ -4565,35 +4663,37 @@
                     <a:bodyPr/>
                     <a:lstStyle/>
                     <a:p>
-                      <a:pPr marL="0" marR="0" algn="ctr">
-                        <a:spcBef>
-                          <a:spcPts val="0"/>
-                        </a:spcBef>
-                        <a:spcAft>
-                          <a:spcPts val="0"/>
-                        </a:spcAft>
-                      </a:pPr>
-                      <a:r>
-                        <a:rPr lang="en-US" sz="1100">
-                          <a:solidFill>
-                            <a:srgbClr val="000000"/>
-                          </a:solidFill>
-                          <a:effectLst/>
-                          <a:latin typeface="Times New Roman" panose="02020603050405020304" pitchFamily="18" charset="0"/>
-                          <a:ea typeface="Times New Roman" panose="02020603050405020304" pitchFamily="18" charset="0"/>
-                          <a:cs typeface="Times New Roman" panose="02020603050405020304" pitchFamily="18" charset="0"/>
-                        </a:rPr>
-                        <a:t>18.37 (4871)</a:t>
-                      </a:r>
-                      <a:endParaRPr lang="en-US" sz="1100">
+                      <a:pPr algn="ctr" fontAlgn="b"/>
+                      <a:r>
+                        <a:rPr lang="en-US" sz="1100" b="0" i="0" u="none" strike="noStrike" dirty="0">
+                          <a:solidFill>
+                            <a:srgbClr val="000000"/>
+                          </a:solidFill>
+                          <a:effectLst/>
+                          <a:latin typeface="Calibri" panose="020F0502020204030204" pitchFamily="34" charset="0"/>
+                        </a:rPr>
+                        <a:t>18.36 </a:t>
+                      </a:r>
+                      <a:r>
+                        <a:rPr lang="en-US" sz="1100" b="0" i="0" u="none" strike="noStrike" dirty="0" smtClean="0">
+                          <a:solidFill>
+                            <a:srgbClr val="000000"/>
+                          </a:solidFill>
+                          <a:effectLst/>
+                          <a:latin typeface="Calibri" panose="020F0502020204030204" pitchFamily="34" charset="0"/>
+                        </a:rPr>
+                        <a:t>(4870)</a:t>
+                      </a:r>
+                      <a:endParaRPr lang="en-US" sz="1100" b="0" i="0" u="none" strike="noStrike" dirty="0">
+                        <a:solidFill>
+                          <a:srgbClr val="000000"/>
+                        </a:solidFill>
                         <a:effectLst/>
-                        <a:latin typeface="Times New Roman" panose="02020603050405020304" pitchFamily="18" charset="0"/>
-                        <a:ea typeface="Calibri" panose="020F0502020204030204" pitchFamily="34" charset="0"/>
-                        <a:cs typeface="Times New Roman" panose="02020603050405020304" pitchFamily="18" charset="0"/>
+                        <a:latin typeface="Calibri" panose="020F0502020204030204" pitchFamily="34" charset="0"/>
                       </a:endParaRPr>
                     </a:p>
                   </a:txBody>
-                  <a:tcPr marL="68580" marR="68580" marT="0" marB="0">
+                  <a:tcPr marL="6350" marR="6350" marT="6350" marB="0" anchor="b">
                     <a:lnL>
                       <a:noFill/>
                     </a:lnL>
@@ -4680,35 +4780,37 @@
                     <a:bodyPr/>
                     <a:lstStyle/>
                     <a:p>
-                      <a:pPr marL="0" marR="0" algn="ctr">
-                        <a:spcBef>
-                          <a:spcPts val="0"/>
-                        </a:spcBef>
-                        <a:spcAft>
-                          <a:spcPts val="0"/>
-                        </a:spcAft>
-                      </a:pPr>
-                      <a:r>
-                        <a:rPr lang="en-US" sz="1100">
-                          <a:solidFill>
-                            <a:srgbClr val="000000"/>
-                          </a:solidFill>
-                          <a:effectLst/>
-                          <a:latin typeface="Times New Roman" panose="02020603050405020304" pitchFamily="18" charset="0"/>
-                          <a:ea typeface="Times New Roman" panose="02020603050405020304" pitchFamily="18" charset="0"/>
-                          <a:cs typeface="Times New Roman" panose="02020603050405020304" pitchFamily="18" charset="0"/>
-                        </a:rPr>
-                        <a:t>169.03 ± 34.76 (NA = 1855)</a:t>
-                      </a:r>
-                      <a:endParaRPr lang="en-US" sz="1100">
+                      <a:pPr algn="ctr" fontAlgn="b"/>
+                      <a:r>
+                        <a:rPr lang="en-US" sz="1100" b="0" i="0" u="none" strike="noStrike" dirty="0">
+                          <a:solidFill>
+                            <a:srgbClr val="000000"/>
+                          </a:solidFill>
+                          <a:effectLst/>
+                          <a:latin typeface="Calibri" panose="020F0502020204030204" pitchFamily="34" charset="0"/>
+                        </a:rPr>
+                        <a:t>169.03 ± 34.75 (Missing = </a:t>
+                      </a:r>
+                      <a:r>
+                        <a:rPr lang="en-US" sz="1100" b="0" i="0" u="none" strike="noStrike" dirty="0" smtClean="0">
+                          <a:solidFill>
+                            <a:srgbClr val="000000"/>
+                          </a:solidFill>
+                          <a:effectLst/>
+                          <a:latin typeface="Calibri" panose="020F0502020204030204" pitchFamily="34" charset="0"/>
+                        </a:rPr>
+                        <a:t>1855)</a:t>
+                      </a:r>
+                      <a:endParaRPr lang="en-US" sz="1100" b="0" i="0" u="none" strike="noStrike" dirty="0">
+                        <a:solidFill>
+                          <a:srgbClr val="000000"/>
+                        </a:solidFill>
                         <a:effectLst/>
-                        <a:latin typeface="Times New Roman" panose="02020603050405020304" pitchFamily="18" charset="0"/>
-                        <a:ea typeface="Calibri" panose="020F0502020204030204" pitchFamily="34" charset="0"/>
-                        <a:cs typeface="Times New Roman" panose="02020603050405020304" pitchFamily="18" charset="0"/>
+                        <a:latin typeface="Calibri" panose="020F0502020204030204" pitchFamily="34" charset="0"/>
                       </a:endParaRPr>
                     </a:p>
                   </a:txBody>
-                  <a:tcPr marL="68580" marR="68580" marT="0" marB="0">
+                  <a:tcPr marL="6350" marR="6350" marT="6350" marB="0" anchor="b">
                     <a:lnL>
                       <a:noFill/>
                     </a:lnL>
@@ -4795,35 +4897,37 @@
                     <a:bodyPr/>
                     <a:lstStyle/>
                     <a:p>
-                      <a:pPr marL="0" marR="0" algn="ctr">
-                        <a:spcBef>
-                          <a:spcPts val="0"/>
-                        </a:spcBef>
-                        <a:spcAft>
-                          <a:spcPts val="0"/>
-                        </a:spcAft>
-                      </a:pPr>
-                      <a:r>
-                        <a:rPr lang="en-US" sz="1100">
-                          <a:solidFill>
-                            <a:srgbClr val="000000"/>
-                          </a:solidFill>
-                          <a:effectLst/>
-                          <a:latin typeface="Times New Roman" panose="02020603050405020304" pitchFamily="18" charset="0"/>
-                          <a:ea typeface="Times New Roman" panose="02020603050405020304" pitchFamily="18" charset="0"/>
-                          <a:cs typeface="Times New Roman" panose="02020603050405020304" pitchFamily="18" charset="0"/>
-                        </a:rPr>
-                        <a:t>65.49 ± 2.56 (NA = 1855)</a:t>
-                      </a:r>
-                      <a:endParaRPr lang="en-US" sz="1100">
+                      <a:pPr algn="ctr" fontAlgn="b"/>
+                      <a:r>
+                        <a:rPr lang="en-US" sz="1100" b="0" i="0" u="none" strike="noStrike" dirty="0">
+                          <a:solidFill>
+                            <a:srgbClr val="000000"/>
+                          </a:solidFill>
+                          <a:effectLst/>
+                          <a:latin typeface="Calibri" panose="020F0502020204030204" pitchFamily="34" charset="0"/>
+                        </a:rPr>
+                        <a:t>65.49 ± 2.56 (Missing = </a:t>
+                      </a:r>
+                      <a:r>
+                        <a:rPr lang="en-US" sz="1100" b="0" i="0" u="none" strike="noStrike" dirty="0" smtClean="0">
+                          <a:solidFill>
+                            <a:srgbClr val="000000"/>
+                          </a:solidFill>
+                          <a:effectLst/>
+                          <a:latin typeface="Calibri" panose="020F0502020204030204" pitchFamily="34" charset="0"/>
+                        </a:rPr>
+                        <a:t>1855)</a:t>
+                      </a:r>
+                      <a:endParaRPr lang="en-US" sz="1100" b="0" i="0" u="none" strike="noStrike" dirty="0">
+                        <a:solidFill>
+                          <a:srgbClr val="000000"/>
+                        </a:solidFill>
                         <a:effectLst/>
-                        <a:latin typeface="Times New Roman" panose="02020603050405020304" pitchFamily="18" charset="0"/>
-                        <a:ea typeface="Calibri" panose="020F0502020204030204" pitchFamily="34" charset="0"/>
-                        <a:cs typeface="Times New Roman" panose="02020603050405020304" pitchFamily="18" charset="0"/>
+                        <a:latin typeface="Calibri" panose="020F0502020204030204" pitchFamily="34" charset="0"/>
                       </a:endParaRPr>
                     </a:p>
                   </a:txBody>
-                  <a:tcPr marL="68580" marR="68580" marT="0" marB="0">
+                  <a:tcPr marL="6350" marR="6350" marT="6350" marB="0" anchor="b">
                     <a:lnL>
                       <a:noFill/>
                     </a:lnL>
@@ -4910,35 +5014,37 @@
                     <a:bodyPr/>
                     <a:lstStyle/>
                     <a:p>
-                      <a:pPr marL="0" marR="0" algn="ctr">
-                        <a:spcBef>
-                          <a:spcPts val="0"/>
-                        </a:spcBef>
-                        <a:spcAft>
-                          <a:spcPts val="0"/>
-                        </a:spcAft>
-                      </a:pPr>
-                      <a:r>
-                        <a:rPr lang="en-US" sz="1100">
-                          <a:solidFill>
-                            <a:srgbClr val="000000"/>
-                          </a:solidFill>
-                          <a:effectLst/>
-                          <a:latin typeface="Times New Roman" panose="02020603050405020304" pitchFamily="18" charset="0"/>
-                          <a:ea typeface="Times New Roman" panose="02020603050405020304" pitchFamily="18" charset="0"/>
-                          <a:cs typeface="Times New Roman" panose="02020603050405020304" pitchFamily="18" charset="0"/>
-                        </a:rPr>
-                        <a:t>28.62 ± 3.82 (NA = 1855)</a:t>
-                      </a:r>
-                      <a:endParaRPr lang="en-US" sz="1100">
+                      <a:pPr algn="ctr" fontAlgn="b"/>
+                      <a:r>
+                        <a:rPr lang="en-US" sz="1100" b="0" i="0" u="none" strike="noStrike" dirty="0">
+                          <a:solidFill>
+                            <a:srgbClr val="000000"/>
+                          </a:solidFill>
+                          <a:effectLst/>
+                          <a:latin typeface="Calibri" panose="020F0502020204030204" pitchFamily="34" charset="0"/>
+                        </a:rPr>
+                        <a:t>27.66 ± 5.26 (Missing = </a:t>
+                      </a:r>
+                      <a:r>
+                        <a:rPr lang="en-US" sz="1100" b="0" i="0" u="none" strike="noStrike" dirty="0" smtClean="0">
+                          <a:solidFill>
+                            <a:srgbClr val="000000"/>
+                          </a:solidFill>
+                          <a:effectLst/>
+                          <a:latin typeface="Calibri" panose="020F0502020204030204" pitchFamily="34" charset="0"/>
+                        </a:rPr>
+                        <a:t>1855)</a:t>
+                      </a:r>
+                      <a:endParaRPr lang="en-US" sz="1100" b="0" i="0" u="none" strike="noStrike" dirty="0">
+                        <a:solidFill>
+                          <a:srgbClr val="000000"/>
+                        </a:solidFill>
                         <a:effectLst/>
-                        <a:latin typeface="Times New Roman" panose="02020603050405020304" pitchFamily="18" charset="0"/>
-                        <a:ea typeface="Calibri" panose="020F0502020204030204" pitchFamily="34" charset="0"/>
-                        <a:cs typeface="Times New Roman" panose="02020603050405020304" pitchFamily="18" charset="0"/>
+                        <a:latin typeface="Calibri" panose="020F0502020204030204" pitchFamily="34" charset="0"/>
                       </a:endParaRPr>
                     </a:p>
                   </a:txBody>
-                  <a:tcPr marL="68580" marR="68580" marT="0" marB="0">
+                  <a:tcPr marL="6350" marR="6350" marT="6350" marB="0" anchor="b">
                     <a:lnL>
                       <a:noFill/>
                     </a:lnL>
@@ -5025,35 +5131,37 @@
                     <a:bodyPr/>
                     <a:lstStyle/>
                     <a:p>
-                      <a:pPr marL="0" marR="0" algn="ctr">
-                        <a:spcBef>
-                          <a:spcPts val="0"/>
-                        </a:spcBef>
-                        <a:spcAft>
-                          <a:spcPts val="0"/>
-                        </a:spcAft>
-                      </a:pPr>
-                      <a:r>
-                        <a:rPr lang="en-US" sz="1100">
-                          <a:solidFill>
-                            <a:srgbClr val="000000"/>
-                          </a:solidFill>
-                          <a:effectLst/>
-                          <a:latin typeface="Times New Roman" panose="02020603050405020304" pitchFamily="18" charset="0"/>
-                          <a:ea typeface="Times New Roman" panose="02020603050405020304" pitchFamily="18" charset="0"/>
-                          <a:cs typeface="Times New Roman" panose="02020603050405020304" pitchFamily="18" charset="0"/>
-                        </a:rPr>
-                        <a:t>3.89 ± 0.5 (NA = 16498)</a:t>
-                      </a:r>
-                      <a:endParaRPr lang="en-US" sz="1100">
+                      <a:pPr algn="ctr" fontAlgn="b"/>
+                      <a:r>
+                        <a:rPr lang="en-US" sz="1100" b="0" i="0" u="none" strike="noStrike" dirty="0">
+                          <a:solidFill>
+                            <a:srgbClr val="000000"/>
+                          </a:solidFill>
+                          <a:effectLst/>
+                          <a:latin typeface="Calibri" panose="020F0502020204030204" pitchFamily="34" charset="0"/>
+                        </a:rPr>
+                        <a:t>3.89 ± 0.5 (Missing = </a:t>
+                      </a:r>
+                      <a:r>
+                        <a:rPr lang="en-US" sz="1100" b="0" i="0" u="none" strike="noStrike" dirty="0" smtClean="0">
+                          <a:solidFill>
+                            <a:srgbClr val="000000"/>
+                          </a:solidFill>
+                          <a:effectLst/>
+                          <a:latin typeface="Calibri" panose="020F0502020204030204" pitchFamily="34" charset="0"/>
+                        </a:rPr>
+                        <a:t>16496)</a:t>
+                      </a:r>
+                      <a:endParaRPr lang="en-US" sz="1100" b="0" i="0" u="none" strike="noStrike" dirty="0">
+                        <a:solidFill>
+                          <a:srgbClr val="000000"/>
+                        </a:solidFill>
                         <a:effectLst/>
-                        <a:latin typeface="Times New Roman" panose="02020603050405020304" pitchFamily="18" charset="0"/>
-                        <a:ea typeface="Calibri" panose="020F0502020204030204" pitchFamily="34" charset="0"/>
-                        <a:cs typeface="Times New Roman" panose="02020603050405020304" pitchFamily="18" charset="0"/>
+                        <a:latin typeface="Calibri" panose="020F0502020204030204" pitchFamily="34" charset="0"/>
                       </a:endParaRPr>
                     </a:p>
                   </a:txBody>
-                  <a:tcPr marL="68580" marR="68580" marT="0" marB="0">
+                  <a:tcPr marL="6350" marR="6350" marT="6350" marB="0" anchor="b">
                     <a:lnL>
                       <a:noFill/>
                     </a:lnL>
@@ -5089,7 +5197,7 @@
                         </a:spcAft>
                       </a:pPr>
                       <a:r>
-                        <a:rPr lang="en-US" sz="1100" b="1">
+                        <a:rPr lang="en-US" sz="1100" b="1" dirty="0">
                           <a:solidFill>
                             <a:srgbClr val="000000"/>
                           </a:solidFill>
@@ -5101,7 +5209,7 @@
                         <a:t>30 day mortality </a:t>
                       </a:r>
                       <a:r>
-                        <a:rPr lang="en-US" sz="1100">
+                        <a:rPr lang="en-US" sz="1100" dirty="0">
                           <a:solidFill>
                             <a:srgbClr val="000000"/>
                           </a:solidFill>
@@ -5112,7 +5220,7 @@
                         </a:rPr>
                         <a:t>(% (n))</a:t>
                       </a:r>
-                      <a:endParaRPr lang="en-US" sz="1100">
+                      <a:endParaRPr lang="en-US" sz="1100" dirty="0">
                         <a:effectLst/>
                         <a:latin typeface="Times New Roman" panose="02020603050405020304" pitchFamily="18" charset="0"/>
                         <a:ea typeface="Calibri" panose="020F0502020204030204" pitchFamily="34" charset="0"/>
@@ -5146,35 +5254,40 @@
                     <a:bodyPr/>
                     <a:lstStyle/>
                     <a:p>
-                      <a:pPr marL="0" marR="0" algn="ctr">
-                        <a:spcBef>
-                          <a:spcPts val="0"/>
-                        </a:spcBef>
-                        <a:spcAft>
-                          <a:spcPts val="0"/>
-                        </a:spcAft>
-                      </a:pPr>
-                      <a:r>
-                        <a:rPr lang="en-US" sz="1100" dirty="0">
-                          <a:solidFill>
-                            <a:srgbClr val="000000"/>
-                          </a:solidFill>
-                          <a:effectLst/>
-                          <a:latin typeface="Times New Roman" panose="02020603050405020304" pitchFamily="18" charset="0"/>
-                          <a:ea typeface="Times New Roman" panose="02020603050405020304" pitchFamily="18" charset="0"/>
-                          <a:cs typeface="Times New Roman" panose="02020603050405020304" pitchFamily="18" charset="0"/>
-                        </a:rPr>
-                        <a:t>3.28 (869)</a:t>
-                      </a:r>
-                      <a:endParaRPr lang="en-US" sz="1100" dirty="0">
-                        <a:effectLst/>
-                        <a:latin typeface="Times New Roman" panose="02020603050405020304" pitchFamily="18" charset="0"/>
-                        <a:ea typeface="Calibri" panose="020F0502020204030204" pitchFamily="34" charset="0"/>
-                        <a:cs typeface="Times New Roman" panose="02020603050405020304" pitchFamily="18" charset="0"/>
-                      </a:endParaRPr>
-                    </a:p>
-                  </a:txBody>
-                  <a:tcPr marL="68580" marR="68580" marT="0" marB="0">
+                      <a:pPr algn="ctr" fontAlgn="b"/>
+                      <a:r>
+                        <a:rPr lang="en-US" sz="1100" b="0" i="0" u="none" strike="noStrike" dirty="0">
+                          <a:solidFill>
+                            <a:srgbClr val="000000"/>
+                          </a:solidFill>
+                          <a:effectLst/>
+                          <a:latin typeface="Calibri" panose="020F0502020204030204" pitchFamily="34" charset="0"/>
+                        </a:rPr>
+                        <a:t>3.27 </a:t>
+                      </a:r>
+                      <a:r>
+                        <a:rPr lang="en-US" sz="1100" b="0" i="0" u="none" strike="noStrike" dirty="0" smtClean="0">
+                          <a:solidFill>
+                            <a:srgbClr val="000000"/>
+                          </a:solidFill>
+                          <a:effectLst/>
+                          <a:latin typeface="Calibri" panose="020F0502020204030204" pitchFamily="34" charset="0"/>
+                        </a:rPr>
+                        <a:t>(868 </a:t>
+                      </a:r>
+                      <a:r>
+                        <a:rPr lang="en-US" sz="1100" b="0" i="0" u="none" strike="noStrike" dirty="0">
+                          <a:solidFill>
+                            <a:srgbClr val="000000"/>
+                          </a:solidFill>
+                          <a:effectLst/>
+                          <a:latin typeface="Calibri" panose="020F0502020204030204" pitchFamily="34" charset="0"/>
+                        </a:rPr>
+                        <a:t>)</a:t>
+                      </a:r>
+                    </a:p>
+                  </a:txBody>
+                  <a:tcPr marL="6350" marR="6350" marT="6350" marB="0" anchor="b">
                     <a:lnL>
                       <a:noFill/>
                     </a:lnL>
@@ -5214,7 +5327,7 @@
           <p:nvPr>
             <p:extLst>
               <p:ext uri="{D42A27DB-BD31-4B8C-83A1-F6EECF244321}">
-                <p14:modId xmlns:p14="http://schemas.microsoft.com/office/powerpoint/2010/main" val="2958819105"/>
+                <p14:modId xmlns:p14="http://schemas.microsoft.com/office/powerpoint/2010/main" val="1654386806"/>
               </p:ext>
             </p:extLst>
           </p:nvPr>
@@ -5594,7 +5707,7 @@
                         </a:spcAft>
                       </a:pPr>
                       <a:r>
-                        <a:rPr lang="en-US" sz="1100" b="1">
+                        <a:rPr lang="en-US" sz="1100" b="1" dirty="0">
                           <a:solidFill>
                             <a:srgbClr val="000000"/>
                           </a:solidFill>
@@ -5603,9 +5716,21 @@
                           <a:ea typeface="Times New Roman" panose="02020603050405020304" pitchFamily="18" charset="0"/>
                           <a:cs typeface="Times New Roman" panose="02020603050405020304" pitchFamily="18" charset="0"/>
                         </a:rPr>
-                        <a:t>Death Rate</a:t>
-                      </a:r>
-                      <a:endParaRPr lang="en-US" sz="1100">
+                        <a:t>Death </a:t>
+                      </a:r>
+                      <a:r>
+                        <a:rPr lang="en-US" sz="1100" b="1" dirty="0" smtClean="0">
+                          <a:solidFill>
+                            <a:srgbClr val="000000"/>
+                          </a:solidFill>
+                          <a:effectLst/>
+                          <a:latin typeface="Times New Roman" panose="02020603050405020304" pitchFamily="18" charset="0"/>
+                          <a:ea typeface="Times New Roman" panose="02020603050405020304" pitchFamily="18" charset="0"/>
+                          <a:cs typeface="Times New Roman" panose="02020603050405020304" pitchFamily="18" charset="0"/>
+                        </a:rPr>
+                        <a:t>Rate </a:t>
+                      </a:r>
+                      <a:endParaRPr lang="en-US" sz="1100" dirty="0">
                         <a:effectLst/>
                         <a:latin typeface="Times New Roman" panose="02020603050405020304" pitchFamily="18" charset="0"/>
                         <a:ea typeface="Calibri" panose="020F0502020204030204" pitchFamily="34" charset="0"/>
@@ -5774,7 +5899,7 @@
                         </a:spcAft>
                       </a:pPr>
                       <a:r>
-                        <a:rPr lang="en-US" sz="1100" b="1">
+                        <a:rPr lang="en-US" sz="1100" b="1" dirty="0">
                           <a:solidFill>
                             <a:srgbClr val="000000"/>
                           </a:solidFill>
@@ -5785,7 +5910,7 @@
                         </a:rPr>
                         <a:t> Average BMI</a:t>
                       </a:r>
-                      <a:endParaRPr lang="en-US" sz="1100">
+                      <a:endParaRPr lang="en-US" sz="1100" dirty="0">
                         <a:effectLst/>
                         <a:latin typeface="Times New Roman" panose="02020603050405020304" pitchFamily="18" charset="0"/>
                         <a:ea typeface="Calibri" panose="020F0502020204030204" pitchFamily="34" charset="0"/>
@@ -5832,35 +5957,22 @@
                     <a:bodyPr/>
                     <a:lstStyle/>
                     <a:p>
-                      <a:pPr marL="0" marR="0" algn="ctr">
-                        <a:spcBef>
-                          <a:spcPts val="0"/>
-                        </a:spcBef>
-                        <a:spcAft>
-                          <a:spcPts val="0"/>
-                        </a:spcAft>
-                      </a:pPr>
-                      <a:r>
-                        <a:rPr lang="en-US" sz="1000">
-                          <a:solidFill>
-                            <a:srgbClr val="000000"/>
-                          </a:solidFill>
-                          <a:effectLst/>
-                          <a:latin typeface="Times New Roman" panose="02020603050405020304" pitchFamily="18" charset="0"/>
-                          <a:ea typeface="Times New Roman" panose="02020603050405020304" pitchFamily="18" charset="0"/>
-                          <a:cs typeface="Times New Roman" panose="02020603050405020304" pitchFamily="18" charset="0"/>
+                      <a:pPr algn="ctr" fontAlgn="b"/>
+                      <a:r>
+                        <a:rPr lang="en-US" sz="1100" b="0" i="0" u="none" strike="noStrike">
+                          <a:solidFill>
+                            <a:srgbClr val="000000"/>
+                          </a:solidFill>
+                          <a:effectLst/>
+                          <a:latin typeface="Times New Roman Uni" panose="02020603050405020304" pitchFamily="18" charset="-128"/>
+                          <a:ea typeface="Times New Roman Uni" panose="02020603050405020304" pitchFamily="18" charset="-128"/>
+                          <a:cs typeface="Times New Roman Uni" panose="02020603050405020304" pitchFamily="18" charset="-128"/>
                         </a:rPr>
                         <a:t>9</a:t>
                       </a:r>
-                      <a:endParaRPr lang="en-US" sz="1100">
-                        <a:effectLst/>
-                        <a:latin typeface="Times New Roman" panose="02020603050405020304" pitchFamily="18" charset="0"/>
-                        <a:ea typeface="Calibri" panose="020F0502020204030204" pitchFamily="34" charset="0"/>
-                        <a:cs typeface="Times New Roman" panose="02020603050405020304" pitchFamily="18" charset="0"/>
-                      </a:endParaRPr>
-                    </a:p>
-                  </a:txBody>
-                  <a:tcPr marL="68580" marR="68580" marT="0" marB="0">
+                    </a:p>
+                  </a:txBody>
+                  <a:tcPr marL="6350" marR="6350" marT="6350" marB="0" anchor="b">
                     <a:lnL>
                       <a:noFill/>
                     </a:lnL>
@@ -5886,35 +5998,22 @@
                     <a:bodyPr/>
                     <a:lstStyle/>
                     <a:p>
-                      <a:pPr marL="0" marR="0" algn="ctr">
-                        <a:spcBef>
-                          <a:spcPts val="0"/>
-                        </a:spcBef>
-                        <a:spcAft>
-                          <a:spcPts val="0"/>
-                        </a:spcAft>
-                      </a:pPr>
-                      <a:r>
-                        <a:rPr lang="en-US" sz="1000">
-                          <a:solidFill>
-                            <a:srgbClr val="000000"/>
-                          </a:solidFill>
-                          <a:effectLst/>
-                          <a:latin typeface="Times New Roman" panose="02020603050405020304" pitchFamily="18" charset="0"/>
-                          <a:ea typeface="Times New Roman" panose="02020603050405020304" pitchFamily="18" charset="0"/>
-                          <a:cs typeface="Times New Roman" panose="02020603050405020304" pitchFamily="18" charset="0"/>
+                      <a:pPr algn="ctr" fontAlgn="b"/>
+                      <a:r>
+                        <a:rPr lang="en-US" sz="1100" b="0" i="0" u="none" strike="noStrike">
+                          <a:solidFill>
+                            <a:srgbClr val="000000"/>
+                          </a:solidFill>
+                          <a:effectLst/>
+                          <a:latin typeface="Times New Roman Uni" panose="02020603050405020304" pitchFamily="18" charset="-128"/>
+                          <a:ea typeface="Times New Roman Uni" panose="02020603050405020304" pitchFamily="18" charset="-128"/>
+                          <a:cs typeface="Times New Roman Uni" panose="02020603050405020304" pitchFamily="18" charset="-128"/>
                         </a:rPr>
                         <a:t>0</a:t>
                       </a:r>
-                      <a:endParaRPr lang="en-US" sz="1100">
-                        <a:effectLst/>
-                        <a:latin typeface="Times New Roman" panose="02020603050405020304" pitchFamily="18" charset="0"/>
-                        <a:ea typeface="Calibri" panose="020F0502020204030204" pitchFamily="34" charset="0"/>
-                        <a:cs typeface="Times New Roman" panose="02020603050405020304" pitchFamily="18" charset="0"/>
-                      </a:endParaRPr>
-                    </a:p>
-                  </a:txBody>
-                  <a:tcPr marL="68580" marR="68580" marT="0" marB="0">
+                    </a:p>
+                  </a:txBody>
+                  <a:tcPr marL="6350" marR="6350" marT="6350" marB="0" anchor="b">
                     <a:lnL>
                       <a:noFill/>
                     </a:lnL>
@@ -5940,35 +6039,22 @@
                     <a:bodyPr/>
                     <a:lstStyle/>
                     <a:p>
-                      <a:pPr marL="0" marR="0" algn="ctr">
-                        <a:spcBef>
-                          <a:spcPts val="0"/>
-                        </a:spcBef>
-                        <a:spcAft>
-                          <a:spcPts val="0"/>
-                        </a:spcAft>
-                      </a:pPr>
-                      <a:r>
-                        <a:rPr lang="en-US" sz="1000">
-                          <a:solidFill>
-                            <a:srgbClr val="000000"/>
-                          </a:solidFill>
-                          <a:effectLst/>
-                          <a:latin typeface="Times New Roman" panose="02020603050405020304" pitchFamily="18" charset="0"/>
-                          <a:ea typeface="Times New Roman" panose="02020603050405020304" pitchFamily="18" charset="0"/>
-                          <a:cs typeface="Times New Roman" panose="02020603050405020304" pitchFamily="18" charset="0"/>
+                      <a:pPr algn="ctr" fontAlgn="b"/>
+                      <a:r>
+                        <a:rPr lang="en-US" sz="1100" b="0" i="0" u="none" strike="noStrike">
+                          <a:solidFill>
+                            <a:srgbClr val="000000"/>
+                          </a:solidFill>
+                          <a:effectLst/>
+                          <a:latin typeface="Times New Roman Uni" panose="02020603050405020304" pitchFamily="18" charset="-128"/>
+                          <a:ea typeface="Times New Roman Uni" panose="02020603050405020304" pitchFamily="18" charset="-128"/>
+                          <a:cs typeface="Times New Roman Uni" panose="02020603050405020304" pitchFamily="18" charset="-128"/>
                         </a:rPr>
                         <a:t>105</a:t>
                       </a:r>
-                      <a:endParaRPr lang="en-US" sz="1100">
-                        <a:effectLst/>
-                        <a:latin typeface="Times New Roman" panose="02020603050405020304" pitchFamily="18" charset="0"/>
-                        <a:ea typeface="Calibri" panose="020F0502020204030204" pitchFamily="34" charset="0"/>
-                        <a:cs typeface="Times New Roman" panose="02020603050405020304" pitchFamily="18" charset="0"/>
-                      </a:endParaRPr>
-                    </a:p>
-                  </a:txBody>
-                  <a:tcPr marL="68580" marR="68580" marT="0" marB="0">
+                    </a:p>
+                  </a:txBody>
+                  <a:tcPr marL="6350" marR="6350" marT="6350" marB="0" anchor="b">
                     <a:lnL>
                       <a:noFill/>
                     </a:lnL>
@@ -5994,35 +6080,22 @@
                     <a:bodyPr/>
                     <a:lstStyle/>
                     <a:p>
-                      <a:pPr marL="0" marR="0" algn="ctr">
-                        <a:spcBef>
-                          <a:spcPts val="0"/>
-                        </a:spcBef>
-                        <a:spcAft>
-                          <a:spcPts val="0"/>
-                        </a:spcAft>
-                      </a:pPr>
-                      <a:r>
-                        <a:rPr lang="en-US" sz="1000">
-                          <a:solidFill>
-                            <a:srgbClr val="000000"/>
-                          </a:solidFill>
-                          <a:effectLst/>
-                          <a:latin typeface="Times New Roman" panose="02020603050405020304" pitchFamily="18" charset="0"/>
-                          <a:ea typeface="Times New Roman" panose="02020603050405020304" pitchFamily="18" charset="0"/>
-                          <a:cs typeface="Times New Roman" panose="02020603050405020304" pitchFamily="18" charset="0"/>
+                      <a:pPr algn="ctr" fontAlgn="b"/>
+                      <a:r>
+                        <a:rPr lang="en-US" sz="1100" b="0" i="0" u="none" strike="noStrike">
+                          <a:solidFill>
+                            <a:srgbClr val="000000"/>
+                          </a:solidFill>
+                          <a:effectLst/>
+                          <a:latin typeface="Times New Roman Uni" panose="02020603050405020304" pitchFamily="18" charset="-128"/>
+                          <a:ea typeface="Times New Roman Uni" panose="02020603050405020304" pitchFamily="18" charset="-128"/>
+                          <a:cs typeface="Times New Roman Uni" panose="02020603050405020304" pitchFamily="18" charset="-128"/>
                         </a:rPr>
                         <a:t>0</a:t>
                       </a:r>
-                      <a:endParaRPr lang="en-US" sz="1100">
-                        <a:effectLst/>
-                        <a:latin typeface="Times New Roman" panose="02020603050405020304" pitchFamily="18" charset="0"/>
-                        <a:ea typeface="Calibri" panose="020F0502020204030204" pitchFamily="34" charset="0"/>
-                        <a:cs typeface="Times New Roman" panose="02020603050405020304" pitchFamily="18" charset="0"/>
-                      </a:endParaRPr>
-                    </a:p>
-                  </a:txBody>
-                  <a:tcPr marL="68580" marR="68580" marT="0" marB="0">
+                    </a:p>
+                  </a:txBody>
+                  <a:tcPr marL="6350" marR="6350" marT="6350" marB="0" anchor="b">
                     <a:lnL>
                       <a:noFill/>
                     </a:lnL>
@@ -6048,35 +6121,22 @@
                     <a:bodyPr/>
                     <a:lstStyle/>
                     <a:p>
-                      <a:pPr marL="0" marR="0" algn="ctr">
-                        <a:spcBef>
-                          <a:spcPts val="0"/>
-                        </a:spcBef>
-                        <a:spcAft>
-                          <a:spcPts val="0"/>
-                        </a:spcAft>
-                      </a:pPr>
-                      <a:r>
-                        <a:rPr lang="en-US" sz="1000">
-                          <a:solidFill>
-                            <a:srgbClr val="000000"/>
-                          </a:solidFill>
-                          <a:effectLst/>
-                          <a:latin typeface="Times New Roman" panose="02020603050405020304" pitchFamily="18" charset="0"/>
-                          <a:ea typeface="Times New Roman" panose="02020603050405020304" pitchFamily="18" charset="0"/>
-                          <a:cs typeface="Times New Roman" panose="02020603050405020304" pitchFamily="18" charset="0"/>
+                      <a:pPr algn="ctr" fontAlgn="b"/>
+                      <a:r>
+                        <a:rPr lang="en-US" sz="1100" b="0" i="0" u="none" strike="noStrike">
+                          <a:solidFill>
+                            <a:srgbClr val="000000"/>
+                          </a:solidFill>
+                          <a:effectLst/>
+                          <a:latin typeface="Times New Roman Uni" panose="02020603050405020304" pitchFamily="18" charset="-128"/>
+                          <a:ea typeface="Times New Roman Uni" panose="02020603050405020304" pitchFamily="18" charset="-128"/>
+                          <a:cs typeface="Times New Roman Uni" panose="02020603050405020304" pitchFamily="18" charset="-128"/>
                         </a:rPr>
                         <a:t>73.33</a:t>
                       </a:r>
-                      <a:endParaRPr lang="en-US" sz="1100">
-                        <a:effectLst/>
-                        <a:latin typeface="Times New Roman" panose="02020603050405020304" pitchFamily="18" charset="0"/>
-                        <a:ea typeface="Calibri" panose="020F0502020204030204" pitchFamily="34" charset="0"/>
-                        <a:cs typeface="Times New Roman" panose="02020603050405020304" pitchFamily="18" charset="0"/>
-                      </a:endParaRPr>
-                    </a:p>
-                  </a:txBody>
-                  <a:tcPr marL="68580" marR="68580" marT="0" marB="0">
+                    </a:p>
+                  </a:txBody>
+                  <a:tcPr marL="6350" marR="6350" marT="6350" marB="0" anchor="b">
                     <a:lnL>
                       <a:noFill/>
                     </a:lnL>
@@ -6102,35 +6162,22 @@
                     <a:bodyPr/>
                     <a:lstStyle/>
                     <a:p>
-                      <a:pPr marL="0" marR="0" algn="ctr">
-                        <a:spcBef>
-                          <a:spcPts val="0"/>
-                        </a:spcBef>
-                        <a:spcAft>
-                          <a:spcPts val="0"/>
-                        </a:spcAft>
-                      </a:pPr>
-                      <a:r>
-                        <a:rPr lang="en-US" sz="1000">
-                          <a:solidFill>
-                            <a:srgbClr val="000000"/>
-                          </a:solidFill>
-                          <a:effectLst/>
-                          <a:latin typeface="Times New Roman" panose="02020603050405020304" pitchFamily="18" charset="0"/>
-                          <a:ea typeface="Times New Roman" panose="02020603050405020304" pitchFamily="18" charset="0"/>
-                          <a:cs typeface="Times New Roman" panose="02020603050405020304" pitchFamily="18" charset="0"/>
+                      <a:pPr algn="ctr" fontAlgn="b"/>
+                      <a:r>
+                        <a:rPr lang="en-US" sz="1100" b="0" i="0" u="none" strike="noStrike">
+                          <a:solidFill>
+                            <a:srgbClr val="000000"/>
+                          </a:solidFill>
+                          <a:effectLst/>
+                          <a:latin typeface="Times New Roman Uni" panose="02020603050405020304" pitchFamily="18" charset="-128"/>
+                          <a:ea typeface="Times New Roman Uni" panose="02020603050405020304" pitchFamily="18" charset="-128"/>
+                          <a:cs typeface="Times New Roman Uni" panose="02020603050405020304" pitchFamily="18" charset="-128"/>
                         </a:rPr>
                         <a:t>72.38</a:t>
                       </a:r>
-                      <a:endParaRPr lang="en-US" sz="1100">
-                        <a:effectLst/>
-                        <a:latin typeface="Times New Roman" panose="02020603050405020304" pitchFamily="18" charset="0"/>
-                        <a:ea typeface="Calibri" panose="020F0502020204030204" pitchFamily="34" charset="0"/>
-                        <a:cs typeface="Times New Roman" panose="02020603050405020304" pitchFamily="18" charset="0"/>
-                      </a:endParaRPr>
-                    </a:p>
-                  </a:txBody>
-                  <a:tcPr marL="68580" marR="68580" marT="0" marB="0">
+                    </a:p>
+                  </a:txBody>
+                  <a:tcPr marL="6350" marR="6350" marT="6350" marB="0" anchor="b">
                     <a:lnL>
                       <a:noFill/>
                     </a:lnL>
@@ -6156,35 +6203,22 @@
                     <a:bodyPr/>
                     <a:lstStyle/>
                     <a:p>
-                      <a:pPr marL="0" marR="0" algn="ctr">
-                        <a:spcBef>
-                          <a:spcPts val="0"/>
-                        </a:spcBef>
-                        <a:spcAft>
-                          <a:spcPts val="0"/>
-                        </a:spcAft>
-                      </a:pPr>
-                      <a:r>
-                        <a:rPr lang="en-US" sz="1000">
-                          <a:solidFill>
-                            <a:srgbClr val="000000"/>
-                          </a:solidFill>
-                          <a:effectLst/>
-                          <a:latin typeface="Times New Roman" panose="02020603050405020304" pitchFamily="18" charset="0"/>
-                          <a:ea typeface="Times New Roman" panose="02020603050405020304" pitchFamily="18" charset="0"/>
-                          <a:cs typeface="Times New Roman" panose="02020603050405020304" pitchFamily="18" charset="0"/>
-                        </a:rPr>
-                        <a:t>28.8</a:t>
-                      </a:r>
-                      <a:endParaRPr lang="en-US" sz="1100">
-                        <a:effectLst/>
-                        <a:latin typeface="Times New Roman" panose="02020603050405020304" pitchFamily="18" charset="0"/>
-                        <a:ea typeface="Calibri" panose="020F0502020204030204" pitchFamily="34" charset="0"/>
-                        <a:cs typeface="Times New Roman" panose="02020603050405020304" pitchFamily="18" charset="0"/>
-                      </a:endParaRPr>
-                    </a:p>
-                  </a:txBody>
-                  <a:tcPr marL="68580" marR="68580" marT="0" marB="0">
+                      <a:pPr algn="ctr" fontAlgn="b"/>
+                      <a:r>
+                        <a:rPr lang="en-US" sz="1100" b="0" i="0" u="none" strike="noStrike">
+                          <a:solidFill>
+                            <a:srgbClr val="000000"/>
+                          </a:solidFill>
+                          <a:effectLst/>
+                          <a:latin typeface="Times New Roman Uni" panose="02020603050405020304" pitchFamily="18" charset="-128"/>
+                          <a:ea typeface="Times New Roman Uni" panose="02020603050405020304" pitchFamily="18" charset="-128"/>
+                          <a:cs typeface="Times New Roman Uni" panose="02020603050405020304" pitchFamily="18" charset="-128"/>
+                        </a:rPr>
+                        <a:t>26.13</a:t>
+                      </a:r>
+                    </a:p>
+                  </a:txBody>
+                  <a:tcPr marL="6350" marR="6350" marT="6350" marB="0" anchor="b">
                     <a:lnL>
                       <a:noFill/>
                     </a:lnL>
@@ -6217,323 +6251,232 @@
                     <a:bodyPr/>
                     <a:lstStyle/>
                     <a:p>
-                      <a:pPr marL="0" marR="0" algn="ctr">
-                        <a:spcBef>
-                          <a:spcPts val="0"/>
-                        </a:spcBef>
-                        <a:spcAft>
-                          <a:spcPts val="0"/>
-                        </a:spcAft>
-                      </a:pPr>
-                      <a:r>
-                        <a:rPr lang="en-US" sz="1000">
-                          <a:solidFill>
-                            <a:srgbClr val="000000"/>
-                          </a:solidFill>
-                          <a:effectLst/>
-                          <a:latin typeface="Times New Roman" panose="02020603050405020304" pitchFamily="18" charset="0"/>
-                          <a:ea typeface="Times New Roman" panose="02020603050405020304" pitchFamily="18" charset="0"/>
-                          <a:cs typeface="Times New Roman" panose="02020603050405020304" pitchFamily="18" charset="0"/>
+                      <a:pPr algn="ctr" fontAlgn="b"/>
+                      <a:r>
+                        <a:rPr lang="en-US" sz="1100" b="0" i="0" u="none" strike="noStrike">
+                          <a:solidFill>
+                            <a:srgbClr val="000000"/>
+                          </a:solidFill>
+                          <a:effectLst/>
+                          <a:latin typeface="Times New Roman Uni" panose="02020603050405020304" pitchFamily="18" charset="-128"/>
+                          <a:ea typeface="Times New Roman Uni" panose="02020603050405020304" pitchFamily="18" charset="-128"/>
+                          <a:cs typeface="Times New Roman Uni" panose="02020603050405020304" pitchFamily="18" charset="-128"/>
                         </a:rPr>
                         <a:t>19</a:t>
                       </a:r>
-                      <a:endParaRPr lang="en-US" sz="1100">
-                        <a:effectLst/>
-                        <a:latin typeface="Times New Roman" panose="02020603050405020304" pitchFamily="18" charset="0"/>
-                        <a:ea typeface="Calibri" panose="020F0502020204030204" pitchFamily="34" charset="0"/>
-                        <a:cs typeface="Times New Roman" panose="02020603050405020304" pitchFamily="18" charset="0"/>
-                      </a:endParaRPr>
-                    </a:p>
-                  </a:txBody>
-                  <a:tcPr marL="68580" marR="68580" marT="0" marB="0">
-                    <a:lnL>
-                      <a:noFill/>
-                    </a:lnL>
-                    <a:lnR>
-                      <a:noFill/>
-                    </a:lnR>
-                    <a:lnT>
-                      <a:noFill/>
-                    </a:lnT>
-                    <a:lnB>
-                      <a:noFill/>
-                    </a:lnB>
-                  </a:tcPr>
-                </a:tc>
-                <a:tc>
-                  <a:txBody>
-                    <a:bodyPr/>
-                    <a:lstStyle/>
-                    <a:p>
-                      <a:pPr marL="0" marR="0" algn="ctr">
-                        <a:spcBef>
-                          <a:spcPts val="0"/>
-                        </a:spcBef>
-                        <a:spcAft>
-                          <a:spcPts val="0"/>
-                        </a:spcAft>
-                      </a:pPr>
-                      <a:r>
-                        <a:rPr lang="en-US" sz="1000">
-                          <a:solidFill>
-                            <a:srgbClr val="000000"/>
-                          </a:solidFill>
-                          <a:effectLst/>
-                          <a:latin typeface="Times New Roman" panose="02020603050405020304" pitchFamily="18" charset="0"/>
-                          <a:ea typeface="Times New Roman" panose="02020603050405020304" pitchFamily="18" charset="0"/>
-                          <a:cs typeface="Times New Roman" panose="02020603050405020304" pitchFamily="18" charset="0"/>
+                    </a:p>
+                  </a:txBody>
+                  <a:tcPr marL="6350" marR="6350" marT="6350" marB="0" anchor="b">
+                    <a:lnL>
+                      <a:noFill/>
+                    </a:lnL>
+                    <a:lnR>
+                      <a:noFill/>
+                    </a:lnR>
+                    <a:lnT>
+                      <a:noFill/>
+                    </a:lnT>
+                    <a:lnB>
+                      <a:noFill/>
+                    </a:lnB>
+                  </a:tcPr>
+                </a:tc>
+                <a:tc>
+                  <a:txBody>
+                    <a:bodyPr/>
+                    <a:lstStyle/>
+                    <a:p>
+                      <a:pPr algn="ctr" fontAlgn="b"/>
+                      <a:r>
+                        <a:rPr lang="en-US" sz="1100" b="0" i="0" u="none" strike="noStrike">
+                          <a:solidFill>
+                            <a:srgbClr val="000000"/>
+                          </a:solidFill>
+                          <a:effectLst/>
+                          <a:latin typeface="Times New Roman Uni" panose="02020603050405020304" pitchFamily="18" charset="-128"/>
+                          <a:ea typeface="Times New Roman Uni" panose="02020603050405020304" pitchFamily="18" charset="-128"/>
+                          <a:cs typeface="Times New Roman Uni" panose="02020603050405020304" pitchFamily="18" charset="-128"/>
                         </a:rPr>
                         <a:t>0</a:t>
                       </a:r>
-                      <a:endParaRPr lang="en-US" sz="1100">
-                        <a:effectLst/>
-                        <a:latin typeface="Times New Roman" panose="02020603050405020304" pitchFamily="18" charset="0"/>
-                        <a:ea typeface="Calibri" panose="020F0502020204030204" pitchFamily="34" charset="0"/>
-                        <a:cs typeface="Times New Roman" panose="02020603050405020304" pitchFamily="18" charset="0"/>
-                      </a:endParaRPr>
-                    </a:p>
-                  </a:txBody>
-                  <a:tcPr marL="68580" marR="68580" marT="0" marB="0">
-                    <a:lnL>
-                      <a:noFill/>
-                    </a:lnL>
-                    <a:lnR>
-                      <a:noFill/>
-                    </a:lnR>
-                    <a:lnT>
-                      <a:noFill/>
-                    </a:lnT>
-                    <a:lnB>
-                      <a:noFill/>
-                    </a:lnB>
-                  </a:tcPr>
-                </a:tc>
-                <a:tc>
-                  <a:txBody>
-                    <a:bodyPr/>
-                    <a:lstStyle/>
-                    <a:p>
-                      <a:pPr marL="0" marR="0" algn="ctr">
-                        <a:spcBef>
-                          <a:spcPts val="0"/>
-                        </a:spcBef>
-                        <a:spcAft>
-                          <a:spcPts val="0"/>
-                        </a:spcAft>
-                      </a:pPr>
-                      <a:r>
-                        <a:rPr lang="en-US" sz="1000">
-                          <a:solidFill>
-                            <a:srgbClr val="000000"/>
-                          </a:solidFill>
-                          <a:effectLst/>
-                          <a:latin typeface="Times New Roman" panose="02020603050405020304" pitchFamily="18" charset="0"/>
-                          <a:ea typeface="Times New Roman" panose="02020603050405020304" pitchFamily="18" charset="0"/>
-                          <a:cs typeface="Times New Roman" panose="02020603050405020304" pitchFamily="18" charset="0"/>
+                    </a:p>
+                  </a:txBody>
+                  <a:tcPr marL="6350" marR="6350" marT="6350" marB="0" anchor="b">
+                    <a:lnL>
+                      <a:noFill/>
+                    </a:lnL>
+                    <a:lnR>
+                      <a:noFill/>
+                    </a:lnR>
+                    <a:lnT>
+                      <a:noFill/>
+                    </a:lnT>
+                    <a:lnB>
+                      <a:noFill/>
+                    </a:lnB>
+                  </a:tcPr>
+                </a:tc>
+                <a:tc>
+                  <a:txBody>
+                    <a:bodyPr/>
+                    <a:lstStyle/>
+                    <a:p>
+                      <a:pPr algn="ctr" fontAlgn="b"/>
+                      <a:r>
+                        <a:rPr lang="en-US" sz="1100" b="0" i="0" u="none" strike="noStrike">
+                          <a:solidFill>
+                            <a:srgbClr val="000000"/>
+                          </a:solidFill>
+                          <a:effectLst/>
+                          <a:latin typeface="Times New Roman Uni" panose="02020603050405020304" pitchFamily="18" charset="-128"/>
+                          <a:ea typeface="Times New Roman Uni" panose="02020603050405020304" pitchFamily="18" charset="-128"/>
+                          <a:cs typeface="Times New Roman Uni" panose="02020603050405020304" pitchFamily="18" charset="-128"/>
                         </a:rPr>
                         <a:t>113</a:t>
                       </a:r>
-                      <a:endParaRPr lang="en-US" sz="1100">
-                        <a:effectLst/>
-                        <a:latin typeface="Times New Roman" panose="02020603050405020304" pitchFamily="18" charset="0"/>
-                        <a:ea typeface="Calibri" panose="020F0502020204030204" pitchFamily="34" charset="0"/>
-                        <a:cs typeface="Times New Roman" panose="02020603050405020304" pitchFamily="18" charset="0"/>
-                      </a:endParaRPr>
-                    </a:p>
-                  </a:txBody>
-                  <a:tcPr marL="68580" marR="68580" marT="0" marB="0">
-                    <a:lnL>
-                      <a:noFill/>
-                    </a:lnL>
-                    <a:lnR>
-                      <a:noFill/>
-                    </a:lnR>
-                    <a:lnT>
-                      <a:noFill/>
-                    </a:lnT>
-                    <a:lnB>
-                      <a:noFill/>
-                    </a:lnB>
-                  </a:tcPr>
-                </a:tc>
-                <a:tc>
-                  <a:txBody>
-                    <a:bodyPr/>
-                    <a:lstStyle/>
-                    <a:p>
-                      <a:pPr marL="0" marR="0" algn="ctr">
-                        <a:spcBef>
-                          <a:spcPts val="0"/>
-                        </a:spcBef>
-                        <a:spcAft>
-                          <a:spcPts val="0"/>
-                        </a:spcAft>
-                      </a:pPr>
-                      <a:r>
-                        <a:rPr lang="en-US" sz="1000">
-                          <a:solidFill>
-                            <a:srgbClr val="000000"/>
-                          </a:solidFill>
-                          <a:effectLst/>
-                          <a:latin typeface="Times New Roman" panose="02020603050405020304" pitchFamily="18" charset="0"/>
-                          <a:ea typeface="Times New Roman" panose="02020603050405020304" pitchFamily="18" charset="0"/>
-                          <a:cs typeface="Times New Roman" panose="02020603050405020304" pitchFamily="18" charset="0"/>
+                    </a:p>
+                  </a:txBody>
+                  <a:tcPr marL="6350" marR="6350" marT="6350" marB="0" anchor="b">
+                    <a:lnL>
+                      <a:noFill/>
+                    </a:lnL>
+                    <a:lnR>
+                      <a:noFill/>
+                    </a:lnR>
+                    <a:lnT>
+                      <a:noFill/>
+                    </a:lnT>
+                    <a:lnB>
+                      <a:noFill/>
+                    </a:lnB>
+                  </a:tcPr>
+                </a:tc>
+                <a:tc>
+                  <a:txBody>
+                    <a:bodyPr/>
+                    <a:lstStyle/>
+                    <a:p>
+                      <a:pPr algn="ctr" fontAlgn="b"/>
+                      <a:r>
+                        <a:rPr lang="en-US" sz="1100" b="0" i="0" u="none" strike="noStrike">
+                          <a:solidFill>
+                            <a:srgbClr val="000000"/>
+                          </a:solidFill>
+                          <a:effectLst/>
+                          <a:latin typeface="Times New Roman Uni" panose="02020603050405020304" pitchFamily="18" charset="-128"/>
+                          <a:ea typeface="Times New Roman Uni" panose="02020603050405020304" pitchFamily="18" charset="-128"/>
+                          <a:cs typeface="Times New Roman Uni" panose="02020603050405020304" pitchFamily="18" charset="-128"/>
                         </a:rPr>
                         <a:t>0</a:t>
                       </a:r>
-                      <a:endParaRPr lang="en-US" sz="1100">
-                        <a:effectLst/>
-                        <a:latin typeface="Times New Roman" panose="02020603050405020304" pitchFamily="18" charset="0"/>
-                        <a:ea typeface="Calibri" panose="020F0502020204030204" pitchFamily="34" charset="0"/>
-                        <a:cs typeface="Times New Roman" panose="02020603050405020304" pitchFamily="18" charset="0"/>
-                      </a:endParaRPr>
-                    </a:p>
-                  </a:txBody>
-                  <a:tcPr marL="68580" marR="68580" marT="0" marB="0">
-                    <a:lnL>
-                      <a:noFill/>
-                    </a:lnL>
-                    <a:lnR>
-                      <a:noFill/>
-                    </a:lnR>
-                    <a:lnT>
-                      <a:noFill/>
-                    </a:lnT>
-                    <a:lnB>
-                      <a:noFill/>
-                    </a:lnB>
-                  </a:tcPr>
-                </a:tc>
-                <a:tc>
-                  <a:txBody>
-                    <a:bodyPr/>
-                    <a:lstStyle/>
-                    <a:p>
-                      <a:pPr marL="0" marR="0" algn="ctr">
-                        <a:spcBef>
-                          <a:spcPts val="0"/>
-                        </a:spcBef>
-                        <a:spcAft>
-                          <a:spcPts val="0"/>
-                        </a:spcAft>
-                      </a:pPr>
-                      <a:r>
-                        <a:rPr lang="en-US" sz="1000">
-                          <a:solidFill>
-                            <a:srgbClr val="000000"/>
-                          </a:solidFill>
-                          <a:effectLst/>
-                          <a:latin typeface="Times New Roman" panose="02020603050405020304" pitchFamily="18" charset="0"/>
-                          <a:ea typeface="Times New Roman" panose="02020603050405020304" pitchFamily="18" charset="0"/>
-                          <a:cs typeface="Times New Roman" panose="02020603050405020304" pitchFamily="18" charset="0"/>
+                    </a:p>
+                  </a:txBody>
+                  <a:tcPr marL="6350" marR="6350" marT="6350" marB="0" anchor="b">
+                    <a:lnL>
+                      <a:noFill/>
+                    </a:lnL>
+                    <a:lnR>
+                      <a:noFill/>
+                    </a:lnR>
+                    <a:lnT>
+                      <a:noFill/>
+                    </a:lnT>
+                    <a:lnB>
+                      <a:noFill/>
+                    </a:lnB>
+                  </a:tcPr>
+                </a:tc>
+                <a:tc>
+                  <a:txBody>
+                    <a:bodyPr/>
+                    <a:lstStyle/>
+                    <a:p>
+                      <a:pPr algn="ctr" fontAlgn="b"/>
+                      <a:r>
+                        <a:rPr lang="en-US" sz="1100" b="0" i="0" u="none" strike="noStrike">
+                          <a:solidFill>
+                            <a:srgbClr val="000000"/>
+                          </a:solidFill>
+                          <a:effectLst/>
+                          <a:latin typeface="Times New Roman Uni" panose="02020603050405020304" pitchFamily="18" charset="-128"/>
+                          <a:ea typeface="Times New Roman Uni" panose="02020603050405020304" pitchFamily="18" charset="-128"/>
+                          <a:cs typeface="Times New Roman Uni" panose="02020603050405020304" pitchFamily="18" charset="-128"/>
                         </a:rPr>
                         <a:t>73.45</a:t>
                       </a:r>
-                      <a:endParaRPr lang="en-US" sz="1100">
-                        <a:effectLst/>
-                        <a:latin typeface="Times New Roman" panose="02020603050405020304" pitchFamily="18" charset="0"/>
-                        <a:ea typeface="Calibri" panose="020F0502020204030204" pitchFamily="34" charset="0"/>
-                        <a:cs typeface="Times New Roman" panose="02020603050405020304" pitchFamily="18" charset="0"/>
-                      </a:endParaRPr>
-                    </a:p>
-                  </a:txBody>
-                  <a:tcPr marL="68580" marR="68580" marT="0" marB="0">
-                    <a:lnL>
-                      <a:noFill/>
-                    </a:lnL>
-                    <a:lnR>
-                      <a:noFill/>
-                    </a:lnR>
-                    <a:lnT>
-                      <a:noFill/>
-                    </a:lnT>
-                    <a:lnB>
-                      <a:noFill/>
-                    </a:lnB>
-                  </a:tcPr>
-                </a:tc>
-                <a:tc>
-                  <a:txBody>
-                    <a:bodyPr/>
-                    <a:lstStyle/>
-                    <a:p>
-                      <a:pPr marL="0" marR="0" algn="ctr">
-                        <a:spcBef>
-                          <a:spcPts val="0"/>
-                        </a:spcBef>
-                        <a:spcAft>
-                          <a:spcPts val="0"/>
-                        </a:spcAft>
-                      </a:pPr>
-                      <a:r>
-                        <a:rPr lang="en-US" sz="1000">
-                          <a:solidFill>
-                            <a:srgbClr val="000000"/>
-                          </a:solidFill>
-                          <a:effectLst/>
-                          <a:latin typeface="Times New Roman" panose="02020603050405020304" pitchFamily="18" charset="0"/>
-                          <a:ea typeface="Times New Roman" panose="02020603050405020304" pitchFamily="18" charset="0"/>
-                          <a:cs typeface="Times New Roman" panose="02020603050405020304" pitchFamily="18" charset="0"/>
+                    </a:p>
+                  </a:txBody>
+                  <a:tcPr marL="6350" marR="6350" marT="6350" marB="0" anchor="b">
+                    <a:lnL>
+                      <a:noFill/>
+                    </a:lnL>
+                    <a:lnR>
+                      <a:noFill/>
+                    </a:lnR>
+                    <a:lnT>
+                      <a:noFill/>
+                    </a:lnT>
+                    <a:lnB>
+                      <a:noFill/>
+                    </a:lnB>
+                  </a:tcPr>
+                </a:tc>
+                <a:tc>
+                  <a:txBody>
+                    <a:bodyPr/>
+                    <a:lstStyle/>
+                    <a:p>
+                      <a:pPr algn="ctr" fontAlgn="b"/>
+                      <a:r>
+                        <a:rPr lang="en-US" sz="1100" b="0" i="0" u="none" strike="noStrike">
+                          <a:solidFill>
+                            <a:srgbClr val="000000"/>
+                          </a:solidFill>
+                          <a:effectLst/>
+                          <a:latin typeface="Times New Roman Uni" panose="02020603050405020304" pitchFamily="18" charset="-128"/>
+                          <a:ea typeface="Times New Roman Uni" panose="02020603050405020304" pitchFamily="18" charset="-128"/>
+                          <a:cs typeface="Times New Roman Uni" panose="02020603050405020304" pitchFamily="18" charset="-128"/>
                         </a:rPr>
                         <a:t>68.14</a:t>
                       </a:r>
-                      <a:endParaRPr lang="en-US" sz="1100">
-                        <a:effectLst/>
-                        <a:latin typeface="Times New Roman" panose="02020603050405020304" pitchFamily="18" charset="0"/>
-                        <a:ea typeface="Calibri" panose="020F0502020204030204" pitchFamily="34" charset="0"/>
-                        <a:cs typeface="Times New Roman" panose="02020603050405020304" pitchFamily="18" charset="0"/>
-                      </a:endParaRPr>
-                    </a:p>
-                  </a:txBody>
-                  <a:tcPr marL="68580" marR="68580" marT="0" marB="0">
-                    <a:lnL>
-                      <a:noFill/>
-                    </a:lnL>
-                    <a:lnR>
-                      <a:noFill/>
-                    </a:lnR>
-                    <a:lnT>
-                      <a:noFill/>
-                    </a:lnT>
-                    <a:lnB>
-                      <a:noFill/>
-                    </a:lnB>
-                  </a:tcPr>
-                </a:tc>
-                <a:tc>
-                  <a:txBody>
-                    <a:bodyPr/>
-                    <a:lstStyle/>
-                    <a:p>
-                      <a:pPr marL="0" marR="0" algn="ctr">
-                        <a:spcBef>
-                          <a:spcPts val="0"/>
-                        </a:spcBef>
-                        <a:spcAft>
-                          <a:spcPts val="0"/>
-                        </a:spcAft>
-                      </a:pPr>
-                      <a:r>
-                        <a:rPr lang="en-US" sz="1000">
-                          <a:solidFill>
-                            <a:srgbClr val="000000"/>
-                          </a:solidFill>
-                          <a:effectLst/>
-                          <a:latin typeface="Times New Roman" panose="02020603050405020304" pitchFamily="18" charset="0"/>
-                          <a:ea typeface="Times New Roman" panose="02020603050405020304" pitchFamily="18" charset="0"/>
-                          <a:cs typeface="Times New Roman" panose="02020603050405020304" pitchFamily="18" charset="0"/>
+                    </a:p>
+                  </a:txBody>
+                  <a:tcPr marL="6350" marR="6350" marT="6350" marB="0" anchor="b">
+                    <a:lnL>
+                      <a:noFill/>
+                    </a:lnL>
+                    <a:lnR>
+                      <a:noFill/>
+                    </a:lnR>
+                    <a:lnT>
+                      <a:noFill/>
+                    </a:lnT>
+                    <a:lnB>
+                      <a:noFill/>
+                    </a:lnB>
+                  </a:tcPr>
+                </a:tc>
+                <a:tc>
+                  <a:txBody>
+                    <a:bodyPr/>
+                    <a:lstStyle/>
+                    <a:p>
+                      <a:pPr algn="ctr" fontAlgn="b"/>
+                      <a:r>
+                        <a:rPr lang="en-US" sz="1100" b="0" i="0" u="none" strike="noStrike">
+                          <a:solidFill>
+                            <a:srgbClr val="000000"/>
+                          </a:solidFill>
+                          <a:effectLst/>
+                          <a:latin typeface="Times New Roman Uni" panose="02020603050405020304" pitchFamily="18" charset="-128"/>
+                          <a:ea typeface="Times New Roman Uni" panose="02020603050405020304" pitchFamily="18" charset="-128"/>
+                          <a:cs typeface="Times New Roman Uni" panose="02020603050405020304" pitchFamily="18" charset="-128"/>
                         </a:rPr>
                         <a:t>28.39</a:t>
                       </a:r>
-                      <a:endParaRPr lang="en-US" sz="1100">
-                        <a:effectLst/>
-                        <a:latin typeface="Times New Roman" panose="02020603050405020304" pitchFamily="18" charset="0"/>
-                        <a:ea typeface="Calibri" panose="020F0502020204030204" pitchFamily="34" charset="0"/>
-                        <a:cs typeface="Times New Roman" panose="02020603050405020304" pitchFamily="18" charset="0"/>
-                      </a:endParaRPr>
-                    </a:p>
-                  </a:txBody>
-                  <a:tcPr marL="68580" marR="68580" marT="0" marB="0">
+                    </a:p>
+                  </a:txBody>
+                  <a:tcPr marL="6350" marR="6350" marT="6350" marB="0" anchor="b">
                     <a:lnL>
                       <a:noFill/>
                     </a:lnL>
@@ -6560,323 +6503,232 @@
                     <a:bodyPr/>
                     <a:lstStyle/>
                     <a:p>
-                      <a:pPr marL="0" marR="0" algn="ctr">
-                        <a:spcBef>
-                          <a:spcPts val="0"/>
-                        </a:spcBef>
-                        <a:spcAft>
-                          <a:spcPts val="0"/>
-                        </a:spcAft>
-                      </a:pPr>
-                      <a:r>
-                        <a:rPr lang="en-US" sz="1000">
-                          <a:solidFill>
-                            <a:srgbClr val="000000"/>
-                          </a:solidFill>
-                          <a:effectLst/>
-                          <a:latin typeface="Times New Roman" panose="02020603050405020304" pitchFamily="18" charset="0"/>
-                          <a:ea typeface="Times New Roman" panose="02020603050405020304" pitchFamily="18" charset="0"/>
-                          <a:cs typeface="Times New Roman" panose="02020603050405020304" pitchFamily="18" charset="0"/>
+                      <a:pPr algn="ctr" fontAlgn="b"/>
+                      <a:r>
+                        <a:rPr lang="en-US" sz="1100" b="0" i="0" u="none" strike="noStrike">
+                          <a:solidFill>
+                            <a:srgbClr val="000000"/>
+                          </a:solidFill>
+                          <a:effectLst/>
+                          <a:latin typeface="Times New Roman Uni" panose="02020603050405020304" pitchFamily="18" charset="-128"/>
+                          <a:ea typeface="Times New Roman Uni" panose="02020603050405020304" pitchFamily="18" charset="-128"/>
+                          <a:cs typeface="Times New Roman Uni" panose="02020603050405020304" pitchFamily="18" charset="-128"/>
                         </a:rPr>
                         <a:t>32</a:t>
                       </a:r>
-                      <a:endParaRPr lang="en-US" sz="1100">
-                        <a:effectLst/>
-                        <a:latin typeface="Times New Roman" panose="02020603050405020304" pitchFamily="18" charset="0"/>
-                        <a:ea typeface="Calibri" panose="020F0502020204030204" pitchFamily="34" charset="0"/>
-                        <a:cs typeface="Times New Roman" panose="02020603050405020304" pitchFamily="18" charset="0"/>
-                      </a:endParaRPr>
-                    </a:p>
-                  </a:txBody>
-                  <a:tcPr marL="68580" marR="68580" marT="0" marB="0">
-                    <a:lnL>
-                      <a:noFill/>
-                    </a:lnL>
-                    <a:lnR>
-                      <a:noFill/>
-                    </a:lnR>
-                    <a:lnT>
-                      <a:noFill/>
-                    </a:lnT>
-                    <a:lnB>
-                      <a:noFill/>
-                    </a:lnB>
-                  </a:tcPr>
-                </a:tc>
-                <a:tc>
-                  <a:txBody>
-                    <a:bodyPr/>
-                    <a:lstStyle/>
-                    <a:p>
-                      <a:pPr marL="0" marR="0" algn="ctr">
-                        <a:spcBef>
-                          <a:spcPts val="0"/>
-                        </a:spcBef>
-                        <a:spcAft>
-                          <a:spcPts val="0"/>
-                        </a:spcAft>
-                      </a:pPr>
-                      <a:r>
-                        <a:rPr lang="en-US" sz="1000">
-                          <a:solidFill>
-                            <a:srgbClr val="000000"/>
-                          </a:solidFill>
-                          <a:effectLst/>
-                          <a:latin typeface="Times New Roman" panose="02020603050405020304" pitchFamily="18" charset="0"/>
-                          <a:ea typeface="Times New Roman" panose="02020603050405020304" pitchFamily="18" charset="0"/>
-                          <a:cs typeface="Times New Roman" panose="02020603050405020304" pitchFamily="18" charset="0"/>
+                    </a:p>
+                  </a:txBody>
+                  <a:tcPr marL="6350" marR="6350" marT="6350" marB="0" anchor="b">
+                    <a:lnL>
+                      <a:noFill/>
+                    </a:lnL>
+                    <a:lnR>
+                      <a:noFill/>
+                    </a:lnR>
+                    <a:lnT>
+                      <a:noFill/>
+                    </a:lnT>
+                    <a:lnB>
+                      <a:noFill/>
+                    </a:lnB>
+                  </a:tcPr>
+                </a:tc>
+                <a:tc>
+                  <a:txBody>
+                    <a:bodyPr/>
+                    <a:lstStyle/>
+                    <a:p>
+                      <a:pPr algn="ctr" fontAlgn="b"/>
+                      <a:r>
+                        <a:rPr lang="en-US" sz="1100" b="0" i="0" u="none" strike="noStrike">
+                          <a:solidFill>
+                            <a:srgbClr val="000000"/>
+                          </a:solidFill>
+                          <a:effectLst/>
+                          <a:latin typeface="Times New Roman Uni" panose="02020603050405020304" pitchFamily="18" charset="-128"/>
+                          <a:ea typeface="Times New Roman Uni" panose="02020603050405020304" pitchFamily="18" charset="-128"/>
+                          <a:cs typeface="Times New Roman Uni" panose="02020603050405020304" pitchFamily="18" charset="-128"/>
                         </a:rPr>
                         <a:t>0</a:t>
                       </a:r>
-                      <a:endParaRPr lang="en-US" sz="1100">
-                        <a:effectLst/>
-                        <a:latin typeface="Times New Roman" panose="02020603050405020304" pitchFamily="18" charset="0"/>
-                        <a:ea typeface="Calibri" panose="020F0502020204030204" pitchFamily="34" charset="0"/>
-                        <a:cs typeface="Times New Roman" panose="02020603050405020304" pitchFamily="18" charset="0"/>
-                      </a:endParaRPr>
-                    </a:p>
-                  </a:txBody>
-                  <a:tcPr marL="68580" marR="68580" marT="0" marB="0">
-                    <a:lnL>
-                      <a:noFill/>
-                    </a:lnL>
-                    <a:lnR>
-                      <a:noFill/>
-                    </a:lnR>
-                    <a:lnT>
-                      <a:noFill/>
-                    </a:lnT>
-                    <a:lnB>
-                      <a:noFill/>
-                    </a:lnB>
-                  </a:tcPr>
-                </a:tc>
-                <a:tc>
-                  <a:txBody>
-                    <a:bodyPr/>
-                    <a:lstStyle/>
-                    <a:p>
-                      <a:pPr marL="0" marR="0" algn="ctr">
-                        <a:spcBef>
-                          <a:spcPts val="0"/>
-                        </a:spcBef>
-                        <a:spcAft>
-                          <a:spcPts val="0"/>
-                        </a:spcAft>
-                      </a:pPr>
-                      <a:r>
-                        <a:rPr lang="en-US" sz="1000">
-                          <a:solidFill>
-                            <a:srgbClr val="000000"/>
-                          </a:solidFill>
-                          <a:effectLst/>
-                          <a:latin typeface="Times New Roman" panose="02020603050405020304" pitchFamily="18" charset="0"/>
-                          <a:ea typeface="Times New Roman" panose="02020603050405020304" pitchFamily="18" charset="0"/>
-                          <a:cs typeface="Times New Roman" panose="02020603050405020304" pitchFamily="18" charset="0"/>
+                    </a:p>
+                  </a:txBody>
+                  <a:tcPr marL="6350" marR="6350" marT="6350" marB="0" anchor="b">
+                    <a:lnL>
+                      <a:noFill/>
+                    </a:lnL>
+                    <a:lnR>
+                      <a:noFill/>
+                    </a:lnR>
+                    <a:lnT>
+                      <a:noFill/>
+                    </a:lnT>
+                    <a:lnB>
+                      <a:noFill/>
+                    </a:lnB>
+                  </a:tcPr>
+                </a:tc>
+                <a:tc>
+                  <a:txBody>
+                    <a:bodyPr/>
+                    <a:lstStyle/>
+                    <a:p>
+                      <a:pPr algn="ctr" fontAlgn="b"/>
+                      <a:r>
+                        <a:rPr lang="en-US" sz="1100" b="0" i="0" u="none" strike="noStrike">
+                          <a:solidFill>
+                            <a:srgbClr val="000000"/>
+                          </a:solidFill>
+                          <a:effectLst/>
+                          <a:latin typeface="Times New Roman Uni" panose="02020603050405020304" pitchFamily="18" charset="-128"/>
+                          <a:ea typeface="Times New Roman Uni" panose="02020603050405020304" pitchFamily="18" charset="-128"/>
+                          <a:cs typeface="Times New Roman Uni" panose="02020603050405020304" pitchFamily="18" charset="-128"/>
                         </a:rPr>
                         <a:t>93</a:t>
                       </a:r>
-                      <a:endParaRPr lang="en-US" sz="1100">
-                        <a:effectLst/>
-                        <a:latin typeface="Times New Roman" panose="02020603050405020304" pitchFamily="18" charset="0"/>
-                        <a:ea typeface="Calibri" panose="020F0502020204030204" pitchFamily="34" charset="0"/>
-                        <a:cs typeface="Times New Roman" panose="02020603050405020304" pitchFamily="18" charset="0"/>
-                      </a:endParaRPr>
-                    </a:p>
-                  </a:txBody>
-                  <a:tcPr marL="68580" marR="68580" marT="0" marB="0">
-                    <a:lnL>
-                      <a:noFill/>
-                    </a:lnL>
-                    <a:lnR>
-                      <a:noFill/>
-                    </a:lnR>
-                    <a:lnT>
-                      <a:noFill/>
-                    </a:lnT>
-                    <a:lnB>
-                      <a:noFill/>
-                    </a:lnB>
-                  </a:tcPr>
-                </a:tc>
-                <a:tc>
-                  <a:txBody>
-                    <a:bodyPr/>
-                    <a:lstStyle/>
-                    <a:p>
-                      <a:pPr marL="0" marR="0" algn="ctr">
-                        <a:spcBef>
-                          <a:spcPts val="0"/>
-                        </a:spcBef>
-                        <a:spcAft>
-                          <a:spcPts val="0"/>
-                        </a:spcAft>
-                      </a:pPr>
-                      <a:r>
-                        <a:rPr lang="en-US" sz="1000">
-                          <a:solidFill>
-                            <a:srgbClr val="000000"/>
-                          </a:solidFill>
-                          <a:effectLst/>
-                          <a:latin typeface="Times New Roman" panose="02020603050405020304" pitchFamily="18" charset="0"/>
-                          <a:ea typeface="Times New Roman" panose="02020603050405020304" pitchFamily="18" charset="0"/>
-                          <a:cs typeface="Times New Roman" panose="02020603050405020304" pitchFamily="18" charset="0"/>
+                    </a:p>
+                  </a:txBody>
+                  <a:tcPr marL="6350" marR="6350" marT="6350" marB="0" anchor="b">
+                    <a:lnL>
+                      <a:noFill/>
+                    </a:lnL>
+                    <a:lnR>
+                      <a:noFill/>
+                    </a:lnR>
+                    <a:lnT>
+                      <a:noFill/>
+                    </a:lnT>
+                    <a:lnB>
+                      <a:noFill/>
+                    </a:lnB>
+                  </a:tcPr>
+                </a:tc>
+                <a:tc>
+                  <a:txBody>
+                    <a:bodyPr/>
+                    <a:lstStyle/>
+                    <a:p>
+                      <a:pPr algn="ctr" fontAlgn="b"/>
+                      <a:r>
+                        <a:rPr lang="en-US" sz="1100" b="0" i="0" u="none" strike="noStrike">
+                          <a:solidFill>
+                            <a:srgbClr val="000000"/>
+                          </a:solidFill>
+                          <a:effectLst/>
+                          <a:latin typeface="Times New Roman Uni" panose="02020603050405020304" pitchFamily="18" charset="-128"/>
+                          <a:ea typeface="Times New Roman Uni" panose="02020603050405020304" pitchFamily="18" charset="-128"/>
+                          <a:cs typeface="Times New Roman Uni" panose="02020603050405020304" pitchFamily="18" charset="-128"/>
                         </a:rPr>
                         <a:t>0</a:t>
                       </a:r>
-                      <a:endParaRPr lang="en-US" sz="1100">
-                        <a:effectLst/>
-                        <a:latin typeface="Times New Roman" panose="02020603050405020304" pitchFamily="18" charset="0"/>
-                        <a:ea typeface="Calibri" panose="020F0502020204030204" pitchFamily="34" charset="0"/>
-                        <a:cs typeface="Times New Roman" panose="02020603050405020304" pitchFamily="18" charset="0"/>
-                      </a:endParaRPr>
-                    </a:p>
-                  </a:txBody>
-                  <a:tcPr marL="68580" marR="68580" marT="0" marB="0">
-                    <a:lnL>
-                      <a:noFill/>
-                    </a:lnL>
-                    <a:lnR>
-                      <a:noFill/>
-                    </a:lnR>
-                    <a:lnT>
-                      <a:noFill/>
-                    </a:lnT>
-                    <a:lnB>
-                      <a:noFill/>
-                    </a:lnB>
-                  </a:tcPr>
-                </a:tc>
-                <a:tc>
-                  <a:txBody>
-                    <a:bodyPr/>
-                    <a:lstStyle/>
-                    <a:p>
-                      <a:pPr marL="0" marR="0" algn="ctr">
-                        <a:spcBef>
-                          <a:spcPts val="0"/>
-                        </a:spcBef>
-                        <a:spcAft>
-                          <a:spcPts val="0"/>
-                        </a:spcAft>
-                      </a:pPr>
-                      <a:r>
-                        <a:rPr lang="en-US" sz="1000">
-                          <a:solidFill>
-                            <a:srgbClr val="000000"/>
-                          </a:solidFill>
-                          <a:effectLst/>
-                          <a:latin typeface="Times New Roman" panose="02020603050405020304" pitchFamily="18" charset="0"/>
-                          <a:ea typeface="Times New Roman" panose="02020603050405020304" pitchFamily="18" charset="0"/>
-                          <a:cs typeface="Times New Roman" panose="02020603050405020304" pitchFamily="18" charset="0"/>
+                    </a:p>
+                  </a:txBody>
+                  <a:tcPr marL="6350" marR="6350" marT="6350" marB="0" anchor="b">
+                    <a:lnL>
+                      <a:noFill/>
+                    </a:lnL>
+                    <a:lnR>
+                      <a:noFill/>
+                    </a:lnR>
+                    <a:lnT>
+                      <a:noFill/>
+                    </a:lnT>
+                    <a:lnB>
+                      <a:noFill/>
+                    </a:lnB>
+                  </a:tcPr>
+                </a:tc>
+                <a:tc>
+                  <a:txBody>
+                    <a:bodyPr/>
+                    <a:lstStyle/>
+                    <a:p>
+                      <a:pPr algn="ctr" fontAlgn="b"/>
+                      <a:r>
+                        <a:rPr lang="en-US" sz="1100" b="0" i="0" u="none" strike="noStrike">
+                          <a:solidFill>
+                            <a:srgbClr val="000000"/>
+                          </a:solidFill>
+                          <a:effectLst/>
+                          <a:latin typeface="Times New Roman Uni" panose="02020603050405020304" pitchFamily="18" charset="-128"/>
+                          <a:ea typeface="Times New Roman Uni" panose="02020603050405020304" pitchFamily="18" charset="-128"/>
+                          <a:cs typeface="Times New Roman Uni" panose="02020603050405020304" pitchFamily="18" charset="-128"/>
                         </a:rPr>
                         <a:t>78.49</a:t>
                       </a:r>
-                      <a:endParaRPr lang="en-US" sz="1100">
-                        <a:effectLst/>
-                        <a:latin typeface="Times New Roman" panose="02020603050405020304" pitchFamily="18" charset="0"/>
-                        <a:ea typeface="Calibri" panose="020F0502020204030204" pitchFamily="34" charset="0"/>
-                        <a:cs typeface="Times New Roman" panose="02020603050405020304" pitchFamily="18" charset="0"/>
-                      </a:endParaRPr>
-                    </a:p>
-                  </a:txBody>
-                  <a:tcPr marL="68580" marR="68580" marT="0" marB="0">
-                    <a:lnL>
-                      <a:noFill/>
-                    </a:lnL>
-                    <a:lnR>
-                      <a:noFill/>
-                    </a:lnR>
-                    <a:lnT>
-                      <a:noFill/>
-                    </a:lnT>
-                    <a:lnB>
-                      <a:noFill/>
-                    </a:lnB>
-                  </a:tcPr>
-                </a:tc>
-                <a:tc>
-                  <a:txBody>
-                    <a:bodyPr/>
-                    <a:lstStyle/>
-                    <a:p>
-                      <a:pPr marL="0" marR="0" algn="ctr">
-                        <a:spcBef>
-                          <a:spcPts val="0"/>
-                        </a:spcBef>
-                        <a:spcAft>
-                          <a:spcPts val="0"/>
-                        </a:spcAft>
-                      </a:pPr>
-                      <a:r>
-                        <a:rPr lang="en-US" sz="1000">
-                          <a:solidFill>
-                            <a:srgbClr val="000000"/>
-                          </a:solidFill>
-                          <a:effectLst/>
-                          <a:latin typeface="Times New Roman" panose="02020603050405020304" pitchFamily="18" charset="0"/>
-                          <a:ea typeface="Times New Roman" panose="02020603050405020304" pitchFamily="18" charset="0"/>
-                          <a:cs typeface="Times New Roman" panose="02020603050405020304" pitchFamily="18" charset="0"/>
+                    </a:p>
+                  </a:txBody>
+                  <a:tcPr marL="6350" marR="6350" marT="6350" marB="0" anchor="b">
+                    <a:lnL>
+                      <a:noFill/>
+                    </a:lnL>
+                    <a:lnR>
+                      <a:noFill/>
+                    </a:lnR>
+                    <a:lnT>
+                      <a:noFill/>
+                    </a:lnT>
+                    <a:lnB>
+                      <a:noFill/>
+                    </a:lnB>
+                  </a:tcPr>
+                </a:tc>
+                <a:tc>
+                  <a:txBody>
+                    <a:bodyPr/>
+                    <a:lstStyle/>
+                    <a:p>
+                      <a:pPr algn="ctr" fontAlgn="b"/>
+                      <a:r>
+                        <a:rPr lang="en-US" sz="1100" b="0" i="0" u="none" strike="noStrike">
+                          <a:solidFill>
+                            <a:srgbClr val="000000"/>
+                          </a:solidFill>
+                          <a:effectLst/>
+                          <a:latin typeface="Times New Roman Uni" panose="02020603050405020304" pitchFamily="18" charset="-128"/>
+                          <a:ea typeface="Times New Roman Uni" panose="02020603050405020304" pitchFamily="18" charset="-128"/>
+                          <a:cs typeface="Times New Roman Uni" panose="02020603050405020304" pitchFamily="18" charset="-128"/>
                         </a:rPr>
                         <a:t>68.82</a:t>
                       </a:r>
-                      <a:endParaRPr lang="en-US" sz="1100">
-                        <a:effectLst/>
-                        <a:latin typeface="Times New Roman" panose="02020603050405020304" pitchFamily="18" charset="0"/>
-                        <a:ea typeface="Calibri" panose="020F0502020204030204" pitchFamily="34" charset="0"/>
-                        <a:cs typeface="Times New Roman" panose="02020603050405020304" pitchFamily="18" charset="0"/>
-                      </a:endParaRPr>
-                    </a:p>
-                  </a:txBody>
-                  <a:tcPr marL="68580" marR="68580" marT="0" marB="0">
-                    <a:lnL>
-                      <a:noFill/>
-                    </a:lnL>
-                    <a:lnR>
-                      <a:noFill/>
-                    </a:lnR>
-                    <a:lnT>
-                      <a:noFill/>
-                    </a:lnT>
-                    <a:lnB>
-                      <a:noFill/>
-                    </a:lnB>
-                  </a:tcPr>
-                </a:tc>
-                <a:tc>
-                  <a:txBody>
-                    <a:bodyPr/>
-                    <a:lstStyle/>
-                    <a:p>
-                      <a:pPr marL="0" marR="0" algn="ctr">
-                        <a:spcBef>
-                          <a:spcPts val="0"/>
-                        </a:spcBef>
-                        <a:spcAft>
-                          <a:spcPts val="0"/>
-                        </a:spcAft>
-                      </a:pPr>
-                      <a:r>
-                        <a:rPr lang="en-US" sz="1000">
-                          <a:solidFill>
-                            <a:srgbClr val="000000"/>
-                          </a:solidFill>
-                          <a:effectLst/>
-                          <a:latin typeface="Times New Roman" panose="02020603050405020304" pitchFamily="18" charset="0"/>
-                          <a:ea typeface="Times New Roman" panose="02020603050405020304" pitchFamily="18" charset="0"/>
-                          <a:cs typeface="Times New Roman" panose="02020603050405020304" pitchFamily="18" charset="0"/>
+                    </a:p>
+                  </a:txBody>
+                  <a:tcPr marL="6350" marR="6350" marT="6350" marB="0" anchor="b">
+                    <a:lnL>
+                      <a:noFill/>
+                    </a:lnL>
+                    <a:lnR>
+                      <a:noFill/>
+                    </a:lnR>
+                    <a:lnT>
+                      <a:noFill/>
+                    </a:lnT>
+                    <a:lnB>
+                      <a:noFill/>
+                    </a:lnB>
+                  </a:tcPr>
+                </a:tc>
+                <a:tc>
+                  <a:txBody>
+                    <a:bodyPr/>
+                    <a:lstStyle/>
+                    <a:p>
+                      <a:pPr algn="ctr" fontAlgn="b"/>
+                      <a:r>
+                        <a:rPr lang="en-US" sz="1100" b="0" i="0" u="none" strike="noStrike">
+                          <a:solidFill>
+                            <a:srgbClr val="000000"/>
+                          </a:solidFill>
+                          <a:effectLst/>
+                          <a:latin typeface="Times New Roman Uni" panose="02020603050405020304" pitchFamily="18" charset="-128"/>
+                          <a:ea typeface="Times New Roman Uni" panose="02020603050405020304" pitchFamily="18" charset="-128"/>
+                          <a:cs typeface="Times New Roman Uni" panose="02020603050405020304" pitchFamily="18" charset="-128"/>
                         </a:rPr>
                         <a:t>28.78</a:t>
                       </a:r>
-                      <a:endParaRPr lang="en-US" sz="1100">
-                        <a:effectLst/>
-                        <a:latin typeface="Times New Roman" panose="02020603050405020304" pitchFamily="18" charset="0"/>
-                        <a:ea typeface="Calibri" panose="020F0502020204030204" pitchFamily="34" charset="0"/>
-                        <a:cs typeface="Times New Roman" panose="02020603050405020304" pitchFamily="18" charset="0"/>
-                      </a:endParaRPr>
-                    </a:p>
-                  </a:txBody>
-                  <a:tcPr marL="68580" marR="68580" marT="0" marB="0">
+                    </a:p>
+                  </a:txBody>
+                  <a:tcPr marL="6350" marR="6350" marT="6350" marB="0" anchor="b">
                     <a:lnL>
                       <a:noFill/>
                     </a:lnL>
@@ -6903,323 +6755,232 @@
                     <a:bodyPr/>
                     <a:lstStyle/>
                     <a:p>
-                      <a:pPr marL="0" marR="0" algn="ctr">
-                        <a:spcBef>
-                          <a:spcPts val="0"/>
-                        </a:spcBef>
-                        <a:spcAft>
-                          <a:spcPts val="0"/>
-                        </a:spcAft>
-                      </a:pPr>
-                      <a:r>
-                        <a:rPr lang="en-US" sz="1000">
-                          <a:solidFill>
-                            <a:srgbClr val="000000"/>
-                          </a:solidFill>
-                          <a:effectLst/>
-                          <a:latin typeface="Times New Roman" panose="02020603050405020304" pitchFamily="18" charset="0"/>
-                          <a:ea typeface="Times New Roman" panose="02020603050405020304" pitchFamily="18" charset="0"/>
-                          <a:cs typeface="Times New Roman" panose="02020603050405020304" pitchFamily="18" charset="0"/>
+                      <a:pPr algn="ctr" fontAlgn="b"/>
+                      <a:r>
+                        <a:rPr lang="en-US" sz="1100" b="0" i="0" u="none" strike="noStrike">
+                          <a:solidFill>
+                            <a:srgbClr val="000000"/>
+                          </a:solidFill>
+                          <a:effectLst/>
+                          <a:latin typeface="Times New Roman Uni" panose="02020603050405020304" pitchFamily="18" charset="-128"/>
+                          <a:ea typeface="Times New Roman Uni" panose="02020603050405020304" pitchFamily="18" charset="-128"/>
+                          <a:cs typeface="Times New Roman Uni" panose="02020603050405020304" pitchFamily="18" charset="-128"/>
                         </a:rPr>
                         <a:t>33</a:t>
                       </a:r>
-                      <a:endParaRPr lang="en-US" sz="1100">
-                        <a:effectLst/>
-                        <a:latin typeface="Times New Roman" panose="02020603050405020304" pitchFamily="18" charset="0"/>
-                        <a:ea typeface="Calibri" panose="020F0502020204030204" pitchFamily="34" charset="0"/>
-                        <a:cs typeface="Times New Roman" panose="02020603050405020304" pitchFamily="18" charset="0"/>
-                      </a:endParaRPr>
-                    </a:p>
-                  </a:txBody>
-                  <a:tcPr marL="68580" marR="68580" marT="0" marB="0">
-                    <a:lnL>
-                      <a:noFill/>
-                    </a:lnL>
-                    <a:lnR>
-                      <a:noFill/>
-                    </a:lnR>
-                    <a:lnT>
-                      <a:noFill/>
-                    </a:lnT>
-                    <a:lnB>
-                      <a:noFill/>
-                    </a:lnB>
-                  </a:tcPr>
-                </a:tc>
-                <a:tc>
-                  <a:txBody>
-                    <a:bodyPr/>
-                    <a:lstStyle/>
-                    <a:p>
-                      <a:pPr marL="0" marR="0" algn="ctr">
-                        <a:spcBef>
-                          <a:spcPts val="0"/>
-                        </a:spcBef>
-                        <a:spcAft>
-                          <a:spcPts val="0"/>
-                        </a:spcAft>
-                      </a:pPr>
-                      <a:r>
-                        <a:rPr lang="en-US" sz="1000">
-                          <a:solidFill>
-                            <a:srgbClr val="000000"/>
-                          </a:solidFill>
-                          <a:effectLst/>
-                          <a:latin typeface="Times New Roman" panose="02020603050405020304" pitchFamily="18" charset="0"/>
-                          <a:ea typeface="Times New Roman" panose="02020603050405020304" pitchFamily="18" charset="0"/>
-                          <a:cs typeface="Times New Roman" panose="02020603050405020304" pitchFamily="18" charset="0"/>
+                    </a:p>
+                  </a:txBody>
+                  <a:tcPr marL="6350" marR="6350" marT="6350" marB="0" anchor="b">
+                    <a:lnL>
+                      <a:noFill/>
+                    </a:lnL>
+                    <a:lnR>
+                      <a:noFill/>
+                    </a:lnR>
+                    <a:lnT>
+                      <a:noFill/>
+                    </a:lnT>
+                    <a:lnB>
+                      <a:noFill/>
+                    </a:lnB>
+                  </a:tcPr>
+                </a:tc>
+                <a:tc>
+                  <a:txBody>
+                    <a:bodyPr/>
+                    <a:lstStyle/>
+                    <a:p>
+                      <a:pPr algn="ctr" fontAlgn="b"/>
+                      <a:r>
+                        <a:rPr lang="en-US" sz="1100" b="0" i="0" u="none" strike="noStrike">
+                          <a:solidFill>
+                            <a:srgbClr val="000000"/>
+                          </a:solidFill>
+                          <a:effectLst/>
+                          <a:latin typeface="Times New Roman Uni" panose="02020603050405020304" pitchFamily="18" charset="-128"/>
+                          <a:ea typeface="Times New Roman Uni" panose="02020603050405020304" pitchFamily="18" charset="-128"/>
+                          <a:cs typeface="Times New Roman Uni" panose="02020603050405020304" pitchFamily="18" charset="-128"/>
                         </a:rPr>
                         <a:t>0</a:t>
                       </a:r>
-                      <a:endParaRPr lang="en-US" sz="1100">
-                        <a:effectLst/>
-                        <a:latin typeface="Times New Roman" panose="02020603050405020304" pitchFamily="18" charset="0"/>
-                        <a:ea typeface="Calibri" panose="020F0502020204030204" pitchFamily="34" charset="0"/>
-                        <a:cs typeface="Times New Roman" panose="02020603050405020304" pitchFamily="18" charset="0"/>
-                      </a:endParaRPr>
-                    </a:p>
-                  </a:txBody>
-                  <a:tcPr marL="68580" marR="68580" marT="0" marB="0">
-                    <a:lnL>
-                      <a:noFill/>
-                    </a:lnL>
-                    <a:lnR>
-                      <a:noFill/>
-                    </a:lnR>
-                    <a:lnT>
-                      <a:noFill/>
-                    </a:lnT>
-                    <a:lnB>
-                      <a:noFill/>
-                    </a:lnB>
-                  </a:tcPr>
-                </a:tc>
-                <a:tc>
-                  <a:txBody>
-                    <a:bodyPr/>
-                    <a:lstStyle/>
-                    <a:p>
-                      <a:pPr marL="0" marR="0" algn="ctr">
-                        <a:spcBef>
-                          <a:spcPts val="0"/>
-                        </a:spcBef>
-                        <a:spcAft>
-                          <a:spcPts val="0"/>
-                        </a:spcAft>
-                      </a:pPr>
-                      <a:r>
-                        <a:rPr lang="en-US" sz="1000">
-                          <a:solidFill>
-                            <a:srgbClr val="000000"/>
-                          </a:solidFill>
-                          <a:effectLst/>
-                          <a:latin typeface="Times New Roman" panose="02020603050405020304" pitchFamily="18" charset="0"/>
-                          <a:ea typeface="Times New Roman" panose="02020603050405020304" pitchFamily="18" charset="0"/>
-                          <a:cs typeface="Times New Roman" panose="02020603050405020304" pitchFamily="18" charset="0"/>
+                    </a:p>
+                  </a:txBody>
+                  <a:tcPr marL="6350" marR="6350" marT="6350" marB="0" anchor="b">
+                    <a:lnL>
+                      <a:noFill/>
+                    </a:lnL>
+                    <a:lnR>
+                      <a:noFill/>
+                    </a:lnR>
+                    <a:lnT>
+                      <a:noFill/>
+                    </a:lnT>
+                    <a:lnB>
+                      <a:noFill/>
+                    </a:lnB>
+                  </a:tcPr>
+                </a:tc>
+                <a:tc>
+                  <a:txBody>
+                    <a:bodyPr/>
+                    <a:lstStyle/>
+                    <a:p>
+                      <a:pPr algn="ctr" fontAlgn="b"/>
+                      <a:r>
+                        <a:rPr lang="en-US" sz="1100" b="0" i="0" u="none" strike="noStrike">
+                          <a:solidFill>
+                            <a:srgbClr val="000000"/>
+                          </a:solidFill>
+                          <a:effectLst/>
+                          <a:latin typeface="Times New Roman Uni" panose="02020603050405020304" pitchFamily="18" charset="-128"/>
+                          <a:ea typeface="Times New Roman Uni" panose="02020603050405020304" pitchFamily="18" charset="-128"/>
+                          <a:cs typeface="Times New Roman Uni" panose="02020603050405020304" pitchFamily="18" charset="-128"/>
                         </a:rPr>
                         <a:t>113</a:t>
                       </a:r>
-                      <a:endParaRPr lang="en-US" sz="1100">
-                        <a:effectLst/>
-                        <a:latin typeface="Times New Roman" panose="02020603050405020304" pitchFamily="18" charset="0"/>
-                        <a:ea typeface="Calibri" panose="020F0502020204030204" pitchFamily="34" charset="0"/>
-                        <a:cs typeface="Times New Roman" panose="02020603050405020304" pitchFamily="18" charset="0"/>
-                      </a:endParaRPr>
-                    </a:p>
-                  </a:txBody>
-                  <a:tcPr marL="68580" marR="68580" marT="0" marB="0">
-                    <a:lnL>
-                      <a:noFill/>
-                    </a:lnL>
-                    <a:lnR>
-                      <a:noFill/>
-                    </a:lnR>
-                    <a:lnT>
-                      <a:noFill/>
-                    </a:lnT>
-                    <a:lnB>
-                      <a:noFill/>
-                    </a:lnB>
-                  </a:tcPr>
-                </a:tc>
-                <a:tc>
-                  <a:txBody>
-                    <a:bodyPr/>
-                    <a:lstStyle/>
-                    <a:p>
-                      <a:pPr marL="0" marR="0" algn="ctr">
-                        <a:spcBef>
-                          <a:spcPts val="0"/>
-                        </a:spcBef>
-                        <a:spcAft>
-                          <a:spcPts val="0"/>
-                        </a:spcAft>
-                      </a:pPr>
-                      <a:r>
-                        <a:rPr lang="en-US" sz="1000">
-                          <a:solidFill>
-                            <a:srgbClr val="000000"/>
-                          </a:solidFill>
-                          <a:effectLst/>
-                          <a:latin typeface="Times New Roman" panose="02020603050405020304" pitchFamily="18" charset="0"/>
-                          <a:ea typeface="Times New Roman" panose="02020603050405020304" pitchFamily="18" charset="0"/>
-                          <a:cs typeface="Times New Roman" panose="02020603050405020304" pitchFamily="18" charset="0"/>
+                    </a:p>
+                  </a:txBody>
+                  <a:tcPr marL="6350" marR="6350" marT="6350" marB="0" anchor="b">
+                    <a:lnL>
+                      <a:noFill/>
+                    </a:lnL>
+                    <a:lnR>
+                      <a:noFill/>
+                    </a:lnR>
+                    <a:lnT>
+                      <a:noFill/>
+                    </a:lnT>
+                    <a:lnB>
+                      <a:noFill/>
+                    </a:lnB>
+                  </a:tcPr>
+                </a:tc>
+                <a:tc>
+                  <a:txBody>
+                    <a:bodyPr/>
+                    <a:lstStyle/>
+                    <a:p>
+                      <a:pPr algn="ctr" fontAlgn="b"/>
+                      <a:r>
+                        <a:rPr lang="en-US" sz="1100" b="0" i="0" u="none" strike="noStrike">
+                          <a:solidFill>
+                            <a:srgbClr val="000000"/>
+                          </a:solidFill>
+                          <a:effectLst/>
+                          <a:latin typeface="Times New Roman Uni" panose="02020603050405020304" pitchFamily="18" charset="-128"/>
+                          <a:ea typeface="Times New Roman Uni" panose="02020603050405020304" pitchFamily="18" charset="-128"/>
+                          <a:cs typeface="Times New Roman Uni" panose="02020603050405020304" pitchFamily="18" charset="-128"/>
                         </a:rPr>
                         <a:t>0</a:t>
                       </a:r>
-                      <a:endParaRPr lang="en-US" sz="1100">
-                        <a:effectLst/>
-                        <a:latin typeface="Times New Roman" panose="02020603050405020304" pitchFamily="18" charset="0"/>
-                        <a:ea typeface="Calibri" panose="020F0502020204030204" pitchFamily="34" charset="0"/>
-                        <a:cs typeface="Times New Roman" panose="02020603050405020304" pitchFamily="18" charset="0"/>
-                      </a:endParaRPr>
-                    </a:p>
-                  </a:txBody>
-                  <a:tcPr marL="68580" marR="68580" marT="0" marB="0">
-                    <a:lnL>
-                      <a:noFill/>
-                    </a:lnL>
-                    <a:lnR>
-                      <a:noFill/>
-                    </a:lnR>
-                    <a:lnT>
-                      <a:noFill/>
-                    </a:lnT>
-                    <a:lnB>
-                      <a:noFill/>
-                    </a:lnB>
-                  </a:tcPr>
-                </a:tc>
-                <a:tc>
-                  <a:txBody>
-                    <a:bodyPr/>
-                    <a:lstStyle/>
-                    <a:p>
-                      <a:pPr marL="0" marR="0" algn="ctr">
-                        <a:spcBef>
-                          <a:spcPts val="0"/>
-                        </a:spcBef>
-                        <a:spcAft>
-                          <a:spcPts val="0"/>
-                        </a:spcAft>
-                      </a:pPr>
-                      <a:r>
-                        <a:rPr lang="en-US" sz="1000">
-                          <a:solidFill>
-                            <a:srgbClr val="000000"/>
-                          </a:solidFill>
-                          <a:effectLst/>
-                          <a:latin typeface="Times New Roman" panose="02020603050405020304" pitchFamily="18" charset="0"/>
-                          <a:ea typeface="Times New Roman" panose="02020603050405020304" pitchFamily="18" charset="0"/>
-                          <a:cs typeface="Times New Roman" panose="02020603050405020304" pitchFamily="18" charset="0"/>
+                    </a:p>
+                  </a:txBody>
+                  <a:tcPr marL="6350" marR="6350" marT="6350" marB="0" anchor="b">
+                    <a:lnL>
+                      <a:noFill/>
+                    </a:lnL>
+                    <a:lnR>
+                      <a:noFill/>
+                    </a:lnR>
+                    <a:lnT>
+                      <a:noFill/>
+                    </a:lnT>
+                    <a:lnB>
+                      <a:noFill/>
+                    </a:lnB>
+                  </a:tcPr>
+                </a:tc>
+                <a:tc>
+                  <a:txBody>
+                    <a:bodyPr/>
+                    <a:lstStyle/>
+                    <a:p>
+                      <a:pPr algn="ctr" fontAlgn="b"/>
+                      <a:r>
+                        <a:rPr lang="en-US" sz="1100" b="0" i="0" u="none" strike="noStrike">
+                          <a:solidFill>
+                            <a:srgbClr val="000000"/>
+                          </a:solidFill>
+                          <a:effectLst/>
+                          <a:latin typeface="Times New Roman Uni" panose="02020603050405020304" pitchFamily="18" charset="-128"/>
+                          <a:ea typeface="Times New Roman Uni" panose="02020603050405020304" pitchFamily="18" charset="-128"/>
+                          <a:cs typeface="Times New Roman Uni" panose="02020603050405020304" pitchFamily="18" charset="-128"/>
                         </a:rPr>
                         <a:t>78.76</a:t>
                       </a:r>
-                      <a:endParaRPr lang="en-US" sz="1100">
-                        <a:effectLst/>
-                        <a:latin typeface="Times New Roman" panose="02020603050405020304" pitchFamily="18" charset="0"/>
-                        <a:ea typeface="Calibri" panose="020F0502020204030204" pitchFamily="34" charset="0"/>
-                        <a:cs typeface="Times New Roman" panose="02020603050405020304" pitchFamily="18" charset="0"/>
-                      </a:endParaRPr>
-                    </a:p>
-                  </a:txBody>
-                  <a:tcPr marL="68580" marR="68580" marT="0" marB="0">
-                    <a:lnL>
-                      <a:noFill/>
-                    </a:lnL>
-                    <a:lnR>
-                      <a:noFill/>
-                    </a:lnR>
-                    <a:lnT>
-                      <a:noFill/>
-                    </a:lnT>
-                    <a:lnB>
-                      <a:noFill/>
-                    </a:lnB>
-                  </a:tcPr>
-                </a:tc>
-                <a:tc>
-                  <a:txBody>
-                    <a:bodyPr/>
-                    <a:lstStyle/>
-                    <a:p>
-                      <a:pPr marL="0" marR="0" algn="ctr">
-                        <a:spcBef>
-                          <a:spcPts val="0"/>
-                        </a:spcBef>
-                        <a:spcAft>
-                          <a:spcPts val="0"/>
-                        </a:spcAft>
-                      </a:pPr>
-                      <a:r>
-                        <a:rPr lang="en-US" sz="1000">
-                          <a:solidFill>
-                            <a:srgbClr val="000000"/>
-                          </a:solidFill>
-                          <a:effectLst/>
-                          <a:latin typeface="Times New Roman" panose="02020603050405020304" pitchFamily="18" charset="0"/>
-                          <a:ea typeface="Times New Roman" panose="02020603050405020304" pitchFamily="18" charset="0"/>
-                          <a:cs typeface="Times New Roman" panose="02020603050405020304" pitchFamily="18" charset="0"/>
+                    </a:p>
+                  </a:txBody>
+                  <a:tcPr marL="6350" marR="6350" marT="6350" marB="0" anchor="b">
+                    <a:lnL>
+                      <a:noFill/>
+                    </a:lnL>
+                    <a:lnR>
+                      <a:noFill/>
+                    </a:lnR>
+                    <a:lnT>
+                      <a:noFill/>
+                    </a:lnT>
+                    <a:lnB>
+                      <a:noFill/>
+                    </a:lnB>
+                  </a:tcPr>
+                </a:tc>
+                <a:tc>
+                  <a:txBody>
+                    <a:bodyPr/>
+                    <a:lstStyle/>
+                    <a:p>
+                      <a:pPr algn="ctr" fontAlgn="b"/>
+                      <a:r>
+                        <a:rPr lang="en-US" sz="1100" b="0" i="0" u="none" strike="noStrike">
+                          <a:solidFill>
+                            <a:srgbClr val="000000"/>
+                          </a:solidFill>
+                          <a:effectLst/>
+                          <a:latin typeface="Times New Roman Uni" panose="02020603050405020304" pitchFamily="18" charset="-128"/>
+                          <a:ea typeface="Times New Roman Uni" panose="02020603050405020304" pitchFamily="18" charset="-128"/>
+                          <a:cs typeface="Times New Roman Uni" panose="02020603050405020304" pitchFamily="18" charset="-128"/>
                         </a:rPr>
                         <a:t>69.91</a:t>
                       </a:r>
-                      <a:endParaRPr lang="en-US" sz="1100">
-                        <a:effectLst/>
-                        <a:latin typeface="Times New Roman" panose="02020603050405020304" pitchFamily="18" charset="0"/>
-                        <a:ea typeface="Calibri" panose="020F0502020204030204" pitchFamily="34" charset="0"/>
-                        <a:cs typeface="Times New Roman" panose="02020603050405020304" pitchFamily="18" charset="0"/>
-                      </a:endParaRPr>
-                    </a:p>
-                  </a:txBody>
-                  <a:tcPr marL="68580" marR="68580" marT="0" marB="0">
-                    <a:lnL>
-                      <a:noFill/>
-                    </a:lnL>
-                    <a:lnR>
-                      <a:noFill/>
-                    </a:lnR>
-                    <a:lnT>
-                      <a:noFill/>
-                    </a:lnT>
-                    <a:lnB>
-                      <a:noFill/>
-                    </a:lnB>
-                  </a:tcPr>
-                </a:tc>
-                <a:tc>
-                  <a:txBody>
-                    <a:bodyPr/>
-                    <a:lstStyle/>
-                    <a:p>
-                      <a:pPr marL="0" marR="0" algn="ctr">
-                        <a:spcBef>
-                          <a:spcPts val="0"/>
-                        </a:spcBef>
-                        <a:spcAft>
-                          <a:spcPts val="0"/>
-                        </a:spcAft>
-                      </a:pPr>
-                      <a:r>
-                        <a:rPr lang="en-US" sz="1000">
-                          <a:solidFill>
-                            <a:srgbClr val="000000"/>
-                          </a:solidFill>
-                          <a:effectLst/>
-                          <a:latin typeface="Times New Roman" panose="02020603050405020304" pitchFamily="18" charset="0"/>
-                          <a:ea typeface="Times New Roman" panose="02020603050405020304" pitchFamily="18" charset="0"/>
-                          <a:cs typeface="Times New Roman" panose="02020603050405020304" pitchFamily="18" charset="0"/>
+                    </a:p>
+                  </a:txBody>
+                  <a:tcPr marL="6350" marR="6350" marT="6350" marB="0" anchor="b">
+                    <a:lnL>
+                      <a:noFill/>
+                    </a:lnL>
+                    <a:lnR>
+                      <a:noFill/>
+                    </a:lnR>
+                    <a:lnT>
+                      <a:noFill/>
+                    </a:lnT>
+                    <a:lnB>
+                      <a:noFill/>
+                    </a:lnB>
+                  </a:tcPr>
+                </a:tc>
+                <a:tc>
+                  <a:txBody>
+                    <a:bodyPr/>
+                    <a:lstStyle/>
+                    <a:p>
+                      <a:pPr algn="ctr" fontAlgn="b"/>
+                      <a:r>
+                        <a:rPr lang="en-US" sz="1100" b="0" i="0" u="none" strike="noStrike">
+                          <a:solidFill>
+                            <a:srgbClr val="000000"/>
+                          </a:solidFill>
+                          <a:effectLst/>
+                          <a:latin typeface="Times New Roman Uni" panose="02020603050405020304" pitchFamily="18" charset="-128"/>
+                          <a:ea typeface="Times New Roman Uni" panose="02020603050405020304" pitchFamily="18" charset="-128"/>
+                          <a:cs typeface="Times New Roman Uni" panose="02020603050405020304" pitchFamily="18" charset="-128"/>
                         </a:rPr>
                         <a:t>28.76</a:t>
                       </a:r>
-                      <a:endParaRPr lang="en-US" sz="1100">
-                        <a:effectLst/>
-                        <a:latin typeface="Times New Roman" panose="02020603050405020304" pitchFamily="18" charset="0"/>
-                        <a:ea typeface="Calibri" panose="020F0502020204030204" pitchFamily="34" charset="0"/>
-                        <a:cs typeface="Times New Roman" panose="02020603050405020304" pitchFamily="18" charset="0"/>
-                      </a:endParaRPr>
-                    </a:p>
-                  </a:txBody>
-                  <a:tcPr marL="68580" marR="68580" marT="0" marB="0">
+                    </a:p>
+                  </a:txBody>
+                  <a:tcPr marL="6350" marR="6350" marT="6350" marB="0" anchor="b">
                     <a:lnL>
                       <a:noFill/>
                     </a:lnL>
@@ -7246,323 +7007,232 @@
                     <a:bodyPr/>
                     <a:lstStyle/>
                     <a:p>
-                      <a:pPr marL="0" marR="0" algn="ctr">
-                        <a:spcBef>
-                          <a:spcPts val="0"/>
-                        </a:spcBef>
-                        <a:spcAft>
-                          <a:spcPts val="0"/>
-                        </a:spcAft>
-                      </a:pPr>
-                      <a:r>
-                        <a:rPr lang="en-US" sz="1000">
-                          <a:solidFill>
-                            <a:srgbClr val="000000"/>
-                          </a:solidFill>
-                          <a:effectLst/>
-                          <a:latin typeface="Times New Roman" panose="02020603050405020304" pitchFamily="18" charset="0"/>
-                          <a:ea typeface="Times New Roman" panose="02020603050405020304" pitchFamily="18" charset="0"/>
-                          <a:cs typeface="Times New Roman" panose="02020603050405020304" pitchFamily="18" charset="0"/>
+                      <a:pPr algn="ctr" fontAlgn="b"/>
+                      <a:r>
+                        <a:rPr lang="en-US" sz="1100" b="0" i="0" u="none" strike="noStrike">
+                          <a:solidFill>
+                            <a:srgbClr val="000000"/>
+                          </a:solidFill>
+                          <a:effectLst/>
+                          <a:latin typeface="Times New Roman Uni" panose="02020603050405020304" pitchFamily="18" charset="-128"/>
+                          <a:ea typeface="Times New Roman Uni" panose="02020603050405020304" pitchFamily="18" charset="-128"/>
+                          <a:cs typeface="Times New Roman Uni" panose="02020603050405020304" pitchFamily="18" charset="-128"/>
                         </a:rPr>
                         <a:t>42</a:t>
                       </a:r>
-                      <a:endParaRPr lang="en-US" sz="1100">
-                        <a:effectLst/>
-                        <a:latin typeface="Times New Roman" panose="02020603050405020304" pitchFamily="18" charset="0"/>
-                        <a:ea typeface="Calibri" panose="020F0502020204030204" pitchFamily="34" charset="0"/>
-                        <a:cs typeface="Times New Roman" panose="02020603050405020304" pitchFamily="18" charset="0"/>
-                      </a:endParaRPr>
-                    </a:p>
-                  </a:txBody>
-                  <a:tcPr marL="68580" marR="68580" marT="0" marB="0">
-                    <a:lnL>
-                      <a:noFill/>
-                    </a:lnL>
-                    <a:lnR>
-                      <a:noFill/>
-                    </a:lnR>
-                    <a:lnT>
-                      <a:noFill/>
-                    </a:lnT>
-                    <a:lnB>
-                      <a:noFill/>
-                    </a:lnB>
-                  </a:tcPr>
-                </a:tc>
-                <a:tc>
-                  <a:txBody>
-                    <a:bodyPr/>
-                    <a:lstStyle/>
-                    <a:p>
-                      <a:pPr marL="0" marR="0" algn="ctr">
-                        <a:spcBef>
-                          <a:spcPts val="0"/>
-                        </a:spcBef>
-                        <a:spcAft>
-                          <a:spcPts val="0"/>
-                        </a:spcAft>
-                      </a:pPr>
-                      <a:r>
-                        <a:rPr lang="en-US" sz="1000">
-                          <a:solidFill>
-                            <a:srgbClr val="000000"/>
-                          </a:solidFill>
-                          <a:effectLst/>
-                          <a:latin typeface="Times New Roman" panose="02020603050405020304" pitchFamily="18" charset="0"/>
-                          <a:ea typeface="Times New Roman" panose="02020603050405020304" pitchFamily="18" charset="0"/>
-                          <a:cs typeface="Times New Roman" panose="02020603050405020304" pitchFamily="18" charset="0"/>
+                    </a:p>
+                  </a:txBody>
+                  <a:tcPr marL="6350" marR="6350" marT="6350" marB="0" anchor="b">
+                    <a:lnL>
+                      <a:noFill/>
+                    </a:lnL>
+                    <a:lnR>
+                      <a:noFill/>
+                    </a:lnR>
+                    <a:lnT>
+                      <a:noFill/>
+                    </a:lnT>
+                    <a:lnB>
+                      <a:noFill/>
+                    </a:lnB>
+                  </a:tcPr>
+                </a:tc>
+                <a:tc>
+                  <a:txBody>
+                    <a:bodyPr/>
+                    <a:lstStyle/>
+                    <a:p>
+                      <a:pPr algn="ctr" fontAlgn="b"/>
+                      <a:r>
+                        <a:rPr lang="en-US" sz="1100" b="0" i="0" u="none" strike="noStrike">
+                          <a:solidFill>
+                            <a:srgbClr val="000000"/>
+                          </a:solidFill>
+                          <a:effectLst/>
+                          <a:latin typeface="Times New Roman Uni" panose="02020603050405020304" pitchFamily="18" charset="-128"/>
+                          <a:ea typeface="Times New Roman Uni" panose="02020603050405020304" pitchFamily="18" charset="-128"/>
+                          <a:cs typeface="Times New Roman Uni" panose="02020603050405020304" pitchFamily="18" charset="-128"/>
                         </a:rPr>
                         <a:t>0</a:t>
                       </a:r>
-                      <a:endParaRPr lang="en-US" sz="1100">
-                        <a:effectLst/>
-                        <a:latin typeface="Times New Roman" panose="02020603050405020304" pitchFamily="18" charset="0"/>
-                        <a:ea typeface="Calibri" panose="020F0502020204030204" pitchFamily="34" charset="0"/>
-                        <a:cs typeface="Times New Roman" panose="02020603050405020304" pitchFamily="18" charset="0"/>
-                      </a:endParaRPr>
-                    </a:p>
-                  </a:txBody>
-                  <a:tcPr marL="68580" marR="68580" marT="0" marB="0">
-                    <a:lnL>
-                      <a:noFill/>
-                    </a:lnL>
-                    <a:lnR>
-                      <a:noFill/>
-                    </a:lnR>
-                    <a:lnT>
-                      <a:noFill/>
-                    </a:lnT>
-                    <a:lnB>
-                      <a:noFill/>
-                    </a:lnB>
-                  </a:tcPr>
-                </a:tc>
-                <a:tc>
-                  <a:txBody>
-                    <a:bodyPr/>
-                    <a:lstStyle/>
-                    <a:p>
-                      <a:pPr marL="0" marR="0" algn="ctr">
-                        <a:spcBef>
-                          <a:spcPts val="0"/>
-                        </a:spcBef>
-                        <a:spcAft>
-                          <a:spcPts val="0"/>
-                        </a:spcAft>
-                      </a:pPr>
-                      <a:r>
-                        <a:rPr lang="en-US" sz="1000">
-                          <a:solidFill>
-                            <a:srgbClr val="000000"/>
-                          </a:solidFill>
-                          <a:effectLst/>
-                          <a:latin typeface="Times New Roman" panose="02020603050405020304" pitchFamily="18" charset="0"/>
-                          <a:ea typeface="Times New Roman" panose="02020603050405020304" pitchFamily="18" charset="0"/>
-                          <a:cs typeface="Times New Roman" panose="02020603050405020304" pitchFamily="18" charset="0"/>
+                    </a:p>
+                  </a:txBody>
+                  <a:tcPr marL="6350" marR="6350" marT="6350" marB="0" anchor="b">
+                    <a:lnL>
+                      <a:noFill/>
+                    </a:lnL>
+                    <a:lnR>
+                      <a:noFill/>
+                    </a:lnR>
+                    <a:lnT>
+                      <a:noFill/>
+                    </a:lnT>
+                    <a:lnB>
+                      <a:noFill/>
+                    </a:lnB>
+                  </a:tcPr>
+                </a:tc>
+                <a:tc>
+                  <a:txBody>
+                    <a:bodyPr/>
+                    <a:lstStyle/>
+                    <a:p>
+                      <a:pPr algn="ctr" fontAlgn="b"/>
+                      <a:r>
+                        <a:rPr lang="en-US" sz="1100" b="0" i="0" u="none" strike="noStrike">
+                          <a:solidFill>
+                            <a:srgbClr val="000000"/>
+                          </a:solidFill>
+                          <a:effectLst/>
+                          <a:latin typeface="Times New Roman Uni" panose="02020603050405020304" pitchFamily="18" charset="-128"/>
+                          <a:ea typeface="Times New Roman Uni" panose="02020603050405020304" pitchFamily="18" charset="-128"/>
+                          <a:cs typeface="Times New Roman Uni" panose="02020603050405020304" pitchFamily="18" charset="-128"/>
                         </a:rPr>
                         <a:t>107</a:t>
                       </a:r>
-                      <a:endParaRPr lang="en-US" sz="1100">
-                        <a:effectLst/>
-                        <a:latin typeface="Times New Roman" panose="02020603050405020304" pitchFamily="18" charset="0"/>
-                        <a:ea typeface="Calibri" panose="020F0502020204030204" pitchFamily="34" charset="0"/>
-                        <a:cs typeface="Times New Roman" panose="02020603050405020304" pitchFamily="18" charset="0"/>
-                      </a:endParaRPr>
-                    </a:p>
-                  </a:txBody>
-                  <a:tcPr marL="68580" marR="68580" marT="0" marB="0">
-                    <a:lnL>
-                      <a:noFill/>
-                    </a:lnL>
-                    <a:lnR>
-                      <a:noFill/>
-                    </a:lnR>
-                    <a:lnT>
-                      <a:noFill/>
-                    </a:lnT>
-                    <a:lnB>
-                      <a:noFill/>
-                    </a:lnB>
-                  </a:tcPr>
-                </a:tc>
-                <a:tc>
-                  <a:txBody>
-                    <a:bodyPr/>
-                    <a:lstStyle/>
-                    <a:p>
-                      <a:pPr marL="0" marR="0" algn="ctr">
-                        <a:spcBef>
-                          <a:spcPts val="0"/>
-                        </a:spcBef>
-                        <a:spcAft>
-                          <a:spcPts val="0"/>
-                        </a:spcAft>
-                      </a:pPr>
-                      <a:r>
-                        <a:rPr lang="en-US" sz="1000">
-                          <a:solidFill>
-                            <a:srgbClr val="000000"/>
-                          </a:solidFill>
-                          <a:effectLst/>
-                          <a:latin typeface="Times New Roman" panose="02020603050405020304" pitchFamily="18" charset="0"/>
-                          <a:ea typeface="Times New Roman" panose="02020603050405020304" pitchFamily="18" charset="0"/>
-                          <a:cs typeface="Times New Roman" panose="02020603050405020304" pitchFamily="18" charset="0"/>
+                    </a:p>
+                  </a:txBody>
+                  <a:tcPr marL="6350" marR="6350" marT="6350" marB="0" anchor="b">
+                    <a:lnL>
+                      <a:noFill/>
+                    </a:lnL>
+                    <a:lnR>
+                      <a:noFill/>
+                    </a:lnR>
+                    <a:lnT>
+                      <a:noFill/>
+                    </a:lnT>
+                    <a:lnB>
+                      <a:noFill/>
+                    </a:lnB>
+                  </a:tcPr>
+                </a:tc>
+                <a:tc>
+                  <a:txBody>
+                    <a:bodyPr/>
+                    <a:lstStyle/>
+                    <a:p>
+                      <a:pPr algn="ctr" fontAlgn="b"/>
+                      <a:r>
+                        <a:rPr lang="en-US" sz="1100" b="0" i="0" u="none" strike="noStrike">
+                          <a:solidFill>
+                            <a:srgbClr val="000000"/>
+                          </a:solidFill>
+                          <a:effectLst/>
+                          <a:latin typeface="Times New Roman Uni" panose="02020603050405020304" pitchFamily="18" charset="-128"/>
+                          <a:ea typeface="Times New Roman Uni" panose="02020603050405020304" pitchFamily="18" charset="-128"/>
+                          <a:cs typeface="Times New Roman Uni" panose="02020603050405020304" pitchFamily="18" charset="-128"/>
                         </a:rPr>
                         <a:t>0</a:t>
                       </a:r>
-                      <a:endParaRPr lang="en-US" sz="1100">
-                        <a:effectLst/>
-                        <a:latin typeface="Times New Roman" panose="02020603050405020304" pitchFamily="18" charset="0"/>
-                        <a:ea typeface="Calibri" panose="020F0502020204030204" pitchFamily="34" charset="0"/>
-                        <a:cs typeface="Times New Roman" panose="02020603050405020304" pitchFamily="18" charset="0"/>
-                      </a:endParaRPr>
-                    </a:p>
-                  </a:txBody>
-                  <a:tcPr marL="68580" marR="68580" marT="0" marB="0">
-                    <a:lnL>
-                      <a:noFill/>
-                    </a:lnL>
-                    <a:lnR>
-                      <a:noFill/>
-                    </a:lnR>
-                    <a:lnT>
-                      <a:noFill/>
-                    </a:lnT>
-                    <a:lnB>
-                      <a:noFill/>
-                    </a:lnB>
-                  </a:tcPr>
-                </a:tc>
-                <a:tc>
-                  <a:txBody>
-                    <a:bodyPr/>
-                    <a:lstStyle/>
-                    <a:p>
-                      <a:pPr marL="0" marR="0" algn="ctr">
-                        <a:spcBef>
-                          <a:spcPts val="0"/>
-                        </a:spcBef>
-                        <a:spcAft>
-                          <a:spcPts val="0"/>
-                        </a:spcAft>
-                      </a:pPr>
-                      <a:r>
-                        <a:rPr lang="en-US" sz="1000">
-                          <a:solidFill>
-                            <a:srgbClr val="000000"/>
-                          </a:solidFill>
-                          <a:effectLst/>
-                          <a:latin typeface="Times New Roman" panose="02020603050405020304" pitchFamily="18" charset="0"/>
-                          <a:ea typeface="Times New Roman" panose="02020603050405020304" pitchFamily="18" charset="0"/>
-                          <a:cs typeface="Times New Roman" panose="02020603050405020304" pitchFamily="18" charset="0"/>
+                    </a:p>
+                  </a:txBody>
+                  <a:tcPr marL="6350" marR="6350" marT="6350" marB="0" anchor="b">
+                    <a:lnL>
+                      <a:noFill/>
+                    </a:lnL>
+                    <a:lnR>
+                      <a:noFill/>
+                    </a:lnR>
+                    <a:lnT>
+                      <a:noFill/>
+                    </a:lnT>
+                    <a:lnB>
+                      <a:noFill/>
+                    </a:lnB>
+                  </a:tcPr>
+                </a:tc>
+                <a:tc>
+                  <a:txBody>
+                    <a:bodyPr/>
+                    <a:lstStyle/>
+                    <a:p>
+                      <a:pPr algn="ctr" fontAlgn="b"/>
+                      <a:r>
+                        <a:rPr lang="en-US" sz="1100" b="0" i="0" u="none" strike="noStrike">
+                          <a:solidFill>
+                            <a:srgbClr val="000000"/>
+                          </a:solidFill>
+                          <a:effectLst/>
+                          <a:latin typeface="Times New Roman Uni" panose="02020603050405020304" pitchFamily="18" charset="-128"/>
+                          <a:ea typeface="Times New Roman Uni" panose="02020603050405020304" pitchFamily="18" charset="-128"/>
+                          <a:cs typeface="Times New Roman Uni" panose="02020603050405020304" pitchFamily="18" charset="-128"/>
                         </a:rPr>
                         <a:t>74.77</a:t>
                       </a:r>
-                      <a:endParaRPr lang="en-US" sz="1100">
-                        <a:effectLst/>
-                        <a:latin typeface="Times New Roman" panose="02020603050405020304" pitchFamily="18" charset="0"/>
-                        <a:ea typeface="Calibri" panose="020F0502020204030204" pitchFamily="34" charset="0"/>
-                        <a:cs typeface="Times New Roman" panose="02020603050405020304" pitchFamily="18" charset="0"/>
-                      </a:endParaRPr>
-                    </a:p>
-                  </a:txBody>
-                  <a:tcPr marL="68580" marR="68580" marT="0" marB="0">
-                    <a:lnL>
-                      <a:noFill/>
-                    </a:lnL>
-                    <a:lnR>
-                      <a:noFill/>
-                    </a:lnR>
-                    <a:lnT>
-                      <a:noFill/>
-                    </a:lnT>
-                    <a:lnB>
-                      <a:noFill/>
-                    </a:lnB>
-                  </a:tcPr>
-                </a:tc>
-                <a:tc>
-                  <a:txBody>
-                    <a:bodyPr/>
-                    <a:lstStyle/>
-                    <a:p>
-                      <a:pPr marL="0" marR="0" algn="ctr">
-                        <a:spcBef>
-                          <a:spcPts val="0"/>
-                        </a:spcBef>
-                        <a:spcAft>
-                          <a:spcPts val="0"/>
-                        </a:spcAft>
-                      </a:pPr>
-                      <a:r>
-                        <a:rPr lang="en-US" sz="1000">
-                          <a:solidFill>
-                            <a:srgbClr val="000000"/>
-                          </a:solidFill>
-                          <a:effectLst/>
-                          <a:latin typeface="Times New Roman" panose="02020603050405020304" pitchFamily="18" charset="0"/>
-                          <a:ea typeface="Times New Roman" panose="02020603050405020304" pitchFamily="18" charset="0"/>
-                          <a:cs typeface="Times New Roman" panose="02020603050405020304" pitchFamily="18" charset="0"/>
+                    </a:p>
+                  </a:txBody>
+                  <a:tcPr marL="6350" marR="6350" marT="6350" marB="0" anchor="b">
+                    <a:lnL>
+                      <a:noFill/>
+                    </a:lnL>
+                    <a:lnR>
+                      <a:noFill/>
+                    </a:lnR>
+                    <a:lnT>
+                      <a:noFill/>
+                    </a:lnT>
+                    <a:lnB>
+                      <a:noFill/>
+                    </a:lnB>
+                  </a:tcPr>
+                </a:tc>
+                <a:tc>
+                  <a:txBody>
+                    <a:bodyPr/>
+                    <a:lstStyle/>
+                    <a:p>
+                      <a:pPr algn="ctr" fontAlgn="b"/>
+                      <a:r>
+                        <a:rPr lang="en-US" sz="1100" b="0" i="0" u="none" strike="noStrike">
+                          <a:solidFill>
+                            <a:srgbClr val="000000"/>
+                          </a:solidFill>
+                          <a:effectLst/>
+                          <a:latin typeface="Times New Roman Uni" panose="02020603050405020304" pitchFamily="18" charset="-128"/>
+                          <a:ea typeface="Times New Roman Uni" panose="02020603050405020304" pitchFamily="18" charset="-128"/>
+                          <a:cs typeface="Times New Roman Uni" panose="02020603050405020304" pitchFamily="18" charset="-128"/>
                         </a:rPr>
                         <a:t>64.49</a:t>
                       </a:r>
-                      <a:endParaRPr lang="en-US" sz="1100">
-                        <a:effectLst/>
-                        <a:latin typeface="Times New Roman" panose="02020603050405020304" pitchFamily="18" charset="0"/>
-                        <a:ea typeface="Calibri" panose="020F0502020204030204" pitchFamily="34" charset="0"/>
-                        <a:cs typeface="Times New Roman" panose="02020603050405020304" pitchFamily="18" charset="0"/>
-                      </a:endParaRPr>
-                    </a:p>
-                  </a:txBody>
-                  <a:tcPr marL="68580" marR="68580" marT="0" marB="0">
-                    <a:lnL>
-                      <a:noFill/>
-                    </a:lnL>
-                    <a:lnR>
-                      <a:noFill/>
-                    </a:lnR>
-                    <a:lnT>
-                      <a:noFill/>
-                    </a:lnT>
-                    <a:lnB>
-                      <a:noFill/>
-                    </a:lnB>
-                  </a:tcPr>
-                </a:tc>
-                <a:tc>
-                  <a:txBody>
-                    <a:bodyPr/>
-                    <a:lstStyle/>
-                    <a:p>
-                      <a:pPr marL="0" marR="0" algn="ctr">
-                        <a:spcBef>
-                          <a:spcPts val="0"/>
-                        </a:spcBef>
-                        <a:spcAft>
-                          <a:spcPts val="0"/>
-                        </a:spcAft>
-                      </a:pPr>
-                      <a:r>
-                        <a:rPr lang="en-US" sz="1000">
-                          <a:solidFill>
-                            <a:srgbClr val="000000"/>
-                          </a:solidFill>
-                          <a:effectLst/>
-                          <a:latin typeface="Times New Roman" panose="02020603050405020304" pitchFamily="18" charset="0"/>
-                          <a:ea typeface="Times New Roman" panose="02020603050405020304" pitchFamily="18" charset="0"/>
-                          <a:cs typeface="Times New Roman" panose="02020603050405020304" pitchFamily="18" charset="0"/>
+                    </a:p>
+                  </a:txBody>
+                  <a:tcPr marL="6350" marR="6350" marT="6350" marB="0" anchor="b">
+                    <a:lnL>
+                      <a:noFill/>
+                    </a:lnL>
+                    <a:lnR>
+                      <a:noFill/>
+                    </a:lnR>
+                    <a:lnT>
+                      <a:noFill/>
+                    </a:lnT>
+                    <a:lnB>
+                      <a:noFill/>
+                    </a:lnB>
+                  </a:tcPr>
+                </a:tc>
+                <a:tc>
+                  <a:txBody>
+                    <a:bodyPr/>
+                    <a:lstStyle/>
+                    <a:p>
+                      <a:pPr algn="ctr" fontAlgn="b"/>
+                      <a:r>
+                        <a:rPr lang="en-US" sz="1100" b="0" i="0" u="none" strike="noStrike">
+                          <a:solidFill>
+                            <a:srgbClr val="000000"/>
+                          </a:solidFill>
+                          <a:effectLst/>
+                          <a:latin typeface="Times New Roman Uni" panose="02020603050405020304" pitchFamily="18" charset="-128"/>
+                          <a:ea typeface="Times New Roman Uni" panose="02020603050405020304" pitchFamily="18" charset="-128"/>
+                          <a:cs typeface="Times New Roman Uni" panose="02020603050405020304" pitchFamily="18" charset="-128"/>
                         </a:rPr>
                         <a:t>28.75</a:t>
                       </a:r>
-                      <a:endParaRPr lang="en-US" sz="1100">
-                        <a:effectLst/>
-                        <a:latin typeface="Times New Roman" panose="02020603050405020304" pitchFamily="18" charset="0"/>
-                        <a:ea typeface="Calibri" panose="020F0502020204030204" pitchFamily="34" charset="0"/>
-                        <a:cs typeface="Times New Roman" panose="02020603050405020304" pitchFamily="18" charset="0"/>
-                      </a:endParaRPr>
-                    </a:p>
-                  </a:txBody>
-                  <a:tcPr marL="68580" marR="68580" marT="0" marB="0">
+                    </a:p>
+                  </a:txBody>
+                  <a:tcPr marL="6350" marR="6350" marT="6350" marB="0" anchor="b">
                     <a:lnL>
                       <a:noFill/>
                     </a:lnL>
@@ -7589,323 +7259,232 @@
                     <a:bodyPr/>
                     <a:lstStyle/>
                     <a:p>
-                      <a:pPr marL="0" marR="0" algn="ctr">
-                        <a:spcBef>
-                          <a:spcPts val="0"/>
-                        </a:spcBef>
-                        <a:spcAft>
-                          <a:spcPts val="0"/>
-                        </a:spcAft>
-                      </a:pPr>
-                      <a:r>
-                        <a:rPr lang="en-US" sz="1000">
-                          <a:solidFill>
-                            <a:srgbClr val="000000"/>
-                          </a:solidFill>
-                          <a:effectLst/>
-                          <a:latin typeface="Times New Roman" panose="02020603050405020304" pitchFamily="18" charset="0"/>
-                          <a:ea typeface="Times New Roman" panose="02020603050405020304" pitchFamily="18" charset="0"/>
-                          <a:cs typeface="Times New Roman" panose="02020603050405020304" pitchFamily="18" charset="0"/>
+                      <a:pPr algn="ctr" fontAlgn="b"/>
+                      <a:r>
+                        <a:rPr lang="en-US" sz="1100" b="0" i="0" u="none" strike="noStrike">
+                          <a:solidFill>
+                            <a:srgbClr val="000000"/>
+                          </a:solidFill>
+                          <a:effectLst/>
+                          <a:latin typeface="Times New Roman Uni" panose="02020603050405020304" pitchFamily="18" charset="-128"/>
+                          <a:ea typeface="Times New Roman Uni" panose="02020603050405020304" pitchFamily="18" charset="-128"/>
+                          <a:cs typeface="Times New Roman Uni" panose="02020603050405020304" pitchFamily="18" charset="-128"/>
                         </a:rPr>
                         <a:t>44</a:t>
                       </a:r>
-                      <a:endParaRPr lang="en-US" sz="1100">
-                        <a:effectLst/>
-                        <a:latin typeface="Times New Roman" panose="02020603050405020304" pitchFamily="18" charset="0"/>
-                        <a:ea typeface="Calibri" panose="020F0502020204030204" pitchFamily="34" charset="0"/>
-                        <a:cs typeface="Times New Roman" panose="02020603050405020304" pitchFamily="18" charset="0"/>
-                      </a:endParaRPr>
-                    </a:p>
-                  </a:txBody>
-                  <a:tcPr marL="68580" marR="68580" marT="0" marB="0">
-                    <a:lnL>
-                      <a:noFill/>
-                    </a:lnL>
-                    <a:lnR>
-                      <a:noFill/>
-                    </a:lnR>
-                    <a:lnT>
-                      <a:noFill/>
-                    </a:lnT>
-                    <a:lnB>
-                      <a:noFill/>
-                    </a:lnB>
-                  </a:tcPr>
-                </a:tc>
-                <a:tc>
-                  <a:txBody>
-                    <a:bodyPr/>
-                    <a:lstStyle/>
-                    <a:p>
-                      <a:pPr marL="0" marR="0" algn="ctr">
-                        <a:spcBef>
-                          <a:spcPts val="0"/>
-                        </a:spcBef>
-                        <a:spcAft>
-                          <a:spcPts val="0"/>
-                        </a:spcAft>
-                      </a:pPr>
-                      <a:r>
-                        <a:rPr lang="en-US" sz="1000">
-                          <a:solidFill>
-                            <a:srgbClr val="000000"/>
-                          </a:solidFill>
-                          <a:effectLst/>
-                          <a:latin typeface="Times New Roman" panose="02020603050405020304" pitchFamily="18" charset="0"/>
-                          <a:ea typeface="Times New Roman" panose="02020603050405020304" pitchFamily="18" charset="0"/>
-                          <a:cs typeface="Times New Roman" panose="02020603050405020304" pitchFamily="18" charset="0"/>
+                    </a:p>
+                  </a:txBody>
+                  <a:tcPr marL="6350" marR="6350" marT="6350" marB="0" anchor="b">
+                    <a:lnL>
+                      <a:noFill/>
+                    </a:lnL>
+                    <a:lnR>
+                      <a:noFill/>
+                    </a:lnR>
+                    <a:lnT>
+                      <a:noFill/>
+                    </a:lnT>
+                    <a:lnB>
+                      <a:noFill/>
+                    </a:lnB>
+                  </a:tcPr>
+                </a:tc>
+                <a:tc>
+                  <a:txBody>
+                    <a:bodyPr/>
+                    <a:lstStyle/>
+                    <a:p>
+                      <a:pPr algn="ctr" fontAlgn="b"/>
+                      <a:r>
+                        <a:rPr lang="en-US" sz="1100" b="0" i="0" u="none" strike="noStrike">
+                          <a:solidFill>
+                            <a:srgbClr val="000000"/>
+                          </a:solidFill>
+                          <a:effectLst/>
+                          <a:latin typeface="Times New Roman Uni" panose="02020603050405020304" pitchFamily="18" charset="-128"/>
+                          <a:ea typeface="Times New Roman Uni" panose="02020603050405020304" pitchFamily="18" charset="-128"/>
+                          <a:cs typeface="Times New Roman Uni" panose="02020603050405020304" pitchFamily="18" charset="-128"/>
                         </a:rPr>
                         <a:t>0</a:t>
                       </a:r>
-                      <a:endParaRPr lang="en-US" sz="1100">
-                        <a:effectLst/>
-                        <a:latin typeface="Times New Roman" panose="02020603050405020304" pitchFamily="18" charset="0"/>
-                        <a:ea typeface="Calibri" panose="020F0502020204030204" pitchFamily="34" charset="0"/>
-                        <a:cs typeface="Times New Roman" panose="02020603050405020304" pitchFamily="18" charset="0"/>
-                      </a:endParaRPr>
-                    </a:p>
-                  </a:txBody>
-                  <a:tcPr marL="68580" marR="68580" marT="0" marB="0">
-                    <a:lnL>
-                      <a:noFill/>
-                    </a:lnL>
-                    <a:lnR>
-                      <a:noFill/>
-                    </a:lnR>
-                    <a:lnT>
-                      <a:noFill/>
-                    </a:lnT>
-                    <a:lnB>
-                      <a:noFill/>
-                    </a:lnB>
-                  </a:tcPr>
-                </a:tc>
-                <a:tc>
-                  <a:txBody>
-                    <a:bodyPr/>
-                    <a:lstStyle/>
-                    <a:p>
-                      <a:pPr marL="0" marR="0" algn="ctr">
-                        <a:spcBef>
-                          <a:spcPts val="0"/>
-                        </a:spcBef>
-                        <a:spcAft>
-                          <a:spcPts val="0"/>
-                        </a:spcAft>
-                      </a:pPr>
-                      <a:r>
-                        <a:rPr lang="en-US" sz="1000">
-                          <a:solidFill>
-                            <a:srgbClr val="000000"/>
-                          </a:solidFill>
-                          <a:effectLst/>
-                          <a:latin typeface="Times New Roman" panose="02020603050405020304" pitchFamily="18" charset="0"/>
-                          <a:ea typeface="Times New Roman" panose="02020603050405020304" pitchFamily="18" charset="0"/>
-                          <a:cs typeface="Times New Roman" panose="02020603050405020304" pitchFamily="18" charset="0"/>
+                    </a:p>
+                  </a:txBody>
+                  <a:tcPr marL="6350" marR="6350" marT="6350" marB="0" anchor="b">
+                    <a:lnL>
+                      <a:noFill/>
+                    </a:lnL>
+                    <a:lnR>
+                      <a:noFill/>
+                    </a:lnR>
+                    <a:lnT>
+                      <a:noFill/>
+                    </a:lnT>
+                    <a:lnB>
+                      <a:noFill/>
+                    </a:lnB>
+                  </a:tcPr>
+                </a:tc>
+                <a:tc>
+                  <a:txBody>
+                    <a:bodyPr/>
+                    <a:lstStyle/>
+                    <a:p>
+                      <a:pPr algn="ctr" fontAlgn="b"/>
+                      <a:r>
+                        <a:rPr lang="en-US" sz="1100" b="0" i="0" u="none" strike="noStrike">
+                          <a:solidFill>
+                            <a:srgbClr val="000000"/>
+                          </a:solidFill>
+                          <a:effectLst/>
+                          <a:latin typeface="Times New Roman Uni" panose="02020603050405020304" pitchFamily="18" charset="-128"/>
+                          <a:ea typeface="Times New Roman Uni" panose="02020603050405020304" pitchFamily="18" charset="-128"/>
+                          <a:cs typeface="Times New Roman Uni" panose="02020603050405020304" pitchFamily="18" charset="-128"/>
                         </a:rPr>
                         <a:t>98</a:t>
                       </a:r>
-                      <a:endParaRPr lang="en-US" sz="1100">
-                        <a:effectLst/>
-                        <a:latin typeface="Times New Roman" panose="02020603050405020304" pitchFamily="18" charset="0"/>
-                        <a:ea typeface="Calibri" panose="020F0502020204030204" pitchFamily="34" charset="0"/>
-                        <a:cs typeface="Times New Roman" panose="02020603050405020304" pitchFamily="18" charset="0"/>
-                      </a:endParaRPr>
-                    </a:p>
-                  </a:txBody>
-                  <a:tcPr marL="68580" marR="68580" marT="0" marB="0">
-                    <a:lnL>
-                      <a:noFill/>
-                    </a:lnL>
-                    <a:lnR>
-                      <a:noFill/>
-                    </a:lnR>
-                    <a:lnT>
-                      <a:noFill/>
-                    </a:lnT>
-                    <a:lnB>
-                      <a:noFill/>
-                    </a:lnB>
-                  </a:tcPr>
-                </a:tc>
-                <a:tc>
-                  <a:txBody>
-                    <a:bodyPr/>
-                    <a:lstStyle/>
-                    <a:p>
-                      <a:pPr marL="0" marR="0" algn="ctr">
-                        <a:spcBef>
-                          <a:spcPts val="0"/>
-                        </a:spcBef>
-                        <a:spcAft>
-                          <a:spcPts val="0"/>
-                        </a:spcAft>
-                      </a:pPr>
-                      <a:r>
-                        <a:rPr lang="en-US" sz="1000">
-                          <a:solidFill>
-                            <a:srgbClr val="000000"/>
-                          </a:solidFill>
-                          <a:effectLst/>
-                          <a:latin typeface="Times New Roman" panose="02020603050405020304" pitchFamily="18" charset="0"/>
-                          <a:ea typeface="Times New Roman" panose="02020603050405020304" pitchFamily="18" charset="0"/>
-                          <a:cs typeface="Times New Roman" panose="02020603050405020304" pitchFamily="18" charset="0"/>
+                    </a:p>
+                  </a:txBody>
+                  <a:tcPr marL="6350" marR="6350" marT="6350" marB="0" anchor="b">
+                    <a:lnL>
+                      <a:noFill/>
+                    </a:lnL>
+                    <a:lnR>
+                      <a:noFill/>
+                    </a:lnR>
+                    <a:lnT>
+                      <a:noFill/>
+                    </a:lnT>
+                    <a:lnB>
+                      <a:noFill/>
+                    </a:lnB>
+                  </a:tcPr>
+                </a:tc>
+                <a:tc>
+                  <a:txBody>
+                    <a:bodyPr/>
+                    <a:lstStyle/>
+                    <a:p>
+                      <a:pPr algn="ctr" fontAlgn="b"/>
+                      <a:r>
+                        <a:rPr lang="en-US" sz="1100" b="0" i="0" u="none" strike="noStrike">
+                          <a:solidFill>
+                            <a:srgbClr val="000000"/>
+                          </a:solidFill>
+                          <a:effectLst/>
+                          <a:latin typeface="Times New Roman Uni" panose="02020603050405020304" pitchFamily="18" charset="-128"/>
+                          <a:ea typeface="Times New Roman Uni" panose="02020603050405020304" pitchFamily="18" charset="-128"/>
+                          <a:cs typeface="Times New Roman Uni" panose="02020603050405020304" pitchFamily="18" charset="-128"/>
                         </a:rPr>
                         <a:t>0</a:t>
                       </a:r>
-                      <a:endParaRPr lang="en-US" sz="1100">
-                        <a:effectLst/>
-                        <a:latin typeface="Times New Roman" panose="02020603050405020304" pitchFamily="18" charset="0"/>
-                        <a:ea typeface="Calibri" panose="020F0502020204030204" pitchFamily="34" charset="0"/>
-                        <a:cs typeface="Times New Roman" panose="02020603050405020304" pitchFamily="18" charset="0"/>
-                      </a:endParaRPr>
-                    </a:p>
-                  </a:txBody>
-                  <a:tcPr marL="68580" marR="68580" marT="0" marB="0">
-                    <a:lnL>
-                      <a:noFill/>
-                    </a:lnL>
-                    <a:lnR>
-                      <a:noFill/>
-                    </a:lnR>
-                    <a:lnT>
-                      <a:noFill/>
-                    </a:lnT>
-                    <a:lnB>
-                      <a:noFill/>
-                    </a:lnB>
-                  </a:tcPr>
-                </a:tc>
-                <a:tc>
-                  <a:txBody>
-                    <a:bodyPr/>
-                    <a:lstStyle/>
-                    <a:p>
-                      <a:pPr marL="0" marR="0" algn="ctr">
-                        <a:spcBef>
-                          <a:spcPts val="0"/>
-                        </a:spcBef>
-                        <a:spcAft>
-                          <a:spcPts val="0"/>
-                        </a:spcAft>
-                      </a:pPr>
-                      <a:r>
-                        <a:rPr lang="en-US" sz="1000">
-                          <a:solidFill>
-                            <a:srgbClr val="000000"/>
-                          </a:solidFill>
-                          <a:effectLst/>
-                          <a:latin typeface="Times New Roman" panose="02020603050405020304" pitchFamily="18" charset="0"/>
-                          <a:ea typeface="Times New Roman" panose="02020603050405020304" pitchFamily="18" charset="0"/>
-                          <a:cs typeface="Times New Roman" panose="02020603050405020304" pitchFamily="18" charset="0"/>
+                    </a:p>
+                  </a:txBody>
+                  <a:tcPr marL="6350" marR="6350" marT="6350" marB="0" anchor="b">
+                    <a:lnL>
+                      <a:noFill/>
+                    </a:lnL>
+                    <a:lnR>
+                      <a:noFill/>
+                    </a:lnR>
+                    <a:lnT>
+                      <a:noFill/>
+                    </a:lnT>
+                    <a:lnB>
+                      <a:noFill/>
+                    </a:lnB>
+                  </a:tcPr>
+                </a:tc>
+                <a:tc>
+                  <a:txBody>
+                    <a:bodyPr/>
+                    <a:lstStyle/>
+                    <a:p>
+                      <a:pPr algn="ctr" fontAlgn="b"/>
+                      <a:r>
+                        <a:rPr lang="en-US" sz="1100" b="0" i="0" u="none" strike="noStrike">
+                          <a:solidFill>
+                            <a:srgbClr val="000000"/>
+                          </a:solidFill>
+                          <a:effectLst/>
+                          <a:latin typeface="Times New Roman Uni" panose="02020603050405020304" pitchFamily="18" charset="-128"/>
+                          <a:ea typeface="Times New Roman Uni" panose="02020603050405020304" pitchFamily="18" charset="-128"/>
+                          <a:cs typeface="Times New Roman Uni" panose="02020603050405020304" pitchFamily="18" charset="-128"/>
                         </a:rPr>
                         <a:t>79.59</a:t>
                       </a:r>
-                      <a:endParaRPr lang="en-US" sz="1100">
-                        <a:effectLst/>
-                        <a:latin typeface="Times New Roman" panose="02020603050405020304" pitchFamily="18" charset="0"/>
-                        <a:ea typeface="Calibri" panose="020F0502020204030204" pitchFamily="34" charset="0"/>
-                        <a:cs typeface="Times New Roman" panose="02020603050405020304" pitchFamily="18" charset="0"/>
-                      </a:endParaRPr>
-                    </a:p>
-                  </a:txBody>
-                  <a:tcPr marL="68580" marR="68580" marT="0" marB="0">
-                    <a:lnL>
-                      <a:noFill/>
-                    </a:lnL>
-                    <a:lnR>
-                      <a:noFill/>
-                    </a:lnR>
-                    <a:lnT>
-                      <a:noFill/>
-                    </a:lnT>
-                    <a:lnB>
-                      <a:noFill/>
-                    </a:lnB>
-                  </a:tcPr>
-                </a:tc>
-                <a:tc>
-                  <a:txBody>
-                    <a:bodyPr/>
-                    <a:lstStyle/>
-                    <a:p>
-                      <a:pPr marL="0" marR="0" algn="ctr">
-                        <a:spcBef>
-                          <a:spcPts val="0"/>
-                        </a:spcBef>
-                        <a:spcAft>
-                          <a:spcPts val="0"/>
-                        </a:spcAft>
-                      </a:pPr>
-                      <a:r>
-                        <a:rPr lang="en-US" sz="1000">
-                          <a:solidFill>
-                            <a:srgbClr val="000000"/>
-                          </a:solidFill>
-                          <a:effectLst/>
-                          <a:latin typeface="Times New Roman" panose="02020603050405020304" pitchFamily="18" charset="0"/>
-                          <a:ea typeface="Times New Roman" panose="02020603050405020304" pitchFamily="18" charset="0"/>
-                          <a:cs typeface="Times New Roman" panose="02020603050405020304" pitchFamily="18" charset="0"/>
+                    </a:p>
+                  </a:txBody>
+                  <a:tcPr marL="6350" marR="6350" marT="6350" marB="0" anchor="b">
+                    <a:lnL>
+                      <a:noFill/>
+                    </a:lnL>
+                    <a:lnR>
+                      <a:noFill/>
+                    </a:lnR>
+                    <a:lnT>
+                      <a:noFill/>
+                    </a:lnT>
+                    <a:lnB>
+                      <a:noFill/>
+                    </a:lnB>
+                  </a:tcPr>
+                </a:tc>
+                <a:tc>
+                  <a:txBody>
+                    <a:bodyPr/>
+                    <a:lstStyle/>
+                    <a:p>
+                      <a:pPr algn="ctr" fontAlgn="b"/>
+                      <a:r>
+                        <a:rPr lang="en-US" sz="1100" b="0" i="0" u="none" strike="noStrike">
+                          <a:solidFill>
+                            <a:srgbClr val="000000"/>
+                          </a:solidFill>
+                          <a:effectLst/>
+                          <a:latin typeface="Times New Roman Uni" panose="02020603050405020304" pitchFamily="18" charset="-128"/>
+                          <a:ea typeface="Times New Roman Uni" panose="02020603050405020304" pitchFamily="18" charset="-128"/>
+                          <a:cs typeface="Times New Roman Uni" panose="02020603050405020304" pitchFamily="18" charset="-128"/>
                         </a:rPr>
                         <a:t>69.39</a:t>
                       </a:r>
-                      <a:endParaRPr lang="en-US" sz="1100">
-                        <a:effectLst/>
-                        <a:latin typeface="Times New Roman" panose="02020603050405020304" pitchFamily="18" charset="0"/>
-                        <a:ea typeface="Calibri" panose="020F0502020204030204" pitchFamily="34" charset="0"/>
-                        <a:cs typeface="Times New Roman" panose="02020603050405020304" pitchFamily="18" charset="0"/>
-                      </a:endParaRPr>
-                    </a:p>
-                  </a:txBody>
-                  <a:tcPr marL="68580" marR="68580" marT="0" marB="0">
-                    <a:lnL>
-                      <a:noFill/>
-                    </a:lnL>
-                    <a:lnR>
-                      <a:noFill/>
-                    </a:lnR>
-                    <a:lnT>
-                      <a:noFill/>
-                    </a:lnT>
-                    <a:lnB>
-                      <a:noFill/>
-                    </a:lnB>
-                  </a:tcPr>
-                </a:tc>
-                <a:tc>
-                  <a:txBody>
-                    <a:bodyPr/>
-                    <a:lstStyle/>
-                    <a:p>
-                      <a:pPr marL="0" marR="0" algn="ctr">
-                        <a:spcBef>
-                          <a:spcPts val="0"/>
-                        </a:spcBef>
-                        <a:spcAft>
-                          <a:spcPts val="0"/>
-                        </a:spcAft>
-                      </a:pPr>
-                      <a:r>
-                        <a:rPr lang="en-US" sz="1000">
-                          <a:solidFill>
-                            <a:srgbClr val="000000"/>
-                          </a:solidFill>
-                          <a:effectLst/>
-                          <a:latin typeface="Times New Roman" panose="02020603050405020304" pitchFamily="18" charset="0"/>
-                          <a:ea typeface="Times New Roman" panose="02020603050405020304" pitchFamily="18" charset="0"/>
-                          <a:cs typeface="Times New Roman" panose="02020603050405020304" pitchFamily="18" charset="0"/>
+                    </a:p>
+                  </a:txBody>
+                  <a:tcPr marL="6350" marR="6350" marT="6350" marB="0" anchor="b">
+                    <a:lnL>
+                      <a:noFill/>
+                    </a:lnL>
+                    <a:lnR>
+                      <a:noFill/>
+                    </a:lnR>
+                    <a:lnT>
+                      <a:noFill/>
+                    </a:lnT>
+                    <a:lnB>
+                      <a:noFill/>
+                    </a:lnB>
+                  </a:tcPr>
+                </a:tc>
+                <a:tc>
+                  <a:txBody>
+                    <a:bodyPr/>
+                    <a:lstStyle/>
+                    <a:p>
+                      <a:pPr algn="ctr" fontAlgn="b"/>
+                      <a:r>
+                        <a:rPr lang="en-US" sz="1100" b="0" i="0" u="none" strike="noStrike">
+                          <a:solidFill>
+                            <a:srgbClr val="000000"/>
+                          </a:solidFill>
+                          <a:effectLst/>
+                          <a:latin typeface="Times New Roman Uni" panose="02020603050405020304" pitchFamily="18" charset="-128"/>
+                          <a:ea typeface="Times New Roman Uni" panose="02020603050405020304" pitchFamily="18" charset="-128"/>
+                          <a:cs typeface="Times New Roman Uni" panose="02020603050405020304" pitchFamily="18" charset="-128"/>
                         </a:rPr>
                         <a:t>28.58</a:t>
                       </a:r>
-                      <a:endParaRPr lang="en-US" sz="1100">
-                        <a:effectLst/>
-                        <a:latin typeface="Times New Roman" panose="02020603050405020304" pitchFamily="18" charset="0"/>
-                        <a:ea typeface="Calibri" panose="020F0502020204030204" pitchFamily="34" charset="0"/>
-                        <a:cs typeface="Times New Roman" panose="02020603050405020304" pitchFamily="18" charset="0"/>
-                      </a:endParaRPr>
-                    </a:p>
-                  </a:txBody>
-                  <a:tcPr marL="68580" marR="68580" marT="0" marB="0">
+                    </a:p>
+                  </a:txBody>
+                  <a:tcPr marL="6350" marR="6350" marT="6350" marB="0" anchor="b">
                     <a:lnL>
                       <a:noFill/>
                     </a:lnL>
@@ -7932,323 +7511,232 @@
                     <a:bodyPr/>
                     <a:lstStyle/>
                     <a:p>
-                      <a:pPr marL="0" marR="0" algn="ctr">
-                        <a:spcBef>
-                          <a:spcPts val="0"/>
-                        </a:spcBef>
-                        <a:spcAft>
-                          <a:spcPts val="0"/>
-                        </a:spcAft>
-                      </a:pPr>
-                      <a:r>
-                        <a:rPr lang="en-US" sz="1000">
-                          <a:solidFill>
-                            <a:srgbClr val="000000"/>
-                          </a:solidFill>
-                          <a:effectLst/>
-                          <a:latin typeface="Times New Roman" panose="02020603050405020304" pitchFamily="18" charset="0"/>
-                          <a:ea typeface="Times New Roman" panose="02020603050405020304" pitchFamily="18" charset="0"/>
-                          <a:cs typeface="Times New Roman" panose="02020603050405020304" pitchFamily="18" charset="0"/>
+                      <a:pPr algn="ctr" fontAlgn="b"/>
+                      <a:r>
+                        <a:rPr lang="en-US" sz="1100" b="0" i="0" u="none" strike="noStrike">
+                          <a:solidFill>
+                            <a:srgbClr val="000000"/>
+                          </a:solidFill>
+                          <a:effectLst/>
+                          <a:latin typeface="Times New Roman Uni" panose="02020603050405020304" pitchFamily="18" charset="-128"/>
+                          <a:ea typeface="Times New Roman Uni" panose="02020603050405020304" pitchFamily="18" charset="-128"/>
+                          <a:cs typeface="Times New Roman Uni" panose="02020603050405020304" pitchFamily="18" charset="-128"/>
                         </a:rPr>
                         <a:t>23</a:t>
                       </a:r>
-                      <a:endParaRPr lang="en-US" sz="1100">
-                        <a:effectLst/>
-                        <a:latin typeface="Times New Roman" panose="02020603050405020304" pitchFamily="18" charset="0"/>
-                        <a:ea typeface="Calibri" panose="020F0502020204030204" pitchFamily="34" charset="0"/>
-                        <a:cs typeface="Times New Roman" panose="02020603050405020304" pitchFamily="18" charset="0"/>
-                      </a:endParaRPr>
-                    </a:p>
-                  </a:txBody>
-                  <a:tcPr marL="68580" marR="68580" marT="0" marB="0">
-                    <a:lnL>
-                      <a:noFill/>
-                    </a:lnL>
-                    <a:lnR>
-                      <a:noFill/>
-                    </a:lnR>
-                    <a:lnT>
-                      <a:noFill/>
-                    </a:lnT>
-                    <a:lnB>
-                      <a:noFill/>
-                    </a:lnB>
-                  </a:tcPr>
-                </a:tc>
-                <a:tc>
-                  <a:txBody>
-                    <a:bodyPr/>
-                    <a:lstStyle/>
-                    <a:p>
-                      <a:pPr marL="0" marR="0" algn="ctr">
-                        <a:spcBef>
-                          <a:spcPts val="0"/>
-                        </a:spcBef>
-                        <a:spcAft>
-                          <a:spcPts val="0"/>
-                        </a:spcAft>
-                      </a:pPr>
-                      <a:r>
-                        <a:rPr lang="en-US" sz="1000">
-                          <a:solidFill>
-                            <a:srgbClr val="000000"/>
-                          </a:solidFill>
-                          <a:effectLst/>
-                          <a:latin typeface="Times New Roman" panose="02020603050405020304" pitchFamily="18" charset="0"/>
-                          <a:ea typeface="Times New Roman" panose="02020603050405020304" pitchFamily="18" charset="0"/>
-                          <a:cs typeface="Times New Roman" panose="02020603050405020304" pitchFamily="18" charset="0"/>
+                    </a:p>
+                  </a:txBody>
+                  <a:tcPr marL="6350" marR="6350" marT="6350" marB="0" anchor="b">
+                    <a:lnL>
+                      <a:noFill/>
+                    </a:lnL>
+                    <a:lnR>
+                      <a:noFill/>
+                    </a:lnR>
+                    <a:lnT>
+                      <a:noFill/>
+                    </a:lnT>
+                    <a:lnB>
+                      <a:noFill/>
+                    </a:lnB>
+                  </a:tcPr>
+                </a:tc>
+                <a:tc>
+                  <a:txBody>
+                    <a:bodyPr/>
+                    <a:lstStyle/>
+                    <a:p>
+                      <a:pPr algn="ctr" fontAlgn="b"/>
+                      <a:r>
+                        <a:rPr lang="en-US" sz="1100" b="0" i="0" u="none" strike="noStrike">
+                          <a:solidFill>
+                            <a:srgbClr val="000000"/>
+                          </a:solidFill>
+                          <a:effectLst/>
+                          <a:latin typeface="Times New Roman Uni" panose="02020603050405020304" pitchFamily="18" charset="-128"/>
+                          <a:ea typeface="Times New Roman Uni" panose="02020603050405020304" pitchFamily="18" charset="-128"/>
+                          <a:cs typeface="Times New Roman Uni" panose="02020603050405020304" pitchFamily="18" charset="-128"/>
                         </a:rPr>
                         <a:t>6</a:t>
                       </a:r>
-                      <a:endParaRPr lang="en-US" sz="1100">
-                        <a:effectLst/>
-                        <a:latin typeface="Times New Roman" panose="02020603050405020304" pitchFamily="18" charset="0"/>
-                        <a:ea typeface="Calibri" panose="020F0502020204030204" pitchFamily="34" charset="0"/>
-                        <a:cs typeface="Times New Roman" panose="02020603050405020304" pitchFamily="18" charset="0"/>
-                      </a:endParaRPr>
-                    </a:p>
-                  </a:txBody>
-                  <a:tcPr marL="68580" marR="68580" marT="0" marB="0">
-                    <a:lnL>
-                      <a:noFill/>
-                    </a:lnL>
-                    <a:lnR>
-                      <a:noFill/>
-                    </a:lnR>
-                    <a:lnT>
-                      <a:noFill/>
-                    </a:lnT>
-                    <a:lnB>
-                      <a:noFill/>
-                    </a:lnB>
-                  </a:tcPr>
-                </a:tc>
-                <a:tc>
-                  <a:txBody>
-                    <a:bodyPr/>
-                    <a:lstStyle/>
-                    <a:p>
-                      <a:pPr marL="0" marR="0" algn="ctr">
-                        <a:spcBef>
-                          <a:spcPts val="0"/>
-                        </a:spcBef>
-                        <a:spcAft>
-                          <a:spcPts val="0"/>
-                        </a:spcAft>
-                      </a:pPr>
-                      <a:r>
-                        <a:rPr lang="en-US" sz="1000">
-                          <a:solidFill>
-                            <a:srgbClr val="000000"/>
-                          </a:solidFill>
-                          <a:effectLst/>
-                          <a:latin typeface="Times New Roman" panose="02020603050405020304" pitchFamily="18" charset="0"/>
-                          <a:ea typeface="Times New Roman" panose="02020603050405020304" pitchFamily="18" charset="0"/>
-                          <a:cs typeface="Times New Roman" panose="02020603050405020304" pitchFamily="18" charset="0"/>
+                    </a:p>
+                  </a:txBody>
+                  <a:tcPr marL="6350" marR="6350" marT="6350" marB="0" anchor="b">
+                    <a:lnL>
+                      <a:noFill/>
+                    </a:lnL>
+                    <a:lnR>
+                      <a:noFill/>
+                    </a:lnR>
+                    <a:lnT>
+                      <a:noFill/>
+                    </a:lnT>
+                    <a:lnB>
+                      <a:noFill/>
+                    </a:lnB>
+                  </a:tcPr>
+                </a:tc>
+                <a:tc>
+                  <a:txBody>
+                    <a:bodyPr/>
+                    <a:lstStyle/>
+                    <a:p>
+                      <a:pPr algn="ctr" fontAlgn="b"/>
+                      <a:r>
+                        <a:rPr lang="en-US" sz="1100" b="0" i="0" u="none" strike="noStrike">
+                          <a:solidFill>
+                            <a:srgbClr val="000000"/>
+                          </a:solidFill>
+                          <a:effectLst/>
+                          <a:latin typeface="Times New Roman Uni" panose="02020603050405020304" pitchFamily="18" charset="-128"/>
+                          <a:ea typeface="Times New Roman Uni" panose="02020603050405020304" pitchFamily="18" charset="-128"/>
+                          <a:cs typeface="Times New Roman Uni" panose="02020603050405020304" pitchFamily="18" charset="-128"/>
                         </a:rPr>
                         <a:t>97</a:t>
                       </a:r>
-                      <a:endParaRPr lang="en-US" sz="1100">
-                        <a:effectLst/>
-                        <a:latin typeface="Times New Roman" panose="02020603050405020304" pitchFamily="18" charset="0"/>
-                        <a:ea typeface="Calibri" panose="020F0502020204030204" pitchFamily="34" charset="0"/>
-                        <a:cs typeface="Times New Roman" panose="02020603050405020304" pitchFamily="18" charset="0"/>
-                      </a:endParaRPr>
-                    </a:p>
-                  </a:txBody>
-                  <a:tcPr marL="68580" marR="68580" marT="0" marB="0">
-                    <a:lnL>
-                      <a:noFill/>
-                    </a:lnL>
-                    <a:lnR>
-                      <a:noFill/>
-                    </a:lnR>
-                    <a:lnT>
-                      <a:noFill/>
-                    </a:lnT>
-                    <a:lnB>
-                      <a:noFill/>
-                    </a:lnB>
-                  </a:tcPr>
-                </a:tc>
-                <a:tc>
-                  <a:txBody>
-                    <a:bodyPr/>
-                    <a:lstStyle/>
-                    <a:p>
-                      <a:pPr marL="0" marR="0" algn="ctr">
-                        <a:spcBef>
-                          <a:spcPts val="0"/>
-                        </a:spcBef>
-                        <a:spcAft>
-                          <a:spcPts val="0"/>
-                        </a:spcAft>
-                      </a:pPr>
-                      <a:r>
-                        <a:rPr lang="en-US" sz="1000">
-                          <a:solidFill>
-                            <a:srgbClr val="000000"/>
-                          </a:solidFill>
-                          <a:effectLst/>
-                          <a:latin typeface="Times New Roman" panose="02020603050405020304" pitchFamily="18" charset="0"/>
-                          <a:ea typeface="Times New Roman" panose="02020603050405020304" pitchFamily="18" charset="0"/>
-                          <a:cs typeface="Times New Roman" panose="02020603050405020304" pitchFamily="18" charset="0"/>
+                    </a:p>
+                  </a:txBody>
+                  <a:tcPr marL="6350" marR="6350" marT="6350" marB="0" anchor="b">
+                    <a:lnL>
+                      <a:noFill/>
+                    </a:lnL>
+                    <a:lnR>
+                      <a:noFill/>
+                    </a:lnR>
+                    <a:lnT>
+                      <a:noFill/>
+                    </a:lnT>
+                    <a:lnB>
+                      <a:noFill/>
+                    </a:lnB>
+                  </a:tcPr>
+                </a:tc>
+                <a:tc>
+                  <a:txBody>
+                    <a:bodyPr/>
+                    <a:lstStyle/>
+                    <a:p>
+                      <a:pPr algn="ctr" fontAlgn="b"/>
+                      <a:r>
+                        <a:rPr lang="en-US" sz="1100" b="0" i="0" u="none" strike="noStrike">
+                          <a:solidFill>
+                            <a:srgbClr val="000000"/>
+                          </a:solidFill>
+                          <a:effectLst/>
+                          <a:latin typeface="Times New Roman Uni" panose="02020603050405020304" pitchFamily="18" charset="-128"/>
+                          <a:ea typeface="Times New Roman Uni" panose="02020603050405020304" pitchFamily="18" charset="-128"/>
+                          <a:cs typeface="Times New Roman Uni" panose="02020603050405020304" pitchFamily="18" charset="-128"/>
                         </a:rPr>
                         <a:t>6.19</a:t>
                       </a:r>
-                      <a:endParaRPr lang="en-US" sz="1100">
-                        <a:effectLst/>
-                        <a:latin typeface="Times New Roman" panose="02020603050405020304" pitchFamily="18" charset="0"/>
-                        <a:ea typeface="Calibri" panose="020F0502020204030204" pitchFamily="34" charset="0"/>
-                        <a:cs typeface="Times New Roman" panose="02020603050405020304" pitchFamily="18" charset="0"/>
-                      </a:endParaRPr>
-                    </a:p>
-                  </a:txBody>
-                  <a:tcPr marL="68580" marR="68580" marT="0" marB="0">
-                    <a:lnL>
-                      <a:noFill/>
-                    </a:lnL>
-                    <a:lnR>
-                      <a:noFill/>
-                    </a:lnR>
-                    <a:lnT>
-                      <a:noFill/>
-                    </a:lnT>
-                    <a:lnB>
-                      <a:noFill/>
-                    </a:lnB>
-                  </a:tcPr>
-                </a:tc>
-                <a:tc>
-                  <a:txBody>
-                    <a:bodyPr/>
-                    <a:lstStyle/>
-                    <a:p>
-                      <a:pPr marL="0" marR="0" algn="ctr">
-                        <a:spcBef>
-                          <a:spcPts val="0"/>
-                        </a:spcBef>
-                        <a:spcAft>
-                          <a:spcPts val="0"/>
-                        </a:spcAft>
-                      </a:pPr>
-                      <a:r>
-                        <a:rPr lang="en-US" sz="1000">
-                          <a:solidFill>
-                            <a:srgbClr val="000000"/>
-                          </a:solidFill>
-                          <a:effectLst/>
-                          <a:latin typeface="Times New Roman" panose="02020603050405020304" pitchFamily="18" charset="0"/>
-                          <a:ea typeface="Times New Roman" panose="02020603050405020304" pitchFamily="18" charset="0"/>
-                          <a:cs typeface="Times New Roman" panose="02020603050405020304" pitchFamily="18" charset="0"/>
+                    </a:p>
+                  </a:txBody>
+                  <a:tcPr marL="6350" marR="6350" marT="6350" marB="0" anchor="b">
+                    <a:lnL>
+                      <a:noFill/>
+                    </a:lnL>
+                    <a:lnR>
+                      <a:noFill/>
+                    </a:lnR>
+                    <a:lnT>
+                      <a:noFill/>
+                    </a:lnT>
+                    <a:lnB>
+                      <a:noFill/>
+                    </a:lnB>
+                  </a:tcPr>
+                </a:tc>
+                <a:tc>
+                  <a:txBody>
+                    <a:bodyPr/>
+                    <a:lstStyle/>
+                    <a:p>
+                      <a:pPr algn="ctr" fontAlgn="b"/>
+                      <a:r>
+                        <a:rPr lang="en-US" sz="1100" b="0" i="0" u="none" strike="noStrike">
+                          <a:solidFill>
+                            <a:srgbClr val="000000"/>
+                          </a:solidFill>
+                          <a:effectLst/>
+                          <a:latin typeface="Times New Roman Uni" panose="02020603050405020304" pitchFamily="18" charset="-128"/>
+                          <a:ea typeface="Times New Roman Uni" panose="02020603050405020304" pitchFamily="18" charset="-128"/>
+                          <a:cs typeface="Times New Roman Uni" panose="02020603050405020304" pitchFamily="18" charset="-128"/>
                         </a:rPr>
                         <a:t>70.1</a:t>
                       </a:r>
-                      <a:endParaRPr lang="en-US" sz="1100">
-                        <a:effectLst/>
-                        <a:latin typeface="Times New Roman" panose="02020603050405020304" pitchFamily="18" charset="0"/>
-                        <a:ea typeface="Calibri" panose="020F0502020204030204" pitchFamily="34" charset="0"/>
-                        <a:cs typeface="Times New Roman" panose="02020603050405020304" pitchFamily="18" charset="0"/>
-                      </a:endParaRPr>
-                    </a:p>
-                  </a:txBody>
-                  <a:tcPr marL="68580" marR="68580" marT="0" marB="0">
-                    <a:lnL>
-                      <a:noFill/>
-                    </a:lnL>
-                    <a:lnR>
-                      <a:noFill/>
-                    </a:lnR>
-                    <a:lnT>
-                      <a:noFill/>
-                    </a:lnT>
-                    <a:lnB>
-                      <a:noFill/>
-                    </a:lnB>
-                  </a:tcPr>
-                </a:tc>
-                <a:tc>
-                  <a:txBody>
-                    <a:bodyPr/>
-                    <a:lstStyle/>
-                    <a:p>
-                      <a:pPr marL="0" marR="0" algn="ctr">
-                        <a:spcBef>
-                          <a:spcPts val="0"/>
-                        </a:spcBef>
-                        <a:spcAft>
-                          <a:spcPts val="0"/>
-                        </a:spcAft>
-                      </a:pPr>
-                      <a:r>
-                        <a:rPr lang="en-US" sz="1000">
-                          <a:solidFill>
-                            <a:srgbClr val="000000"/>
-                          </a:solidFill>
-                          <a:effectLst/>
-                          <a:latin typeface="Times New Roman" panose="02020603050405020304" pitchFamily="18" charset="0"/>
-                          <a:ea typeface="Times New Roman" panose="02020603050405020304" pitchFamily="18" charset="0"/>
-                          <a:cs typeface="Times New Roman" panose="02020603050405020304" pitchFamily="18" charset="0"/>
+                    </a:p>
+                  </a:txBody>
+                  <a:tcPr marL="6350" marR="6350" marT="6350" marB="0" anchor="b">
+                    <a:lnL>
+                      <a:noFill/>
+                    </a:lnL>
+                    <a:lnR>
+                      <a:noFill/>
+                    </a:lnR>
+                    <a:lnT>
+                      <a:noFill/>
+                    </a:lnT>
+                    <a:lnB>
+                      <a:noFill/>
+                    </a:lnB>
+                  </a:tcPr>
+                </a:tc>
+                <a:tc>
+                  <a:txBody>
+                    <a:bodyPr/>
+                    <a:lstStyle/>
+                    <a:p>
+                      <a:pPr algn="ctr" fontAlgn="b"/>
+                      <a:r>
+                        <a:rPr lang="en-US" sz="1100" b="0" i="0" u="none" strike="noStrike">
+                          <a:solidFill>
+                            <a:srgbClr val="000000"/>
+                          </a:solidFill>
+                          <a:effectLst/>
+                          <a:latin typeface="Times New Roman Uni" panose="02020603050405020304" pitchFamily="18" charset="-128"/>
+                          <a:ea typeface="Times New Roman Uni" panose="02020603050405020304" pitchFamily="18" charset="-128"/>
+                          <a:cs typeface="Times New Roman Uni" panose="02020603050405020304" pitchFamily="18" charset="-128"/>
                         </a:rPr>
                         <a:t>61.86</a:t>
                       </a:r>
-                      <a:endParaRPr lang="en-US" sz="1100">
-                        <a:effectLst/>
-                        <a:latin typeface="Times New Roman" panose="02020603050405020304" pitchFamily="18" charset="0"/>
-                        <a:ea typeface="Calibri" panose="020F0502020204030204" pitchFamily="34" charset="0"/>
-                        <a:cs typeface="Times New Roman" panose="02020603050405020304" pitchFamily="18" charset="0"/>
-                      </a:endParaRPr>
-                    </a:p>
-                  </a:txBody>
-                  <a:tcPr marL="68580" marR="68580" marT="0" marB="0">
-                    <a:lnL>
-                      <a:noFill/>
-                    </a:lnL>
-                    <a:lnR>
-                      <a:noFill/>
-                    </a:lnR>
-                    <a:lnT>
-                      <a:noFill/>
-                    </a:lnT>
-                    <a:lnB>
-                      <a:noFill/>
-                    </a:lnB>
-                  </a:tcPr>
-                </a:tc>
-                <a:tc>
-                  <a:txBody>
-                    <a:bodyPr/>
-                    <a:lstStyle/>
-                    <a:p>
-                      <a:pPr marL="0" marR="0" algn="ctr">
-                        <a:spcBef>
-                          <a:spcPts val="0"/>
-                        </a:spcBef>
-                        <a:spcAft>
-                          <a:spcPts val="0"/>
-                        </a:spcAft>
-                      </a:pPr>
-                      <a:r>
-                        <a:rPr lang="en-US" sz="1000">
-                          <a:solidFill>
-                            <a:srgbClr val="000000"/>
-                          </a:solidFill>
-                          <a:effectLst/>
-                          <a:latin typeface="Times New Roman" panose="02020603050405020304" pitchFamily="18" charset="0"/>
-                          <a:ea typeface="Times New Roman" panose="02020603050405020304" pitchFamily="18" charset="0"/>
-                          <a:cs typeface="Times New Roman" panose="02020603050405020304" pitchFamily="18" charset="0"/>
-                        </a:rPr>
-                        <a:t>28.47</a:t>
-                      </a:r>
-                      <a:endParaRPr lang="en-US" sz="1100">
-                        <a:effectLst/>
-                        <a:latin typeface="Times New Roman" panose="02020603050405020304" pitchFamily="18" charset="0"/>
-                        <a:ea typeface="Calibri" panose="020F0502020204030204" pitchFamily="34" charset="0"/>
-                        <a:cs typeface="Times New Roman" panose="02020603050405020304" pitchFamily="18" charset="0"/>
-                      </a:endParaRPr>
-                    </a:p>
-                  </a:txBody>
-                  <a:tcPr marL="68580" marR="68580" marT="0" marB="0">
+                    </a:p>
+                  </a:txBody>
+                  <a:tcPr marL="6350" marR="6350" marT="6350" marB="0" anchor="b">
+                    <a:lnL>
+                      <a:noFill/>
+                    </a:lnL>
+                    <a:lnR>
+                      <a:noFill/>
+                    </a:lnR>
+                    <a:lnT>
+                      <a:noFill/>
+                    </a:lnT>
+                    <a:lnB>
+                      <a:noFill/>
+                    </a:lnB>
+                  </a:tcPr>
+                </a:tc>
+                <a:tc>
+                  <a:txBody>
+                    <a:bodyPr/>
+                    <a:lstStyle/>
+                    <a:p>
+                      <a:pPr algn="ctr" fontAlgn="b"/>
+                      <a:r>
+                        <a:rPr lang="en-US" sz="1100" b="0" i="0" u="none" strike="noStrike">
+                          <a:solidFill>
+                            <a:srgbClr val="000000"/>
+                          </a:solidFill>
+                          <a:effectLst/>
+                          <a:latin typeface="Times New Roman Uni" panose="02020603050405020304" pitchFamily="18" charset="-128"/>
+                          <a:ea typeface="Times New Roman Uni" panose="02020603050405020304" pitchFamily="18" charset="-128"/>
+                          <a:cs typeface="Times New Roman Uni" panose="02020603050405020304" pitchFamily="18" charset="-128"/>
+                        </a:rPr>
+                        <a:t>28.35</a:t>
+                      </a:r>
+                    </a:p>
+                  </a:txBody>
+                  <a:tcPr marL="6350" marR="6350" marT="6350" marB="0" anchor="b">
                     <a:lnL>
                       <a:noFill/>
                     </a:lnL>
@@ -8275,323 +7763,232 @@
                     <a:bodyPr/>
                     <a:lstStyle/>
                     <a:p>
-                      <a:pPr marL="0" marR="0" algn="ctr">
-                        <a:spcBef>
-                          <a:spcPts val="0"/>
-                        </a:spcBef>
-                        <a:spcAft>
-                          <a:spcPts val="0"/>
-                        </a:spcAft>
-                      </a:pPr>
-                      <a:r>
-                        <a:rPr lang="en-US" sz="1000">
-                          <a:solidFill>
-                            <a:srgbClr val="000000"/>
-                          </a:solidFill>
-                          <a:effectLst/>
-                          <a:latin typeface="Times New Roman" panose="02020603050405020304" pitchFamily="18" charset="0"/>
-                          <a:ea typeface="Times New Roman" panose="02020603050405020304" pitchFamily="18" charset="0"/>
-                          <a:cs typeface="Times New Roman" panose="02020603050405020304" pitchFamily="18" charset="0"/>
+                      <a:pPr algn="ctr" fontAlgn="b"/>
+                      <a:r>
+                        <a:rPr lang="en-US" sz="1100" b="0" i="0" u="none" strike="noStrike">
+                          <a:solidFill>
+                            <a:srgbClr val="000000"/>
+                          </a:solidFill>
+                          <a:effectLst/>
+                          <a:latin typeface="Times New Roman Uni" panose="02020603050405020304" pitchFamily="18" charset="-128"/>
+                          <a:ea typeface="Times New Roman Uni" panose="02020603050405020304" pitchFamily="18" charset="-128"/>
+                          <a:cs typeface="Times New Roman Uni" panose="02020603050405020304" pitchFamily="18" charset="-128"/>
                         </a:rPr>
                         <a:t>7</a:t>
                       </a:r>
-                      <a:endParaRPr lang="en-US" sz="1100">
-                        <a:effectLst/>
-                        <a:latin typeface="Times New Roman" panose="02020603050405020304" pitchFamily="18" charset="0"/>
-                        <a:ea typeface="Calibri" panose="020F0502020204030204" pitchFamily="34" charset="0"/>
-                        <a:cs typeface="Times New Roman" panose="02020603050405020304" pitchFamily="18" charset="0"/>
-                      </a:endParaRPr>
-                    </a:p>
-                  </a:txBody>
-                  <a:tcPr marL="68580" marR="68580" marT="0" marB="0">
-                    <a:lnL>
-                      <a:noFill/>
-                    </a:lnL>
-                    <a:lnR>
-                      <a:noFill/>
-                    </a:lnR>
-                    <a:lnT>
-                      <a:noFill/>
-                    </a:lnT>
-                    <a:lnB>
-                      <a:noFill/>
-                    </a:lnB>
-                  </a:tcPr>
-                </a:tc>
-                <a:tc>
-                  <a:txBody>
-                    <a:bodyPr/>
-                    <a:lstStyle/>
-                    <a:p>
-                      <a:pPr marL="0" marR="0" algn="ctr">
-                        <a:spcBef>
-                          <a:spcPts val="0"/>
-                        </a:spcBef>
-                        <a:spcAft>
-                          <a:spcPts val="0"/>
-                        </a:spcAft>
-                      </a:pPr>
-                      <a:r>
-                        <a:rPr lang="en-US" sz="1000">
-                          <a:solidFill>
-                            <a:srgbClr val="000000"/>
-                          </a:solidFill>
-                          <a:effectLst/>
-                          <a:latin typeface="Times New Roman" panose="02020603050405020304" pitchFamily="18" charset="0"/>
-                          <a:ea typeface="Times New Roman" panose="02020603050405020304" pitchFamily="18" charset="0"/>
-                          <a:cs typeface="Times New Roman" panose="02020603050405020304" pitchFamily="18" charset="0"/>
+                    </a:p>
+                  </a:txBody>
+                  <a:tcPr marL="6350" marR="6350" marT="6350" marB="0" anchor="b">
+                    <a:lnL>
+                      <a:noFill/>
+                    </a:lnL>
+                    <a:lnR>
+                      <a:noFill/>
+                    </a:lnR>
+                    <a:lnT>
+                      <a:noFill/>
+                    </a:lnT>
+                    <a:lnB>
+                      <a:noFill/>
+                    </a:lnB>
+                  </a:tcPr>
+                </a:tc>
+                <a:tc>
+                  <a:txBody>
+                    <a:bodyPr/>
+                    <a:lstStyle/>
+                    <a:p>
+                      <a:pPr algn="ctr" fontAlgn="b"/>
+                      <a:r>
+                        <a:rPr lang="en-US" sz="1100" b="0" i="0" u="none" strike="noStrike">
+                          <a:solidFill>
+                            <a:srgbClr val="000000"/>
+                          </a:solidFill>
+                          <a:effectLst/>
+                          <a:latin typeface="Times New Roman Uni" panose="02020603050405020304" pitchFamily="18" charset="-128"/>
+                          <a:ea typeface="Times New Roman Uni" panose="02020603050405020304" pitchFamily="18" charset="-128"/>
+                          <a:cs typeface="Times New Roman Uni" panose="02020603050405020304" pitchFamily="18" charset="-128"/>
                         </a:rPr>
                         <a:t>7</a:t>
                       </a:r>
-                      <a:endParaRPr lang="en-US" sz="1100">
-                        <a:effectLst/>
-                        <a:latin typeface="Times New Roman" panose="02020603050405020304" pitchFamily="18" charset="0"/>
-                        <a:ea typeface="Calibri" panose="020F0502020204030204" pitchFamily="34" charset="0"/>
-                        <a:cs typeface="Times New Roman" panose="02020603050405020304" pitchFamily="18" charset="0"/>
-                      </a:endParaRPr>
-                    </a:p>
-                  </a:txBody>
-                  <a:tcPr marL="68580" marR="68580" marT="0" marB="0">
-                    <a:lnL>
-                      <a:noFill/>
-                    </a:lnL>
-                    <a:lnR>
-                      <a:noFill/>
-                    </a:lnR>
-                    <a:lnT>
-                      <a:noFill/>
-                    </a:lnT>
-                    <a:lnB>
-                      <a:noFill/>
-                    </a:lnB>
-                  </a:tcPr>
-                </a:tc>
-                <a:tc>
-                  <a:txBody>
-                    <a:bodyPr/>
-                    <a:lstStyle/>
-                    <a:p>
-                      <a:pPr marL="0" marR="0" algn="ctr">
-                        <a:spcBef>
-                          <a:spcPts val="0"/>
-                        </a:spcBef>
-                        <a:spcAft>
-                          <a:spcPts val="0"/>
-                        </a:spcAft>
-                      </a:pPr>
-                      <a:r>
-                        <a:rPr lang="en-US" sz="1000">
-                          <a:solidFill>
-                            <a:srgbClr val="000000"/>
-                          </a:solidFill>
-                          <a:effectLst/>
-                          <a:latin typeface="Times New Roman" panose="02020603050405020304" pitchFamily="18" charset="0"/>
-                          <a:ea typeface="Times New Roman" panose="02020603050405020304" pitchFamily="18" charset="0"/>
-                          <a:cs typeface="Times New Roman" panose="02020603050405020304" pitchFamily="18" charset="0"/>
+                    </a:p>
+                  </a:txBody>
+                  <a:tcPr marL="6350" marR="6350" marT="6350" marB="0" anchor="b">
+                    <a:lnL>
+                      <a:noFill/>
+                    </a:lnL>
+                    <a:lnR>
+                      <a:noFill/>
+                    </a:lnR>
+                    <a:lnT>
+                      <a:noFill/>
+                    </a:lnT>
+                    <a:lnB>
+                      <a:noFill/>
+                    </a:lnB>
+                  </a:tcPr>
+                </a:tc>
+                <a:tc>
+                  <a:txBody>
+                    <a:bodyPr/>
+                    <a:lstStyle/>
+                    <a:p>
+                      <a:pPr algn="ctr" fontAlgn="b"/>
+                      <a:r>
+                        <a:rPr lang="en-US" sz="1100" b="0" i="0" u="none" strike="noStrike">
+                          <a:solidFill>
+                            <a:srgbClr val="000000"/>
+                          </a:solidFill>
+                          <a:effectLst/>
+                          <a:latin typeface="Times New Roman Uni" panose="02020603050405020304" pitchFamily="18" charset="-128"/>
+                          <a:ea typeface="Times New Roman Uni" panose="02020603050405020304" pitchFamily="18" charset="-128"/>
+                          <a:cs typeface="Times New Roman Uni" panose="02020603050405020304" pitchFamily="18" charset="-128"/>
                         </a:rPr>
                         <a:t>105</a:t>
                       </a:r>
-                      <a:endParaRPr lang="en-US" sz="1100">
-                        <a:effectLst/>
-                        <a:latin typeface="Times New Roman" panose="02020603050405020304" pitchFamily="18" charset="0"/>
-                        <a:ea typeface="Calibri" panose="020F0502020204030204" pitchFamily="34" charset="0"/>
-                        <a:cs typeface="Times New Roman" panose="02020603050405020304" pitchFamily="18" charset="0"/>
-                      </a:endParaRPr>
-                    </a:p>
-                  </a:txBody>
-                  <a:tcPr marL="68580" marR="68580" marT="0" marB="0">
-                    <a:lnL>
-                      <a:noFill/>
-                    </a:lnL>
-                    <a:lnR>
-                      <a:noFill/>
-                    </a:lnR>
-                    <a:lnT>
-                      <a:noFill/>
-                    </a:lnT>
-                    <a:lnB>
-                      <a:noFill/>
-                    </a:lnB>
-                  </a:tcPr>
-                </a:tc>
-                <a:tc>
-                  <a:txBody>
-                    <a:bodyPr/>
-                    <a:lstStyle/>
-                    <a:p>
-                      <a:pPr marL="0" marR="0" algn="ctr">
-                        <a:spcBef>
-                          <a:spcPts val="0"/>
-                        </a:spcBef>
-                        <a:spcAft>
-                          <a:spcPts val="0"/>
-                        </a:spcAft>
-                      </a:pPr>
-                      <a:r>
-                        <a:rPr lang="en-US" sz="1000">
-                          <a:solidFill>
-                            <a:srgbClr val="000000"/>
-                          </a:solidFill>
-                          <a:effectLst/>
-                          <a:latin typeface="Times New Roman" panose="02020603050405020304" pitchFamily="18" charset="0"/>
-                          <a:ea typeface="Times New Roman" panose="02020603050405020304" pitchFamily="18" charset="0"/>
-                          <a:cs typeface="Times New Roman" panose="02020603050405020304" pitchFamily="18" charset="0"/>
+                    </a:p>
+                  </a:txBody>
+                  <a:tcPr marL="6350" marR="6350" marT="6350" marB="0" anchor="b">
+                    <a:lnL>
+                      <a:noFill/>
+                    </a:lnL>
+                    <a:lnR>
+                      <a:noFill/>
+                    </a:lnR>
+                    <a:lnT>
+                      <a:noFill/>
+                    </a:lnT>
+                    <a:lnB>
+                      <a:noFill/>
+                    </a:lnB>
+                  </a:tcPr>
+                </a:tc>
+                <a:tc>
+                  <a:txBody>
+                    <a:bodyPr/>
+                    <a:lstStyle/>
+                    <a:p>
+                      <a:pPr algn="ctr" fontAlgn="b"/>
+                      <a:r>
+                        <a:rPr lang="en-US" sz="1100" b="0" i="0" u="none" strike="noStrike">
+                          <a:solidFill>
+                            <a:srgbClr val="000000"/>
+                          </a:solidFill>
+                          <a:effectLst/>
+                          <a:latin typeface="Times New Roman Uni" panose="02020603050405020304" pitchFamily="18" charset="-128"/>
+                          <a:ea typeface="Times New Roman Uni" panose="02020603050405020304" pitchFamily="18" charset="-128"/>
+                          <a:cs typeface="Times New Roman Uni" panose="02020603050405020304" pitchFamily="18" charset="-128"/>
                         </a:rPr>
                         <a:t>6.67</a:t>
                       </a:r>
-                      <a:endParaRPr lang="en-US" sz="1100">
-                        <a:effectLst/>
-                        <a:latin typeface="Times New Roman" panose="02020603050405020304" pitchFamily="18" charset="0"/>
-                        <a:ea typeface="Calibri" panose="020F0502020204030204" pitchFamily="34" charset="0"/>
-                        <a:cs typeface="Times New Roman" panose="02020603050405020304" pitchFamily="18" charset="0"/>
-                      </a:endParaRPr>
-                    </a:p>
-                  </a:txBody>
-                  <a:tcPr marL="68580" marR="68580" marT="0" marB="0">
-                    <a:lnL>
-                      <a:noFill/>
-                    </a:lnL>
-                    <a:lnR>
-                      <a:noFill/>
-                    </a:lnR>
-                    <a:lnT>
-                      <a:noFill/>
-                    </a:lnT>
-                    <a:lnB>
-                      <a:noFill/>
-                    </a:lnB>
-                  </a:tcPr>
-                </a:tc>
-                <a:tc>
-                  <a:txBody>
-                    <a:bodyPr/>
-                    <a:lstStyle/>
-                    <a:p>
-                      <a:pPr marL="0" marR="0" algn="ctr">
-                        <a:spcBef>
-                          <a:spcPts val="0"/>
-                        </a:spcBef>
-                        <a:spcAft>
-                          <a:spcPts val="0"/>
-                        </a:spcAft>
-                      </a:pPr>
-                      <a:r>
-                        <a:rPr lang="en-US" sz="1000">
-                          <a:solidFill>
-                            <a:srgbClr val="000000"/>
-                          </a:solidFill>
-                          <a:effectLst/>
-                          <a:latin typeface="Times New Roman" panose="02020603050405020304" pitchFamily="18" charset="0"/>
-                          <a:ea typeface="Times New Roman" panose="02020603050405020304" pitchFamily="18" charset="0"/>
-                          <a:cs typeface="Times New Roman" panose="02020603050405020304" pitchFamily="18" charset="0"/>
+                    </a:p>
+                  </a:txBody>
+                  <a:tcPr marL="6350" marR="6350" marT="6350" marB="0" anchor="b">
+                    <a:lnL>
+                      <a:noFill/>
+                    </a:lnL>
+                    <a:lnR>
+                      <a:noFill/>
+                    </a:lnR>
+                    <a:lnT>
+                      <a:noFill/>
+                    </a:lnT>
+                    <a:lnB>
+                      <a:noFill/>
+                    </a:lnB>
+                  </a:tcPr>
+                </a:tc>
+                <a:tc>
+                  <a:txBody>
+                    <a:bodyPr/>
+                    <a:lstStyle/>
+                    <a:p>
+                      <a:pPr algn="ctr" fontAlgn="b"/>
+                      <a:r>
+                        <a:rPr lang="en-US" sz="1100" b="0" i="0" u="none" strike="noStrike">
+                          <a:solidFill>
+                            <a:srgbClr val="000000"/>
+                          </a:solidFill>
+                          <a:effectLst/>
+                          <a:latin typeface="Times New Roman Uni" panose="02020603050405020304" pitchFamily="18" charset="-128"/>
+                          <a:ea typeface="Times New Roman Uni" panose="02020603050405020304" pitchFamily="18" charset="-128"/>
+                          <a:cs typeface="Times New Roman Uni" panose="02020603050405020304" pitchFamily="18" charset="-128"/>
                         </a:rPr>
                         <a:t>83.81</a:t>
                       </a:r>
-                      <a:endParaRPr lang="en-US" sz="1100">
-                        <a:effectLst/>
-                        <a:latin typeface="Times New Roman" panose="02020603050405020304" pitchFamily="18" charset="0"/>
-                        <a:ea typeface="Calibri" panose="020F0502020204030204" pitchFamily="34" charset="0"/>
-                        <a:cs typeface="Times New Roman" panose="02020603050405020304" pitchFamily="18" charset="0"/>
-                      </a:endParaRPr>
-                    </a:p>
-                  </a:txBody>
-                  <a:tcPr marL="68580" marR="68580" marT="0" marB="0">
-                    <a:lnL>
-                      <a:noFill/>
-                    </a:lnL>
-                    <a:lnR>
-                      <a:noFill/>
-                    </a:lnR>
-                    <a:lnT>
-                      <a:noFill/>
-                    </a:lnT>
-                    <a:lnB>
-                      <a:noFill/>
-                    </a:lnB>
-                  </a:tcPr>
-                </a:tc>
-                <a:tc>
-                  <a:txBody>
-                    <a:bodyPr/>
-                    <a:lstStyle/>
-                    <a:p>
-                      <a:pPr marL="0" marR="0" algn="ctr">
-                        <a:spcBef>
-                          <a:spcPts val="0"/>
-                        </a:spcBef>
-                        <a:spcAft>
-                          <a:spcPts val="0"/>
-                        </a:spcAft>
-                      </a:pPr>
-                      <a:r>
-                        <a:rPr lang="en-US" sz="1000">
-                          <a:solidFill>
-                            <a:srgbClr val="000000"/>
-                          </a:solidFill>
-                          <a:effectLst/>
-                          <a:latin typeface="Times New Roman" panose="02020603050405020304" pitchFamily="18" charset="0"/>
-                          <a:ea typeface="Times New Roman" panose="02020603050405020304" pitchFamily="18" charset="0"/>
-                          <a:cs typeface="Times New Roman" panose="02020603050405020304" pitchFamily="18" charset="0"/>
+                    </a:p>
+                  </a:txBody>
+                  <a:tcPr marL="6350" marR="6350" marT="6350" marB="0" anchor="b">
+                    <a:lnL>
+                      <a:noFill/>
+                    </a:lnL>
+                    <a:lnR>
+                      <a:noFill/>
+                    </a:lnR>
+                    <a:lnT>
+                      <a:noFill/>
+                    </a:lnT>
+                    <a:lnB>
+                      <a:noFill/>
+                    </a:lnB>
+                  </a:tcPr>
+                </a:tc>
+                <a:tc>
+                  <a:txBody>
+                    <a:bodyPr/>
+                    <a:lstStyle/>
+                    <a:p>
+                      <a:pPr algn="ctr" fontAlgn="b"/>
+                      <a:r>
+                        <a:rPr lang="en-US" sz="1100" b="0" i="0" u="none" strike="noStrike">
+                          <a:solidFill>
+                            <a:srgbClr val="000000"/>
+                          </a:solidFill>
+                          <a:effectLst/>
+                          <a:latin typeface="Times New Roman Uni" panose="02020603050405020304" pitchFamily="18" charset="-128"/>
+                          <a:ea typeface="Times New Roman Uni" panose="02020603050405020304" pitchFamily="18" charset="-128"/>
+                          <a:cs typeface="Times New Roman Uni" panose="02020603050405020304" pitchFamily="18" charset="-128"/>
                         </a:rPr>
                         <a:t>70.48</a:t>
                       </a:r>
-                      <a:endParaRPr lang="en-US" sz="1100">
-                        <a:effectLst/>
-                        <a:latin typeface="Times New Roman" panose="02020603050405020304" pitchFamily="18" charset="0"/>
-                        <a:ea typeface="Calibri" panose="020F0502020204030204" pitchFamily="34" charset="0"/>
-                        <a:cs typeface="Times New Roman" panose="02020603050405020304" pitchFamily="18" charset="0"/>
-                      </a:endParaRPr>
-                    </a:p>
-                  </a:txBody>
-                  <a:tcPr marL="68580" marR="68580" marT="0" marB="0">
-                    <a:lnL>
-                      <a:noFill/>
-                    </a:lnL>
-                    <a:lnR>
-                      <a:noFill/>
-                    </a:lnR>
-                    <a:lnT>
-                      <a:noFill/>
-                    </a:lnT>
-                    <a:lnB>
-                      <a:noFill/>
-                    </a:lnB>
-                  </a:tcPr>
-                </a:tc>
-                <a:tc>
-                  <a:txBody>
-                    <a:bodyPr/>
-                    <a:lstStyle/>
-                    <a:p>
-                      <a:pPr marL="0" marR="0" algn="ctr">
-                        <a:spcBef>
-                          <a:spcPts val="0"/>
-                        </a:spcBef>
-                        <a:spcAft>
-                          <a:spcPts val="0"/>
-                        </a:spcAft>
-                      </a:pPr>
-                      <a:r>
-                        <a:rPr lang="en-US" sz="1000">
-                          <a:solidFill>
-                            <a:srgbClr val="000000"/>
-                          </a:solidFill>
-                          <a:effectLst/>
-                          <a:latin typeface="Times New Roman" panose="02020603050405020304" pitchFamily="18" charset="0"/>
-                          <a:ea typeface="Times New Roman" panose="02020603050405020304" pitchFamily="18" charset="0"/>
-                          <a:cs typeface="Times New Roman" panose="02020603050405020304" pitchFamily="18" charset="0"/>
-                        </a:rPr>
-                        <a:t>28.51</a:t>
-                      </a:r>
-                      <a:endParaRPr lang="en-US" sz="1100">
-                        <a:effectLst/>
-                        <a:latin typeface="Times New Roman" panose="02020603050405020304" pitchFamily="18" charset="0"/>
-                        <a:ea typeface="Calibri" panose="020F0502020204030204" pitchFamily="34" charset="0"/>
-                        <a:cs typeface="Times New Roman" panose="02020603050405020304" pitchFamily="18" charset="0"/>
-                      </a:endParaRPr>
-                    </a:p>
-                  </a:txBody>
-                  <a:tcPr marL="68580" marR="68580" marT="0" marB="0">
+                    </a:p>
+                  </a:txBody>
+                  <a:tcPr marL="6350" marR="6350" marT="6350" marB="0" anchor="b">
+                    <a:lnL>
+                      <a:noFill/>
+                    </a:lnL>
+                    <a:lnR>
+                      <a:noFill/>
+                    </a:lnR>
+                    <a:lnT>
+                      <a:noFill/>
+                    </a:lnT>
+                    <a:lnB>
+                      <a:noFill/>
+                    </a:lnB>
+                  </a:tcPr>
+                </a:tc>
+                <a:tc>
+                  <a:txBody>
+                    <a:bodyPr/>
+                    <a:lstStyle/>
+                    <a:p>
+                      <a:pPr algn="ctr" fontAlgn="b"/>
+                      <a:r>
+                        <a:rPr lang="en-US" sz="1100" b="0" i="0" u="none" strike="noStrike">
+                          <a:solidFill>
+                            <a:srgbClr val="000000"/>
+                          </a:solidFill>
+                          <a:effectLst/>
+                          <a:latin typeface="Times New Roman Uni" panose="02020603050405020304" pitchFamily="18" charset="-128"/>
+                          <a:ea typeface="Times New Roman Uni" panose="02020603050405020304" pitchFamily="18" charset="-128"/>
+                          <a:cs typeface="Times New Roman Uni" panose="02020603050405020304" pitchFamily="18" charset="-128"/>
+                        </a:rPr>
+                        <a:t>26.02</a:t>
+                      </a:r>
+                    </a:p>
+                  </a:txBody>
+                  <a:tcPr marL="6350" marR="6350" marT="6350" marB="0" anchor="b">
                     <a:lnL>
                       <a:noFill/>
                     </a:lnL>
@@ -8618,323 +8015,232 @@
                     <a:bodyPr/>
                     <a:lstStyle/>
                     <a:p>
-                      <a:pPr marL="0" marR="0" algn="ctr">
-                        <a:spcBef>
-                          <a:spcPts val="0"/>
-                        </a:spcBef>
-                        <a:spcAft>
-                          <a:spcPts val="0"/>
-                        </a:spcAft>
-                      </a:pPr>
-                      <a:r>
-                        <a:rPr lang="en-US" sz="1000">
-                          <a:solidFill>
-                            <a:srgbClr val="000000"/>
-                          </a:solidFill>
-                          <a:effectLst/>
-                          <a:latin typeface="Times New Roman" panose="02020603050405020304" pitchFamily="18" charset="0"/>
-                          <a:ea typeface="Times New Roman" panose="02020603050405020304" pitchFamily="18" charset="0"/>
-                          <a:cs typeface="Times New Roman" panose="02020603050405020304" pitchFamily="18" charset="0"/>
+                      <a:pPr algn="ctr" fontAlgn="b"/>
+                      <a:r>
+                        <a:rPr lang="en-US" sz="1100" b="0" i="0" u="none" strike="noStrike">
+                          <a:solidFill>
+                            <a:srgbClr val="000000"/>
+                          </a:solidFill>
+                          <a:effectLst/>
+                          <a:latin typeface="Times New Roman Uni" panose="02020603050405020304" pitchFamily="18" charset="-128"/>
+                          <a:ea typeface="Times New Roman Uni" panose="02020603050405020304" pitchFamily="18" charset="-128"/>
+                          <a:cs typeface="Times New Roman Uni" panose="02020603050405020304" pitchFamily="18" charset="-128"/>
                         </a:rPr>
                         <a:t>31</a:t>
                       </a:r>
-                      <a:endParaRPr lang="en-US" sz="1100">
-                        <a:effectLst/>
-                        <a:latin typeface="Times New Roman" panose="02020603050405020304" pitchFamily="18" charset="0"/>
-                        <a:ea typeface="Calibri" panose="020F0502020204030204" pitchFamily="34" charset="0"/>
-                        <a:cs typeface="Times New Roman" panose="02020603050405020304" pitchFamily="18" charset="0"/>
-                      </a:endParaRPr>
-                    </a:p>
-                  </a:txBody>
-                  <a:tcPr marL="68580" marR="68580" marT="0" marB="0">
-                    <a:lnL>
-                      <a:noFill/>
-                    </a:lnL>
-                    <a:lnR>
-                      <a:noFill/>
-                    </a:lnR>
-                    <a:lnT>
-                      <a:noFill/>
-                    </a:lnT>
-                    <a:lnB>
-                      <a:noFill/>
-                    </a:lnB>
-                  </a:tcPr>
-                </a:tc>
-                <a:tc>
-                  <a:txBody>
-                    <a:bodyPr/>
-                    <a:lstStyle/>
-                    <a:p>
-                      <a:pPr marL="0" marR="0" algn="ctr">
-                        <a:spcBef>
-                          <a:spcPts val="0"/>
-                        </a:spcBef>
-                        <a:spcAft>
-                          <a:spcPts val="0"/>
-                        </a:spcAft>
-                      </a:pPr>
-                      <a:r>
-                        <a:rPr lang="en-US" sz="1000">
-                          <a:solidFill>
-                            <a:srgbClr val="000000"/>
-                          </a:solidFill>
-                          <a:effectLst/>
-                          <a:latin typeface="Times New Roman" panose="02020603050405020304" pitchFamily="18" charset="0"/>
-                          <a:ea typeface="Times New Roman" panose="02020603050405020304" pitchFamily="18" charset="0"/>
-                          <a:cs typeface="Times New Roman" panose="02020603050405020304" pitchFamily="18" charset="0"/>
+                    </a:p>
+                  </a:txBody>
+                  <a:tcPr marL="6350" marR="6350" marT="6350" marB="0" anchor="b">
+                    <a:lnL>
+                      <a:noFill/>
+                    </a:lnL>
+                    <a:lnR>
+                      <a:noFill/>
+                    </a:lnR>
+                    <a:lnT>
+                      <a:noFill/>
+                    </a:lnT>
+                    <a:lnB>
+                      <a:noFill/>
+                    </a:lnB>
+                  </a:tcPr>
+                </a:tc>
+                <a:tc>
+                  <a:txBody>
+                    <a:bodyPr/>
+                    <a:lstStyle/>
+                    <a:p>
+                      <a:pPr algn="ctr" fontAlgn="b"/>
+                      <a:r>
+                        <a:rPr lang="en-US" sz="1100" b="0" i="0" u="none" strike="noStrike">
+                          <a:solidFill>
+                            <a:srgbClr val="000000"/>
+                          </a:solidFill>
+                          <a:effectLst/>
+                          <a:latin typeface="Times New Roman Uni" panose="02020603050405020304" pitchFamily="18" charset="-128"/>
+                          <a:ea typeface="Times New Roman Uni" panose="02020603050405020304" pitchFamily="18" charset="-128"/>
+                          <a:cs typeface="Times New Roman Uni" panose="02020603050405020304" pitchFamily="18" charset="-128"/>
                         </a:rPr>
                         <a:t>7</a:t>
                       </a:r>
-                      <a:endParaRPr lang="en-US" sz="1100">
-                        <a:effectLst/>
-                        <a:latin typeface="Times New Roman" panose="02020603050405020304" pitchFamily="18" charset="0"/>
-                        <a:ea typeface="Calibri" panose="020F0502020204030204" pitchFamily="34" charset="0"/>
-                        <a:cs typeface="Times New Roman" panose="02020603050405020304" pitchFamily="18" charset="0"/>
-                      </a:endParaRPr>
-                    </a:p>
-                  </a:txBody>
-                  <a:tcPr marL="68580" marR="68580" marT="0" marB="0">
-                    <a:lnL>
-                      <a:noFill/>
-                    </a:lnL>
-                    <a:lnR>
-                      <a:noFill/>
-                    </a:lnR>
-                    <a:lnT>
-                      <a:noFill/>
-                    </a:lnT>
-                    <a:lnB>
-                      <a:noFill/>
-                    </a:lnB>
-                  </a:tcPr>
-                </a:tc>
-                <a:tc>
-                  <a:txBody>
-                    <a:bodyPr/>
-                    <a:lstStyle/>
-                    <a:p>
-                      <a:pPr marL="0" marR="0" algn="ctr">
-                        <a:spcBef>
-                          <a:spcPts val="0"/>
-                        </a:spcBef>
-                        <a:spcAft>
-                          <a:spcPts val="0"/>
-                        </a:spcAft>
-                      </a:pPr>
-                      <a:r>
-                        <a:rPr lang="en-US" sz="1000">
-                          <a:solidFill>
-                            <a:srgbClr val="000000"/>
-                          </a:solidFill>
-                          <a:effectLst/>
-                          <a:latin typeface="Times New Roman" panose="02020603050405020304" pitchFamily="18" charset="0"/>
-                          <a:ea typeface="Times New Roman" panose="02020603050405020304" pitchFamily="18" charset="0"/>
-                          <a:cs typeface="Times New Roman" panose="02020603050405020304" pitchFamily="18" charset="0"/>
+                    </a:p>
+                  </a:txBody>
+                  <a:tcPr marL="6350" marR="6350" marT="6350" marB="0" anchor="b">
+                    <a:lnL>
+                      <a:noFill/>
+                    </a:lnL>
+                    <a:lnR>
+                      <a:noFill/>
+                    </a:lnR>
+                    <a:lnT>
+                      <a:noFill/>
+                    </a:lnT>
+                    <a:lnB>
+                      <a:noFill/>
+                    </a:lnB>
+                  </a:tcPr>
+                </a:tc>
+                <a:tc>
+                  <a:txBody>
+                    <a:bodyPr/>
+                    <a:lstStyle/>
+                    <a:p>
+                      <a:pPr algn="ctr" fontAlgn="b"/>
+                      <a:r>
+                        <a:rPr lang="en-US" sz="1100" b="0" i="0" u="none" strike="noStrike">
+                          <a:solidFill>
+                            <a:srgbClr val="000000"/>
+                          </a:solidFill>
+                          <a:effectLst/>
+                          <a:latin typeface="Times New Roman Uni" panose="02020603050405020304" pitchFamily="18" charset="-128"/>
+                          <a:ea typeface="Times New Roman Uni" panose="02020603050405020304" pitchFamily="18" charset="-128"/>
+                          <a:cs typeface="Times New Roman Uni" panose="02020603050405020304" pitchFamily="18" charset="-128"/>
                         </a:rPr>
                         <a:t>104</a:t>
                       </a:r>
-                      <a:endParaRPr lang="en-US" sz="1100">
-                        <a:effectLst/>
-                        <a:latin typeface="Times New Roman" panose="02020603050405020304" pitchFamily="18" charset="0"/>
-                        <a:ea typeface="Calibri" panose="020F0502020204030204" pitchFamily="34" charset="0"/>
-                        <a:cs typeface="Times New Roman" panose="02020603050405020304" pitchFamily="18" charset="0"/>
-                      </a:endParaRPr>
-                    </a:p>
-                  </a:txBody>
-                  <a:tcPr marL="68580" marR="68580" marT="0" marB="0">
-                    <a:lnL>
-                      <a:noFill/>
-                    </a:lnL>
-                    <a:lnR>
-                      <a:noFill/>
-                    </a:lnR>
-                    <a:lnT>
-                      <a:noFill/>
-                    </a:lnT>
-                    <a:lnB>
-                      <a:noFill/>
-                    </a:lnB>
-                  </a:tcPr>
-                </a:tc>
-                <a:tc>
-                  <a:txBody>
-                    <a:bodyPr/>
-                    <a:lstStyle/>
-                    <a:p>
-                      <a:pPr marL="0" marR="0" algn="ctr">
-                        <a:spcBef>
-                          <a:spcPts val="0"/>
-                        </a:spcBef>
-                        <a:spcAft>
-                          <a:spcPts val="0"/>
-                        </a:spcAft>
-                      </a:pPr>
-                      <a:r>
-                        <a:rPr lang="en-US" sz="1000">
-                          <a:solidFill>
-                            <a:srgbClr val="000000"/>
-                          </a:solidFill>
-                          <a:effectLst/>
-                          <a:latin typeface="Times New Roman" panose="02020603050405020304" pitchFamily="18" charset="0"/>
-                          <a:ea typeface="Times New Roman" panose="02020603050405020304" pitchFamily="18" charset="0"/>
-                          <a:cs typeface="Times New Roman" panose="02020603050405020304" pitchFamily="18" charset="0"/>
+                    </a:p>
+                  </a:txBody>
+                  <a:tcPr marL="6350" marR="6350" marT="6350" marB="0" anchor="b">
+                    <a:lnL>
+                      <a:noFill/>
+                    </a:lnL>
+                    <a:lnR>
+                      <a:noFill/>
+                    </a:lnR>
+                    <a:lnT>
+                      <a:noFill/>
+                    </a:lnT>
+                    <a:lnB>
+                      <a:noFill/>
+                    </a:lnB>
+                  </a:tcPr>
+                </a:tc>
+                <a:tc>
+                  <a:txBody>
+                    <a:bodyPr/>
+                    <a:lstStyle/>
+                    <a:p>
+                      <a:pPr algn="ctr" fontAlgn="b"/>
+                      <a:r>
+                        <a:rPr lang="en-US" sz="1100" b="0" i="0" u="none" strike="noStrike">
+                          <a:solidFill>
+                            <a:srgbClr val="000000"/>
+                          </a:solidFill>
+                          <a:effectLst/>
+                          <a:latin typeface="Times New Roman Uni" panose="02020603050405020304" pitchFamily="18" charset="-128"/>
+                          <a:ea typeface="Times New Roman Uni" panose="02020603050405020304" pitchFamily="18" charset="-128"/>
+                          <a:cs typeface="Times New Roman Uni" panose="02020603050405020304" pitchFamily="18" charset="-128"/>
                         </a:rPr>
                         <a:t>6.73</a:t>
                       </a:r>
-                      <a:endParaRPr lang="en-US" sz="1100">
-                        <a:effectLst/>
-                        <a:latin typeface="Times New Roman" panose="02020603050405020304" pitchFamily="18" charset="0"/>
-                        <a:ea typeface="Calibri" panose="020F0502020204030204" pitchFamily="34" charset="0"/>
-                        <a:cs typeface="Times New Roman" panose="02020603050405020304" pitchFamily="18" charset="0"/>
-                      </a:endParaRPr>
-                    </a:p>
-                  </a:txBody>
-                  <a:tcPr marL="68580" marR="68580" marT="0" marB="0">
-                    <a:lnL>
-                      <a:noFill/>
-                    </a:lnL>
-                    <a:lnR>
-                      <a:noFill/>
-                    </a:lnR>
-                    <a:lnT>
-                      <a:noFill/>
-                    </a:lnT>
-                    <a:lnB>
-                      <a:noFill/>
-                    </a:lnB>
-                  </a:tcPr>
-                </a:tc>
-                <a:tc>
-                  <a:txBody>
-                    <a:bodyPr/>
-                    <a:lstStyle/>
-                    <a:p>
-                      <a:pPr marL="0" marR="0" algn="ctr">
-                        <a:spcBef>
-                          <a:spcPts val="0"/>
-                        </a:spcBef>
-                        <a:spcAft>
-                          <a:spcPts val="0"/>
-                        </a:spcAft>
-                      </a:pPr>
-                      <a:r>
-                        <a:rPr lang="en-US" sz="1000">
-                          <a:solidFill>
-                            <a:srgbClr val="000000"/>
-                          </a:solidFill>
-                          <a:effectLst/>
-                          <a:latin typeface="Times New Roman" panose="02020603050405020304" pitchFamily="18" charset="0"/>
-                          <a:ea typeface="Times New Roman" panose="02020603050405020304" pitchFamily="18" charset="0"/>
-                          <a:cs typeface="Times New Roman" panose="02020603050405020304" pitchFamily="18" charset="0"/>
+                    </a:p>
+                  </a:txBody>
+                  <a:tcPr marL="6350" marR="6350" marT="6350" marB="0" anchor="b">
+                    <a:lnL>
+                      <a:noFill/>
+                    </a:lnL>
+                    <a:lnR>
+                      <a:noFill/>
+                    </a:lnR>
+                    <a:lnT>
+                      <a:noFill/>
+                    </a:lnT>
+                    <a:lnB>
+                      <a:noFill/>
+                    </a:lnB>
+                  </a:tcPr>
+                </a:tc>
+                <a:tc>
+                  <a:txBody>
+                    <a:bodyPr/>
+                    <a:lstStyle/>
+                    <a:p>
+                      <a:pPr algn="ctr" fontAlgn="b"/>
+                      <a:r>
+                        <a:rPr lang="en-US" sz="1100" b="0" i="0" u="none" strike="noStrike">
+                          <a:solidFill>
+                            <a:srgbClr val="000000"/>
+                          </a:solidFill>
+                          <a:effectLst/>
+                          <a:latin typeface="Times New Roman Uni" panose="02020603050405020304" pitchFamily="18" charset="-128"/>
+                          <a:ea typeface="Times New Roman Uni" panose="02020603050405020304" pitchFamily="18" charset="-128"/>
+                          <a:cs typeface="Times New Roman Uni" panose="02020603050405020304" pitchFamily="18" charset="-128"/>
                         </a:rPr>
                         <a:t>73.08</a:t>
                       </a:r>
-                      <a:endParaRPr lang="en-US" sz="1100">
-                        <a:effectLst/>
-                        <a:latin typeface="Times New Roman" panose="02020603050405020304" pitchFamily="18" charset="0"/>
-                        <a:ea typeface="Calibri" panose="020F0502020204030204" pitchFamily="34" charset="0"/>
-                        <a:cs typeface="Times New Roman" panose="02020603050405020304" pitchFamily="18" charset="0"/>
-                      </a:endParaRPr>
-                    </a:p>
-                  </a:txBody>
-                  <a:tcPr marL="68580" marR="68580" marT="0" marB="0">
-                    <a:lnL>
-                      <a:noFill/>
-                    </a:lnL>
-                    <a:lnR>
-                      <a:noFill/>
-                    </a:lnR>
-                    <a:lnT>
-                      <a:noFill/>
-                    </a:lnT>
-                    <a:lnB>
-                      <a:noFill/>
-                    </a:lnB>
-                  </a:tcPr>
-                </a:tc>
-                <a:tc>
-                  <a:txBody>
-                    <a:bodyPr/>
-                    <a:lstStyle/>
-                    <a:p>
-                      <a:pPr marL="0" marR="0" algn="ctr">
-                        <a:spcBef>
-                          <a:spcPts val="0"/>
-                        </a:spcBef>
-                        <a:spcAft>
-                          <a:spcPts val="0"/>
-                        </a:spcAft>
-                      </a:pPr>
-                      <a:r>
-                        <a:rPr lang="en-US" sz="1000">
-                          <a:solidFill>
-                            <a:srgbClr val="000000"/>
-                          </a:solidFill>
-                          <a:effectLst/>
-                          <a:latin typeface="Times New Roman" panose="02020603050405020304" pitchFamily="18" charset="0"/>
-                          <a:ea typeface="Times New Roman" panose="02020603050405020304" pitchFamily="18" charset="0"/>
-                          <a:cs typeface="Times New Roman" panose="02020603050405020304" pitchFamily="18" charset="0"/>
+                    </a:p>
+                  </a:txBody>
+                  <a:tcPr marL="6350" marR="6350" marT="6350" marB="0" anchor="b">
+                    <a:lnL>
+                      <a:noFill/>
+                    </a:lnL>
+                    <a:lnR>
+                      <a:noFill/>
+                    </a:lnR>
+                    <a:lnT>
+                      <a:noFill/>
+                    </a:lnT>
+                    <a:lnB>
+                      <a:noFill/>
+                    </a:lnB>
+                  </a:tcPr>
+                </a:tc>
+                <a:tc>
+                  <a:txBody>
+                    <a:bodyPr/>
+                    <a:lstStyle/>
+                    <a:p>
+                      <a:pPr algn="ctr" fontAlgn="b"/>
+                      <a:r>
+                        <a:rPr lang="en-US" sz="1100" b="0" i="0" u="none" strike="noStrike">
+                          <a:solidFill>
+                            <a:srgbClr val="000000"/>
+                          </a:solidFill>
+                          <a:effectLst/>
+                          <a:latin typeface="Times New Roman Uni" panose="02020603050405020304" pitchFamily="18" charset="-128"/>
+                          <a:ea typeface="Times New Roman Uni" panose="02020603050405020304" pitchFamily="18" charset="-128"/>
+                          <a:cs typeface="Times New Roman Uni" panose="02020603050405020304" pitchFamily="18" charset="-128"/>
                         </a:rPr>
                         <a:t>67.31</a:t>
                       </a:r>
-                      <a:endParaRPr lang="en-US" sz="1100">
-                        <a:effectLst/>
-                        <a:latin typeface="Times New Roman" panose="02020603050405020304" pitchFamily="18" charset="0"/>
-                        <a:ea typeface="Calibri" panose="020F0502020204030204" pitchFamily="34" charset="0"/>
-                        <a:cs typeface="Times New Roman" panose="02020603050405020304" pitchFamily="18" charset="0"/>
-                      </a:endParaRPr>
-                    </a:p>
-                  </a:txBody>
-                  <a:tcPr marL="68580" marR="68580" marT="0" marB="0">
-                    <a:lnL>
-                      <a:noFill/>
-                    </a:lnL>
-                    <a:lnR>
-                      <a:noFill/>
-                    </a:lnR>
-                    <a:lnT>
-                      <a:noFill/>
-                    </a:lnT>
-                    <a:lnB>
-                      <a:noFill/>
-                    </a:lnB>
-                  </a:tcPr>
-                </a:tc>
-                <a:tc>
-                  <a:txBody>
-                    <a:bodyPr/>
-                    <a:lstStyle/>
-                    <a:p>
-                      <a:pPr marL="0" marR="0" algn="ctr">
-                        <a:spcBef>
-                          <a:spcPts val="0"/>
-                        </a:spcBef>
-                        <a:spcAft>
-                          <a:spcPts val="0"/>
-                        </a:spcAft>
-                      </a:pPr>
-                      <a:r>
-                        <a:rPr lang="en-US" sz="1000">
-                          <a:solidFill>
-                            <a:srgbClr val="000000"/>
-                          </a:solidFill>
-                          <a:effectLst/>
-                          <a:latin typeface="Times New Roman" panose="02020603050405020304" pitchFamily="18" charset="0"/>
-                          <a:ea typeface="Times New Roman" panose="02020603050405020304" pitchFamily="18" charset="0"/>
-                          <a:cs typeface="Times New Roman" panose="02020603050405020304" pitchFamily="18" charset="0"/>
+                    </a:p>
+                  </a:txBody>
+                  <a:tcPr marL="6350" marR="6350" marT="6350" marB="0" anchor="b">
+                    <a:lnL>
+                      <a:noFill/>
+                    </a:lnL>
+                    <a:lnR>
+                      <a:noFill/>
+                    </a:lnR>
+                    <a:lnT>
+                      <a:noFill/>
+                    </a:lnT>
+                    <a:lnB>
+                      <a:noFill/>
+                    </a:lnB>
+                  </a:tcPr>
+                </a:tc>
+                <a:tc>
+                  <a:txBody>
+                    <a:bodyPr/>
+                    <a:lstStyle/>
+                    <a:p>
+                      <a:pPr algn="ctr" fontAlgn="b"/>
+                      <a:r>
+                        <a:rPr lang="en-US" sz="1100" b="0" i="0" u="none" strike="noStrike">
+                          <a:solidFill>
+                            <a:srgbClr val="000000"/>
+                          </a:solidFill>
+                          <a:effectLst/>
+                          <a:latin typeface="Times New Roman Uni" panose="02020603050405020304" pitchFamily="18" charset="-128"/>
+                          <a:ea typeface="Times New Roman Uni" panose="02020603050405020304" pitchFamily="18" charset="-128"/>
+                          <a:cs typeface="Times New Roman Uni" panose="02020603050405020304" pitchFamily="18" charset="-128"/>
                         </a:rPr>
                         <a:t>28.98</a:t>
                       </a:r>
-                      <a:endParaRPr lang="en-US" sz="1100">
-                        <a:effectLst/>
-                        <a:latin typeface="Times New Roman" panose="02020603050405020304" pitchFamily="18" charset="0"/>
-                        <a:ea typeface="Calibri" panose="020F0502020204030204" pitchFamily="34" charset="0"/>
-                        <a:cs typeface="Times New Roman" panose="02020603050405020304" pitchFamily="18" charset="0"/>
-                      </a:endParaRPr>
-                    </a:p>
-                  </a:txBody>
-                  <a:tcPr marL="68580" marR="68580" marT="0" marB="0">
+                    </a:p>
+                  </a:txBody>
+                  <a:tcPr marL="6350" marR="6350" marT="6350" marB="0" anchor="b">
                     <a:lnL>
                       <a:noFill/>
                     </a:lnL>
@@ -8961,323 +8267,232 @@
                     <a:bodyPr/>
                     <a:lstStyle/>
                     <a:p>
-                      <a:pPr marL="0" marR="0" algn="ctr">
-                        <a:spcBef>
-                          <a:spcPts val="0"/>
-                        </a:spcBef>
-                        <a:spcAft>
-                          <a:spcPts val="0"/>
-                        </a:spcAft>
-                      </a:pPr>
-                      <a:r>
-                        <a:rPr lang="en-US" sz="1000">
-                          <a:solidFill>
-                            <a:srgbClr val="000000"/>
-                          </a:solidFill>
-                          <a:effectLst/>
-                          <a:latin typeface="Times New Roman" panose="02020603050405020304" pitchFamily="18" charset="0"/>
-                          <a:ea typeface="Times New Roman" panose="02020603050405020304" pitchFamily="18" charset="0"/>
-                          <a:cs typeface="Times New Roman" panose="02020603050405020304" pitchFamily="18" charset="0"/>
+                      <a:pPr algn="ctr" fontAlgn="b"/>
+                      <a:r>
+                        <a:rPr lang="en-US" sz="1100" b="0" i="0" u="none" strike="noStrike">
+                          <a:solidFill>
+                            <a:srgbClr val="000000"/>
+                          </a:solidFill>
+                          <a:effectLst/>
+                          <a:latin typeface="Times New Roman Uni" panose="02020603050405020304" pitchFamily="18" charset="-128"/>
+                          <a:ea typeface="Times New Roman Uni" panose="02020603050405020304" pitchFamily="18" charset="-128"/>
+                          <a:cs typeface="Times New Roman Uni" panose="02020603050405020304" pitchFamily="18" charset="-128"/>
                         </a:rPr>
                         <a:t>30</a:t>
                       </a:r>
-                      <a:endParaRPr lang="en-US" sz="1100">
-                        <a:effectLst/>
-                        <a:latin typeface="Times New Roman" panose="02020603050405020304" pitchFamily="18" charset="0"/>
-                        <a:ea typeface="Calibri" panose="020F0502020204030204" pitchFamily="34" charset="0"/>
-                        <a:cs typeface="Times New Roman" panose="02020603050405020304" pitchFamily="18" charset="0"/>
-                      </a:endParaRPr>
-                    </a:p>
-                  </a:txBody>
-                  <a:tcPr marL="68580" marR="68580" marT="0" marB="0">
-                    <a:lnL>
-                      <a:noFill/>
-                    </a:lnL>
-                    <a:lnR>
-                      <a:noFill/>
-                    </a:lnR>
-                    <a:lnT>
-                      <a:noFill/>
-                    </a:lnT>
-                    <a:lnB>
-                      <a:noFill/>
-                    </a:lnB>
-                  </a:tcPr>
-                </a:tc>
-                <a:tc>
-                  <a:txBody>
-                    <a:bodyPr/>
-                    <a:lstStyle/>
-                    <a:p>
-                      <a:pPr marL="0" marR="0" algn="ctr">
-                        <a:spcBef>
-                          <a:spcPts val="0"/>
-                        </a:spcBef>
-                        <a:spcAft>
-                          <a:spcPts val="0"/>
-                        </a:spcAft>
-                      </a:pPr>
-                      <a:r>
-                        <a:rPr lang="en-US" sz="1000">
-                          <a:solidFill>
-                            <a:srgbClr val="000000"/>
-                          </a:solidFill>
-                          <a:effectLst/>
-                          <a:latin typeface="Times New Roman" panose="02020603050405020304" pitchFamily="18" charset="0"/>
-                          <a:ea typeface="Times New Roman" panose="02020603050405020304" pitchFamily="18" charset="0"/>
-                          <a:cs typeface="Times New Roman" panose="02020603050405020304" pitchFamily="18" charset="0"/>
+                    </a:p>
+                  </a:txBody>
+                  <a:tcPr marL="6350" marR="6350" marT="6350" marB="0" anchor="b">
+                    <a:lnL>
+                      <a:noFill/>
+                    </a:lnL>
+                    <a:lnR>
+                      <a:noFill/>
+                    </a:lnR>
+                    <a:lnT>
+                      <a:noFill/>
+                    </a:lnT>
+                    <a:lnB>
+                      <a:noFill/>
+                    </a:lnB>
+                  </a:tcPr>
+                </a:tc>
+                <a:tc>
+                  <a:txBody>
+                    <a:bodyPr/>
+                    <a:lstStyle/>
+                    <a:p>
+                      <a:pPr algn="ctr" fontAlgn="b"/>
+                      <a:r>
+                        <a:rPr lang="en-US" sz="1100" b="0" i="0" u="none" strike="noStrike">
+                          <a:solidFill>
+                            <a:srgbClr val="000000"/>
+                          </a:solidFill>
+                          <a:effectLst/>
+                          <a:latin typeface="Times New Roman Uni" panose="02020603050405020304" pitchFamily="18" charset="-128"/>
+                          <a:ea typeface="Times New Roman Uni" panose="02020603050405020304" pitchFamily="18" charset="-128"/>
+                          <a:cs typeface="Times New Roman Uni" panose="02020603050405020304" pitchFamily="18" charset="-128"/>
                         </a:rPr>
                         <a:t>10</a:t>
                       </a:r>
-                      <a:endParaRPr lang="en-US" sz="1100">
-                        <a:effectLst/>
-                        <a:latin typeface="Times New Roman" panose="02020603050405020304" pitchFamily="18" charset="0"/>
-                        <a:ea typeface="Calibri" panose="020F0502020204030204" pitchFamily="34" charset="0"/>
-                        <a:cs typeface="Times New Roman" panose="02020603050405020304" pitchFamily="18" charset="0"/>
-                      </a:endParaRPr>
-                    </a:p>
-                  </a:txBody>
-                  <a:tcPr marL="68580" marR="68580" marT="0" marB="0">
-                    <a:lnL>
-                      <a:noFill/>
-                    </a:lnL>
-                    <a:lnR>
-                      <a:noFill/>
-                    </a:lnR>
-                    <a:lnT>
-                      <a:noFill/>
-                    </a:lnT>
-                    <a:lnB>
-                      <a:noFill/>
-                    </a:lnB>
-                  </a:tcPr>
-                </a:tc>
-                <a:tc>
-                  <a:txBody>
-                    <a:bodyPr/>
-                    <a:lstStyle/>
-                    <a:p>
-                      <a:pPr marL="0" marR="0" algn="ctr">
-                        <a:spcBef>
-                          <a:spcPts val="0"/>
-                        </a:spcBef>
-                        <a:spcAft>
-                          <a:spcPts val="0"/>
-                        </a:spcAft>
-                      </a:pPr>
-                      <a:r>
-                        <a:rPr lang="en-US" sz="1000">
-                          <a:solidFill>
-                            <a:srgbClr val="000000"/>
-                          </a:solidFill>
-                          <a:effectLst/>
-                          <a:latin typeface="Times New Roman" panose="02020603050405020304" pitchFamily="18" charset="0"/>
-                          <a:ea typeface="Times New Roman" panose="02020603050405020304" pitchFamily="18" charset="0"/>
-                          <a:cs typeface="Times New Roman" panose="02020603050405020304" pitchFamily="18" charset="0"/>
+                    </a:p>
+                  </a:txBody>
+                  <a:tcPr marL="6350" marR="6350" marT="6350" marB="0" anchor="b">
+                    <a:lnL>
+                      <a:noFill/>
+                    </a:lnL>
+                    <a:lnR>
+                      <a:noFill/>
+                    </a:lnR>
+                    <a:lnT>
+                      <a:noFill/>
+                    </a:lnT>
+                    <a:lnB>
+                      <a:noFill/>
+                    </a:lnB>
+                  </a:tcPr>
+                </a:tc>
+                <a:tc>
+                  <a:txBody>
+                    <a:bodyPr/>
+                    <a:lstStyle/>
+                    <a:p>
+                      <a:pPr algn="ctr" fontAlgn="b"/>
+                      <a:r>
+                        <a:rPr lang="en-US" sz="1100" b="0" i="0" u="none" strike="noStrike">
+                          <a:solidFill>
+                            <a:srgbClr val="000000"/>
+                          </a:solidFill>
+                          <a:effectLst/>
+                          <a:latin typeface="Times New Roman Uni" panose="02020603050405020304" pitchFamily="18" charset="-128"/>
+                          <a:ea typeface="Times New Roman Uni" panose="02020603050405020304" pitchFamily="18" charset="-128"/>
+                          <a:cs typeface="Times New Roman Uni" panose="02020603050405020304" pitchFamily="18" charset="-128"/>
                         </a:rPr>
                         <a:t>117</a:t>
                       </a:r>
-                      <a:endParaRPr lang="en-US" sz="1100">
-                        <a:effectLst/>
-                        <a:latin typeface="Times New Roman" panose="02020603050405020304" pitchFamily="18" charset="0"/>
-                        <a:ea typeface="Calibri" panose="020F0502020204030204" pitchFamily="34" charset="0"/>
-                        <a:cs typeface="Times New Roman" panose="02020603050405020304" pitchFamily="18" charset="0"/>
-                      </a:endParaRPr>
-                    </a:p>
-                  </a:txBody>
-                  <a:tcPr marL="68580" marR="68580" marT="0" marB="0">
-                    <a:lnL>
-                      <a:noFill/>
-                    </a:lnL>
-                    <a:lnR>
-                      <a:noFill/>
-                    </a:lnR>
-                    <a:lnT>
-                      <a:noFill/>
-                    </a:lnT>
-                    <a:lnB>
-                      <a:noFill/>
-                    </a:lnB>
-                  </a:tcPr>
-                </a:tc>
-                <a:tc>
-                  <a:txBody>
-                    <a:bodyPr/>
-                    <a:lstStyle/>
-                    <a:p>
-                      <a:pPr marL="0" marR="0" algn="ctr">
-                        <a:spcBef>
-                          <a:spcPts val="0"/>
-                        </a:spcBef>
-                        <a:spcAft>
-                          <a:spcPts val="0"/>
-                        </a:spcAft>
-                      </a:pPr>
-                      <a:r>
-                        <a:rPr lang="en-US" sz="1000">
-                          <a:solidFill>
-                            <a:srgbClr val="000000"/>
-                          </a:solidFill>
-                          <a:effectLst/>
-                          <a:latin typeface="Times New Roman" panose="02020603050405020304" pitchFamily="18" charset="0"/>
-                          <a:ea typeface="Times New Roman" panose="02020603050405020304" pitchFamily="18" charset="0"/>
-                          <a:cs typeface="Times New Roman" panose="02020603050405020304" pitchFamily="18" charset="0"/>
+                    </a:p>
+                  </a:txBody>
+                  <a:tcPr marL="6350" marR="6350" marT="6350" marB="0" anchor="b">
+                    <a:lnL>
+                      <a:noFill/>
+                    </a:lnL>
+                    <a:lnR>
+                      <a:noFill/>
+                    </a:lnR>
+                    <a:lnT>
+                      <a:noFill/>
+                    </a:lnT>
+                    <a:lnB>
+                      <a:noFill/>
+                    </a:lnB>
+                  </a:tcPr>
+                </a:tc>
+                <a:tc>
+                  <a:txBody>
+                    <a:bodyPr/>
+                    <a:lstStyle/>
+                    <a:p>
+                      <a:pPr algn="ctr" fontAlgn="b"/>
+                      <a:r>
+                        <a:rPr lang="en-US" sz="1100" b="0" i="0" u="none" strike="noStrike">
+                          <a:solidFill>
+                            <a:srgbClr val="000000"/>
+                          </a:solidFill>
+                          <a:effectLst/>
+                          <a:latin typeface="Times New Roman Uni" panose="02020603050405020304" pitchFamily="18" charset="-128"/>
+                          <a:ea typeface="Times New Roman Uni" panose="02020603050405020304" pitchFamily="18" charset="-128"/>
+                          <a:cs typeface="Times New Roman Uni" panose="02020603050405020304" pitchFamily="18" charset="-128"/>
                         </a:rPr>
                         <a:t>8.55</a:t>
                       </a:r>
-                      <a:endParaRPr lang="en-US" sz="1100">
-                        <a:effectLst/>
-                        <a:latin typeface="Times New Roman" panose="02020603050405020304" pitchFamily="18" charset="0"/>
-                        <a:ea typeface="Calibri" panose="020F0502020204030204" pitchFamily="34" charset="0"/>
-                        <a:cs typeface="Times New Roman" panose="02020603050405020304" pitchFamily="18" charset="0"/>
-                      </a:endParaRPr>
-                    </a:p>
-                  </a:txBody>
-                  <a:tcPr marL="68580" marR="68580" marT="0" marB="0">
-                    <a:lnL>
-                      <a:noFill/>
-                    </a:lnL>
-                    <a:lnR>
-                      <a:noFill/>
-                    </a:lnR>
-                    <a:lnT>
-                      <a:noFill/>
-                    </a:lnT>
-                    <a:lnB>
-                      <a:noFill/>
-                    </a:lnB>
-                  </a:tcPr>
-                </a:tc>
-                <a:tc>
-                  <a:txBody>
-                    <a:bodyPr/>
-                    <a:lstStyle/>
-                    <a:p>
-                      <a:pPr marL="0" marR="0" algn="ctr">
-                        <a:spcBef>
-                          <a:spcPts val="0"/>
-                        </a:spcBef>
-                        <a:spcAft>
-                          <a:spcPts val="0"/>
-                        </a:spcAft>
-                      </a:pPr>
-                      <a:r>
-                        <a:rPr lang="en-US" sz="1000">
-                          <a:solidFill>
-                            <a:srgbClr val="000000"/>
-                          </a:solidFill>
-                          <a:effectLst/>
-                          <a:latin typeface="Times New Roman" panose="02020603050405020304" pitchFamily="18" charset="0"/>
-                          <a:ea typeface="Times New Roman" panose="02020603050405020304" pitchFamily="18" charset="0"/>
-                          <a:cs typeface="Times New Roman" panose="02020603050405020304" pitchFamily="18" charset="0"/>
+                    </a:p>
+                  </a:txBody>
+                  <a:tcPr marL="6350" marR="6350" marT="6350" marB="0" anchor="b">
+                    <a:lnL>
+                      <a:noFill/>
+                    </a:lnL>
+                    <a:lnR>
+                      <a:noFill/>
+                    </a:lnR>
+                    <a:lnT>
+                      <a:noFill/>
+                    </a:lnT>
+                    <a:lnB>
+                      <a:noFill/>
+                    </a:lnB>
+                  </a:tcPr>
+                </a:tc>
+                <a:tc>
+                  <a:txBody>
+                    <a:bodyPr/>
+                    <a:lstStyle/>
+                    <a:p>
+                      <a:pPr algn="ctr" fontAlgn="b"/>
+                      <a:r>
+                        <a:rPr lang="en-US" sz="1100" b="0" i="0" u="none" strike="noStrike">
+                          <a:solidFill>
+                            <a:srgbClr val="000000"/>
+                          </a:solidFill>
+                          <a:effectLst/>
+                          <a:latin typeface="Times New Roman Uni" panose="02020603050405020304" pitchFamily="18" charset="-128"/>
+                          <a:ea typeface="Times New Roman Uni" panose="02020603050405020304" pitchFamily="18" charset="-128"/>
+                          <a:cs typeface="Times New Roman Uni" panose="02020603050405020304" pitchFamily="18" charset="-128"/>
                         </a:rPr>
                         <a:t>76.92</a:t>
                       </a:r>
-                      <a:endParaRPr lang="en-US" sz="1100">
-                        <a:effectLst/>
-                        <a:latin typeface="Times New Roman" panose="02020603050405020304" pitchFamily="18" charset="0"/>
-                        <a:ea typeface="Calibri" panose="020F0502020204030204" pitchFamily="34" charset="0"/>
-                        <a:cs typeface="Times New Roman" panose="02020603050405020304" pitchFamily="18" charset="0"/>
-                      </a:endParaRPr>
-                    </a:p>
-                  </a:txBody>
-                  <a:tcPr marL="68580" marR="68580" marT="0" marB="0">
-                    <a:lnL>
-                      <a:noFill/>
-                    </a:lnL>
-                    <a:lnR>
-                      <a:noFill/>
-                    </a:lnR>
-                    <a:lnT>
-                      <a:noFill/>
-                    </a:lnT>
-                    <a:lnB>
-                      <a:noFill/>
-                    </a:lnB>
-                  </a:tcPr>
-                </a:tc>
-                <a:tc>
-                  <a:txBody>
-                    <a:bodyPr/>
-                    <a:lstStyle/>
-                    <a:p>
-                      <a:pPr marL="0" marR="0" algn="ctr">
-                        <a:spcBef>
-                          <a:spcPts val="0"/>
-                        </a:spcBef>
-                        <a:spcAft>
-                          <a:spcPts val="0"/>
-                        </a:spcAft>
-                      </a:pPr>
-                      <a:r>
-                        <a:rPr lang="en-US" sz="1000">
-                          <a:solidFill>
-                            <a:srgbClr val="000000"/>
-                          </a:solidFill>
-                          <a:effectLst/>
-                          <a:latin typeface="Times New Roman" panose="02020603050405020304" pitchFamily="18" charset="0"/>
-                          <a:ea typeface="Times New Roman" panose="02020603050405020304" pitchFamily="18" charset="0"/>
-                          <a:cs typeface="Times New Roman" panose="02020603050405020304" pitchFamily="18" charset="0"/>
+                    </a:p>
+                  </a:txBody>
+                  <a:tcPr marL="6350" marR="6350" marT="6350" marB="0" anchor="b">
+                    <a:lnL>
+                      <a:noFill/>
+                    </a:lnL>
+                    <a:lnR>
+                      <a:noFill/>
+                    </a:lnR>
+                    <a:lnT>
+                      <a:noFill/>
+                    </a:lnT>
+                    <a:lnB>
+                      <a:noFill/>
+                    </a:lnB>
+                  </a:tcPr>
+                </a:tc>
+                <a:tc>
+                  <a:txBody>
+                    <a:bodyPr/>
+                    <a:lstStyle/>
+                    <a:p>
+                      <a:pPr algn="ctr" fontAlgn="b"/>
+                      <a:r>
+                        <a:rPr lang="en-US" sz="1100" b="0" i="0" u="none" strike="noStrike">
+                          <a:solidFill>
+                            <a:srgbClr val="000000"/>
+                          </a:solidFill>
+                          <a:effectLst/>
+                          <a:latin typeface="Times New Roman Uni" panose="02020603050405020304" pitchFamily="18" charset="-128"/>
+                          <a:ea typeface="Times New Roman Uni" panose="02020603050405020304" pitchFamily="18" charset="-128"/>
+                          <a:cs typeface="Times New Roman Uni" panose="02020603050405020304" pitchFamily="18" charset="-128"/>
                         </a:rPr>
                         <a:t>68.38</a:t>
                       </a:r>
-                      <a:endParaRPr lang="en-US" sz="1100">
-                        <a:effectLst/>
-                        <a:latin typeface="Times New Roman" panose="02020603050405020304" pitchFamily="18" charset="0"/>
-                        <a:ea typeface="Calibri" panose="020F0502020204030204" pitchFamily="34" charset="0"/>
-                        <a:cs typeface="Times New Roman" panose="02020603050405020304" pitchFamily="18" charset="0"/>
-                      </a:endParaRPr>
-                    </a:p>
-                  </a:txBody>
-                  <a:tcPr marL="68580" marR="68580" marT="0" marB="0">
-                    <a:lnL>
-                      <a:noFill/>
-                    </a:lnL>
-                    <a:lnR>
-                      <a:noFill/>
-                    </a:lnR>
-                    <a:lnT>
-                      <a:noFill/>
-                    </a:lnT>
-                    <a:lnB>
-                      <a:noFill/>
-                    </a:lnB>
-                  </a:tcPr>
-                </a:tc>
-                <a:tc>
-                  <a:txBody>
-                    <a:bodyPr/>
-                    <a:lstStyle/>
-                    <a:p>
-                      <a:pPr marL="0" marR="0" algn="ctr">
-                        <a:spcBef>
-                          <a:spcPts val="0"/>
-                        </a:spcBef>
-                        <a:spcAft>
-                          <a:spcPts val="0"/>
-                        </a:spcAft>
-                      </a:pPr>
-                      <a:r>
-                        <a:rPr lang="en-US" sz="1000">
-                          <a:solidFill>
-                            <a:srgbClr val="000000"/>
-                          </a:solidFill>
-                          <a:effectLst/>
-                          <a:latin typeface="Times New Roman" panose="02020603050405020304" pitchFamily="18" charset="0"/>
-                          <a:ea typeface="Times New Roman" panose="02020603050405020304" pitchFamily="18" charset="0"/>
-                          <a:cs typeface="Times New Roman" panose="02020603050405020304" pitchFamily="18" charset="0"/>
+                    </a:p>
+                  </a:txBody>
+                  <a:tcPr marL="6350" marR="6350" marT="6350" marB="0" anchor="b">
+                    <a:lnL>
+                      <a:noFill/>
+                    </a:lnL>
+                    <a:lnR>
+                      <a:noFill/>
+                    </a:lnR>
+                    <a:lnT>
+                      <a:noFill/>
+                    </a:lnT>
+                    <a:lnB>
+                      <a:noFill/>
+                    </a:lnB>
+                  </a:tcPr>
+                </a:tc>
+                <a:tc>
+                  <a:txBody>
+                    <a:bodyPr/>
+                    <a:lstStyle/>
+                    <a:p>
+                      <a:pPr algn="ctr" fontAlgn="b"/>
+                      <a:r>
+                        <a:rPr lang="en-US" sz="1100" b="0" i="0" u="none" strike="noStrike">
+                          <a:solidFill>
+                            <a:srgbClr val="000000"/>
+                          </a:solidFill>
+                          <a:effectLst/>
+                          <a:latin typeface="Times New Roman Uni" panose="02020603050405020304" pitchFamily="18" charset="-128"/>
+                          <a:ea typeface="Times New Roman Uni" panose="02020603050405020304" pitchFamily="18" charset="-128"/>
+                          <a:cs typeface="Times New Roman Uni" panose="02020603050405020304" pitchFamily="18" charset="-128"/>
                         </a:rPr>
                         <a:t>28.86</a:t>
                       </a:r>
-                      <a:endParaRPr lang="en-US" sz="1100">
-                        <a:effectLst/>
-                        <a:latin typeface="Times New Roman" panose="02020603050405020304" pitchFamily="18" charset="0"/>
-                        <a:ea typeface="Calibri" panose="020F0502020204030204" pitchFamily="34" charset="0"/>
-                        <a:cs typeface="Times New Roman" panose="02020603050405020304" pitchFamily="18" charset="0"/>
-                      </a:endParaRPr>
-                    </a:p>
-                  </a:txBody>
-                  <a:tcPr marL="68580" marR="68580" marT="0" marB="0">
+                    </a:p>
+                  </a:txBody>
+                  <a:tcPr marL="6350" marR="6350" marT="6350" marB="0" anchor="b">
                     <a:lnL>
                       <a:noFill/>
                     </a:lnL>
@@ -9304,323 +8519,232 @@
                     <a:bodyPr/>
                     <a:lstStyle/>
                     <a:p>
-                      <a:pPr marL="0" marR="0" algn="ctr">
-                        <a:spcBef>
-                          <a:spcPts val="0"/>
-                        </a:spcBef>
-                        <a:spcAft>
-                          <a:spcPts val="0"/>
-                        </a:spcAft>
-                      </a:pPr>
-                      <a:r>
-                        <a:rPr lang="en-US" sz="1000">
-                          <a:solidFill>
-                            <a:srgbClr val="000000"/>
-                          </a:solidFill>
-                          <a:effectLst/>
-                          <a:latin typeface="Times New Roman" panose="02020603050405020304" pitchFamily="18" charset="0"/>
-                          <a:ea typeface="Times New Roman" panose="02020603050405020304" pitchFamily="18" charset="0"/>
-                          <a:cs typeface="Times New Roman" panose="02020603050405020304" pitchFamily="18" charset="0"/>
+                      <a:pPr algn="ctr" fontAlgn="b"/>
+                      <a:r>
+                        <a:rPr lang="en-US" sz="1100" b="0" i="0" u="none" strike="noStrike">
+                          <a:solidFill>
+                            <a:srgbClr val="000000"/>
+                          </a:solidFill>
+                          <a:effectLst/>
+                          <a:latin typeface="Times New Roman Uni" panose="02020603050405020304" pitchFamily="18" charset="-128"/>
+                          <a:ea typeface="Times New Roman Uni" panose="02020603050405020304" pitchFamily="18" charset="-128"/>
+                          <a:cs typeface="Times New Roman Uni" panose="02020603050405020304" pitchFamily="18" charset="-128"/>
                         </a:rPr>
                         <a:t>17</a:t>
                       </a:r>
-                      <a:endParaRPr lang="en-US" sz="1100">
-                        <a:effectLst/>
-                        <a:latin typeface="Times New Roman" panose="02020603050405020304" pitchFamily="18" charset="0"/>
-                        <a:ea typeface="Calibri" panose="020F0502020204030204" pitchFamily="34" charset="0"/>
-                        <a:cs typeface="Times New Roman" panose="02020603050405020304" pitchFamily="18" charset="0"/>
-                      </a:endParaRPr>
-                    </a:p>
-                  </a:txBody>
-                  <a:tcPr marL="68580" marR="68580" marT="0" marB="0">
-                    <a:lnL>
-                      <a:noFill/>
-                    </a:lnL>
-                    <a:lnR>
-                      <a:noFill/>
-                    </a:lnR>
-                    <a:lnT>
-                      <a:noFill/>
-                    </a:lnT>
-                    <a:lnB>
-                      <a:noFill/>
-                    </a:lnB>
-                  </a:tcPr>
-                </a:tc>
-                <a:tc>
-                  <a:txBody>
-                    <a:bodyPr/>
-                    <a:lstStyle/>
-                    <a:p>
-                      <a:pPr marL="0" marR="0" algn="ctr">
-                        <a:spcBef>
-                          <a:spcPts val="0"/>
-                        </a:spcBef>
-                        <a:spcAft>
-                          <a:spcPts val="0"/>
-                        </a:spcAft>
-                      </a:pPr>
-                      <a:r>
-                        <a:rPr lang="en-US" sz="1000">
-                          <a:solidFill>
-                            <a:srgbClr val="000000"/>
-                          </a:solidFill>
-                          <a:effectLst/>
-                          <a:latin typeface="Times New Roman" panose="02020603050405020304" pitchFamily="18" charset="0"/>
-                          <a:ea typeface="Times New Roman" panose="02020603050405020304" pitchFamily="18" charset="0"/>
-                          <a:cs typeface="Times New Roman" panose="02020603050405020304" pitchFamily="18" charset="0"/>
+                    </a:p>
+                  </a:txBody>
+                  <a:tcPr marL="6350" marR="6350" marT="6350" marB="0" anchor="b">
+                    <a:lnL>
+                      <a:noFill/>
+                    </a:lnL>
+                    <a:lnR>
+                      <a:noFill/>
+                    </a:lnR>
+                    <a:lnT>
+                      <a:noFill/>
+                    </a:lnT>
+                    <a:lnB>
+                      <a:noFill/>
+                    </a:lnB>
+                  </a:tcPr>
+                </a:tc>
+                <a:tc>
+                  <a:txBody>
+                    <a:bodyPr/>
+                    <a:lstStyle/>
+                    <a:p>
+                      <a:pPr algn="ctr" fontAlgn="b"/>
+                      <a:r>
+                        <a:rPr lang="en-US" sz="1100" b="0" i="0" u="none" strike="noStrike">
+                          <a:solidFill>
+                            <a:srgbClr val="000000"/>
+                          </a:solidFill>
+                          <a:effectLst/>
+                          <a:latin typeface="Times New Roman Uni" panose="02020603050405020304" pitchFamily="18" charset="-128"/>
+                          <a:ea typeface="Times New Roman Uni" panose="02020603050405020304" pitchFamily="18" charset="-128"/>
+                          <a:cs typeface="Times New Roman Uni" panose="02020603050405020304" pitchFamily="18" charset="-128"/>
                         </a:rPr>
                         <a:t>13</a:t>
                       </a:r>
-                      <a:endParaRPr lang="en-US" sz="1100">
-                        <a:effectLst/>
-                        <a:latin typeface="Times New Roman" panose="02020603050405020304" pitchFamily="18" charset="0"/>
-                        <a:ea typeface="Calibri" panose="020F0502020204030204" pitchFamily="34" charset="0"/>
-                        <a:cs typeface="Times New Roman" panose="02020603050405020304" pitchFamily="18" charset="0"/>
-                      </a:endParaRPr>
-                    </a:p>
-                  </a:txBody>
-                  <a:tcPr marL="68580" marR="68580" marT="0" marB="0">
-                    <a:lnL>
-                      <a:noFill/>
-                    </a:lnL>
-                    <a:lnR>
-                      <a:noFill/>
-                    </a:lnR>
-                    <a:lnT>
-                      <a:noFill/>
-                    </a:lnT>
-                    <a:lnB>
-                      <a:noFill/>
-                    </a:lnB>
-                  </a:tcPr>
-                </a:tc>
-                <a:tc>
-                  <a:txBody>
-                    <a:bodyPr/>
-                    <a:lstStyle/>
-                    <a:p>
-                      <a:pPr marL="0" marR="0" algn="ctr">
-                        <a:spcBef>
-                          <a:spcPts val="0"/>
-                        </a:spcBef>
-                        <a:spcAft>
-                          <a:spcPts val="0"/>
-                        </a:spcAft>
-                      </a:pPr>
-                      <a:r>
-                        <a:rPr lang="en-US" sz="1000">
-                          <a:solidFill>
-                            <a:srgbClr val="000000"/>
-                          </a:solidFill>
-                          <a:effectLst/>
-                          <a:latin typeface="Times New Roman" panose="02020603050405020304" pitchFamily="18" charset="0"/>
-                          <a:ea typeface="Times New Roman" panose="02020603050405020304" pitchFamily="18" charset="0"/>
-                          <a:cs typeface="Times New Roman" panose="02020603050405020304" pitchFamily="18" charset="0"/>
+                    </a:p>
+                  </a:txBody>
+                  <a:tcPr marL="6350" marR="6350" marT="6350" marB="0" anchor="b">
+                    <a:lnL>
+                      <a:noFill/>
+                    </a:lnL>
+                    <a:lnR>
+                      <a:noFill/>
+                    </a:lnR>
+                    <a:lnT>
+                      <a:noFill/>
+                    </a:lnT>
+                    <a:lnB>
+                      <a:noFill/>
+                    </a:lnB>
+                  </a:tcPr>
+                </a:tc>
+                <a:tc>
+                  <a:txBody>
+                    <a:bodyPr/>
+                    <a:lstStyle/>
+                    <a:p>
+                      <a:pPr algn="ctr" fontAlgn="b"/>
+                      <a:r>
+                        <a:rPr lang="en-US" sz="1100" b="0" i="0" u="none" strike="noStrike">
+                          <a:solidFill>
+                            <a:srgbClr val="000000"/>
+                          </a:solidFill>
+                          <a:effectLst/>
+                          <a:latin typeface="Times New Roman Uni" panose="02020603050405020304" pitchFamily="18" charset="-128"/>
+                          <a:ea typeface="Times New Roman Uni" panose="02020603050405020304" pitchFamily="18" charset="-128"/>
+                          <a:cs typeface="Times New Roman Uni" panose="02020603050405020304" pitchFamily="18" charset="-128"/>
                         </a:rPr>
                         <a:t>93</a:t>
                       </a:r>
-                      <a:endParaRPr lang="en-US" sz="1100">
-                        <a:effectLst/>
-                        <a:latin typeface="Times New Roman" panose="02020603050405020304" pitchFamily="18" charset="0"/>
-                        <a:ea typeface="Calibri" panose="020F0502020204030204" pitchFamily="34" charset="0"/>
-                        <a:cs typeface="Times New Roman" panose="02020603050405020304" pitchFamily="18" charset="0"/>
-                      </a:endParaRPr>
-                    </a:p>
-                  </a:txBody>
-                  <a:tcPr marL="68580" marR="68580" marT="0" marB="0">
-                    <a:lnL>
-                      <a:noFill/>
-                    </a:lnL>
-                    <a:lnR>
-                      <a:noFill/>
-                    </a:lnR>
-                    <a:lnT>
-                      <a:noFill/>
-                    </a:lnT>
-                    <a:lnB>
-                      <a:noFill/>
-                    </a:lnB>
-                  </a:tcPr>
-                </a:tc>
-                <a:tc>
-                  <a:txBody>
-                    <a:bodyPr/>
-                    <a:lstStyle/>
-                    <a:p>
-                      <a:pPr marL="0" marR="0" algn="ctr">
-                        <a:spcBef>
-                          <a:spcPts val="0"/>
-                        </a:spcBef>
-                        <a:spcAft>
-                          <a:spcPts val="0"/>
-                        </a:spcAft>
-                      </a:pPr>
-                      <a:r>
-                        <a:rPr lang="en-US" sz="1000">
-                          <a:solidFill>
-                            <a:srgbClr val="000000"/>
-                          </a:solidFill>
-                          <a:effectLst/>
-                          <a:latin typeface="Times New Roman" panose="02020603050405020304" pitchFamily="18" charset="0"/>
-                          <a:ea typeface="Times New Roman" panose="02020603050405020304" pitchFamily="18" charset="0"/>
-                          <a:cs typeface="Times New Roman" panose="02020603050405020304" pitchFamily="18" charset="0"/>
+                    </a:p>
+                  </a:txBody>
+                  <a:tcPr marL="6350" marR="6350" marT="6350" marB="0" anchor="b">
+                    <a:lnL>
+                      <a:noFill/>
+                    </a:lnL>
+                    <a:lnR>
+                      <a:noFill/>
+                    </a:lnR>
+                    <a:lnT>
+                      <a:noFill/>
+                    </a:lnT>
+                    <a:lnB>
+                      <a:noFill/>
+                    </a:lnB>
+                  </a:tcPr>
+                </a:tc>
+                <a:tc>
+                  <a:txBody>
+                    <a:bodyPr/>
+                    <a:lstStyle/>
+                    <a:p>
+                      <a:pPr algn="ctr" fontAlgn="b"/>
+                      <a:r>
+                        <a:rPr lang="en-US" sz="1100" b="0" i="0" u="none" strike="noStrike">
+                          <a:solidFill>
+                            <a:srgbClr val="000000"/>
+                          </a:solidFill>
+                          <a:effectLst/>
+                          <a:latin typeface="Times New Roman Uni" panose="02020603050405020304" pitchFamily="18" charset="-128"/>
+                          <a:ea typeface="Times New Roman Uni" panose="02020603050405020304" pitchFamily="18" charset="-128"/>
+                          <a:cs typeface="Times New Roman Uni" panose="02020603050405020304" pitchFamily="18" charset="-128"/>
                         </a:rPr>
                         <a:t>13.98</a:t>
                       </a:r>
-                      <a:endParaRPr lang="en-US" sz="1100">
-                        <a:effectLst/>
-                        <a:latin typeface="Times New Roman" panose="02020603050405020304" pitchFamily="18" charset="0"/>
-                        <a:ea typeface="Calibri" panose="020F0502020204030204" pitchFamily="34" charset="0"/>
-                        <a:cs typeface="Times New Roman" panose="02020603050405020304" pitchFamily="18" charset="0"/>
-                      </a:endParaRPr>
-                    </a:p>
-                  </a:txBody>
-                  <a:tcPr marL="68580" marR="68580" marT="0" marB="0">
-                    <a:lnL>
-                      <a:noFill/>
-                    </a:lnL>
-                    <a:lnR>
-                      <a:noFill/>
-                    </a:lnR>
-                    <a:lnT>
-                      <a:noFill/>
-                    </a:lnT>
-                    <a:lnB>
-                      <a:noFill/>
-                    </a:lnB>
-                  </a:tcPr>
-                </a:tc>
-                <a:tc>
-                  <a:txBody>
-                    <a:bodyPr/>
-                    <a:lstStyle/>
-                    <a:p>
-                      <a:pPr marL="0" marR="0" algn="ctr">
-                        <a:spcBef>
-                          <a:spcPts val="0"/>
-                        </a:spcBef>
-                        <a:spcAft>
-                          <a:spcPts val="0"/>
-                        </a:spcAft>
-                      </a:pPr>
-                      <a:r>
-                        <a:rPr lang="en-US" sz="1000">
-                          <a:solidFill>
-                            <a:srgbClr val="000000"/>
-                          </a:solidFill>
-                          <a:effectLst/>
-                          <a:latin typeface="Times New Roman" panose="02020603050405020304" pitchFamily="18" charset="0"/>
-                          <a:ea typeface="Times New Roman" panose="02020603050405020304" pitchFamily="18" charset="0"/>
-                          <a:cs typeface="Times New Roman" panose="02020603050405020304" pitchFamily="18" charset="0"/>
+                    </a:p>
+                  </a:txBody>
+                  <a:tcPr marL="6350" marR="6350" marT="6350" marB="0" anchor="b">
+                    <a:lnL>
+                      <a:noFill/>
+                    </a:lnL>
+                    <a:lnR>
+                      <a:noFill/>
+                    </a:lnR>
+                    <a:lnT>
+                      <a:noFill/>
+                    </a:lnT>
+                    <a:lnB>
+                      <a:noFill/>
+                    </a:lnB>
+                  </a:tcPr>
+                </a:tc>
+                <a:tc>
+                  <a:txBody>
+                    <a:bodyPr/>
+                    <a:lstStyle/>
+                    <a:p>
+                      <a:pPr algn="ctr" fontAlgn="b"/>
+                      <a:r>
+                        <a:rPr lang="en-US" sz="1100" b="0" i="0" u="none" strike="noStrike">
+                          <a:solidFill>
+                            <a:srgbClr val="000000"/>
+                          </a:solidFill>
+                          <a:effectLst/>
+                          <a:latin typeface="Times New Roman Uni" panose="02020603050405020304" pitchFamily="18" charset="-128"/>
+                          <a:ea typeface="Times New Roman Uni" panose="02020603050405020304" pitchFamily="18" charset="-128"/>
+                          <a:cs typeface="Times New Roman Uni" panose="02020603050405020304" pitchFamily="18" charset="-128"/>
                         </a:rPr>
                         <a:t>76.34</a:t>
                       </a:r>
-                      <a:endParaRPr lang="en-US" sz="1100">
-                        <a:effectLst/>
-                        <a:latin typeface="Times New Roman" panose="02020603050405020304" pitchFamily="18" charset="0"/>
-                        <a:ea typeface="Calibri" panose="020F0502020204030204" pitchFamily="34" charset="0"/>
-                        <a:cs typeface="Times New Roman" panose="02020603050405020304" pitchFamily="18" charset="0"/>
-                      </a:endParaRPr>
-                    </a:p>
-                  </a:txBody>
-                  <a:tcPr marL="68580" marR="68580" marT="0" marB="0">
-                    <a:lnL>
-                      <a:noFill/>
-                    </a:lnL>
-                    <a:lnR>
-                      <a:noFill/>
-                    </a:lnR>
-                    <a:lnT>
-                      <a:noFill/>
-                    </a:lnT>
-                    <a:lnB>
-                      <a:noFill/>
-                    </a:lnB>
-                  </a:tcPr>
-                </a:tc>
-                <a:tc>
-                  <a:txBody>
-                    <a:bodyPr/>
-                    <a:lstStyle/>
-                    <a:p>
-                      <a:pPr marL="0" marR="0" algn="ctr">
-                        <a:spcBef>
-                          <a:spcPts val="0"/>
-                        </a:spcBef>
-                        <a:spcAft>
-                          <a:spcPts val="0"/>
-                        </a:spcAft>
-                      </a:pPr>
-                      <a:r>
-                        <a:rPr lang="en-US" sz="1000">
-                          <a:solidFill>
-                            <a:srgbClr val="000000"/>
-                          </a:solidFill>
-                          <a:effectLst/>
-                          <a:latin typeface="Times New Roman" panose="02020603050405020304" pitchFamily="18" charset="0"/>
-                          <a:ea typeface="Times New Roman" panose="02020603050405020304" pitchFamily="18" charset="0"/>
-                          <a:cs typeface="Times New Roman" panose="02020603050405020304" pitchFamily="18" charset="0"/>
+                    </a:p>
+                  </a:txBody>
+                  <a:tcPr marL="6350" marR="6350" marT="6350" marB="0" anchor="b">
+                    <a:lnL>
+                      <a:noFill/>
+                    </a:lnL>
+                    <a:lnR>
+                      <a:noFill/>
+                    </a:lnR>
+                    <a:lnT>
+                      <a:noFill/>
+                    </a:lnT>
+                    <a:lnB>
+                      <a:noFill/>
+                    </a:lnB>
+                  </a:tcPr>
+                </a:tc>
+                <a:tc>
+                  <a:txBody>
+                    <a:bodyPr/>
+                    <a:lstStyle/>
+                    <a:p>
+                      <a:pPr algn="ctr" fontAlgn="b"/>
+                      <a:r>
+                        <a:rPr lang="en-US" sz="1100" b="0" i="0" u="none" strike="noStrike">
+                          <a:solidFill>
+                            <a:srgbClr val="000000"/>
+                          </a:solidFill>
+                          <a:effectLst/>
+                          <a:latin typeface="Times New Roman Uni" panose="02020603050405020304" pitchFamily="18" charset="-128"/>
+                          <a:ea typeface="Times New Roman Uni" panose="02020603050405020304" pitchFamily="18" charset="-128"/>
+                          <a:cs typeface="Times New Roman Uni" panose="02020603050405020304" pitchFamily="18" charset="-128"/>
                         </a:rPr>
                         <a:t>79.57</a:t>
                       </a:r>
-                      <a:endParaRPr lang="en-US" sz="1100">
-                        <a:effectLst/>
-                        <a:latin typeface="Times New Roman" panose="02020603050405020304" pitchFamily="18" charset="0"/>
-                        <a:ea typeface="Calibri" panose="020F0502020204030204" pitchFamily="34" charset="0"/>
-                        <a:cs typeface="Times New Roman" panose="02020603050405020304" pitchFamily="18" charset="0"/>
-                      </a:endParaRPr>
-                    </a:p>
-                  </a:txBody>
-                  <a:tcPr marL="68580" marR="68580" marT="0" marB="0">
-                    <a:lnL>
-                      <a:noFill/>
-                    </a:lnL>
-                    <a:lnR>
-                      <a:noFill/>
-                    </a:lnR>
-                    <a:lnT>
-                      <a:noFill/>
-                    </a:lnT>
-                    <a:lnB>
-                      <a:noFill/>
-                    </a:lnB>
-                  </a:tcPr>
-                </a:tc>
-                <a:tc>
-                  <a:txBody>
-                    <a:bodyPr/>
-                    <a:lstStyle/>
-                    <a:p>
-                      <a:pPr marL="0" marR="0" algn="ctr">
-                        <a:spcBef>
-                          <a:spcPts val="0"/>
-                        </a:spcBef>
-                        <a:spcAft>
-                          <a:spcPts val="0"/>
-                        </a:spcAft>
-                      </a:pPr>
-                      <a:r>
-                        <a:rPr lang="en-US" sz="1000">
-                          <a:solidFill>
-                            <a:srgbClr val="000000"/>
-                          </a:solidFill>
-                          <a:effectLst/>
-                          <a:latin typeface="Times New Roman" panose="02020603050405020304" pitchFamily="18" charset="0"/>
-                          <a:ea typeface="Times New Roman" panose="02020603050405020304" pitchFamily="18" charset="0"/>
-                          <a:cs typeface="Times New Roman" panose="02020603050405020304" pitchFamily="18" charset="0"/>
+                    </a:p>
+                  </a:txBody>
+                  <a:tcPr marL="6350" marR="6350" marT="6350" marB="0" anchor="b">
+                    <a:lnL>
+                      <a:noFill/>
+                    </a:lnL>
+                    <a:lnR>
+                      <a:noFill/>
+                    </a:lnR>
+                    <a:lnT>
+                      <a:noFill/>
+                    </a:lnT>
+                    <a:lnB>
+                      <a:noFill/>
+                    </a:lnB>
+                  </a:tcPr>
+                </a:tc>
+                <a:tc>
+                  <a:txBody>
+                    <a:bodyPr/>
+                    <a:lstStyle/>
+                    <a:p>
+                      <a:pPr algn="ctr" fontAlgn="b"/>
+                      <a:r>
+                        <a:rPr lang="en-US" sz="1100" b="0" i="0" u="none" strike="noStrike">
+                          <a:solidFill>
+                            <a:srgbClr val="000000"/>
+                          </a:solidFill>
+                          <a:effectLst/>
+                          <a:latin typeface="Times New Roman Uni" panose="02020603050405020304" pitchFamily="18" charset="-128"/>
+                          <a:ea typeface="Times New Roman Uni" panose="02020603050405020304" pitchFamily="18" charset="-128"/>
+                          <a:cs typeface="Times New Roman Uni" panose="02020603050405020304" pitchFamily="18" charset="-128"/>
                         </a:rPr>
                         <a:t>28.65</a:t>
                       </a:r>
-                      <a:endParaRPr lang="en-US" sz="1100">
-                        <a:effectLst/>
-                        <a:latin typeface="Times New Roman" panose="02020603050405020304" pitchFamily="18" charset="0"/>
-                        <a:ea typeface="Calibri" panose="020F0502020204030204" pitchFamily="34" charset="0"/>
-                        <a:cs typeface="Times New Roman" panose="02020603050405020304" pitchFamily="18" charset="0"/>
-                      </a:endParaRPr>
-                    </a:p>
-                  </a:txBody>
-                  <a:tcPr marL="68580" marR="68580" marT="0" marB="0">
+                    </a:p>
+                  </a:txBody>
+                  <a:tcPr marL="6350" marR="6350" marT="6350" marB="0" anchor="b">
                     <a:lnL>
                       <a:noFill/>
                     </a:lnL>
@@ -9647,35 +8771,22 @@
                     <a:bodyPr/>
                     <a:lstStyle/>
                     <a:p>
-                      <a:pPr marL="0" marR="0" algn="ctr">
-                        <a:spcBef>
-                          <a:spcPts val="0"/>
-                        </a:spcBef>
-                        <a:spcAft>
-                          <a:spcPts val="0"/>
-                        </a:spcAft>
-                      </a:pPr>
-                      <a:r>
-                        <a:rPr lang="en-US" sz="1000">
-                          <a:solidFill>
-                            <a:srgbClr val="000000"/>
-                          </a:solidFill>
-                          <a:effectLst/>
-                          <a:latin typeface="Times New Roman" panose="02020603050405020304" pitchFamily="18" charset="0"/>
-                          <a:ea typeface="Times New Roman" panose="02020603050405020304" pitchFamily="18" charset="0"/>
-                          <a:cs typeface="Times New Roman" panose="02020603050405020304" pitchFamily="18" charset="0"/>
+                      <a:pPr algn="ctr" fontAlgn="b"/>
+                      <a:r>
+                        <a:rPr lang="en-US" sz="1100" b="0" i="0" u="none" strike="noStrike">
+                          <a:solidFill>
+                            <a:srgbClr val="000000"/>
+                          </a:solidFill>
+                          <a:effectLst/>
+                          <a:latin typeface="Times New Roman Uni" panose="02020603050405020304" pitchFamily="18" charset="-128"/>
+                          <a:ea typeface="Times New Roman Uni" panose="02020603050405020304" pitchFamily="18" charset="-128"/>
+                          <a:cs typeface="Times New Roman Uni" panose="02020603050405020304" pitchFamily="18" charset="-128"/>
                         </a:rPr>
                         <a:t>34</a:t>
                       </a:r>
-                      <a:endParaRPr lang="en-US" sz="1100">
-                        <a:effectLst/>
-                        <a:latin typeface="Times New Roman" panose="02020603050405020304" pitchFamily="18" charset="0"/>
-                        <a:ea typeface="Calibri" panose="020F0502020204030204" pitchFamily="34" charset="0"/>
-                        <a:cs typeface="Times New Roman" panose="02020603050405020304" pitchFamily="18" charset="0"/>
-                      </a:endParaRPr>
-                    </a:p>
-                  </a:txBody>
-                  <a:tcPr marL="68580" marR="68580" marT="0" marB="0">
+                    </a:p>
+                  </a:txBody>
+                  <a:tcPr marL="6350" marR="6350" marT="6350" marB="0" anchor="b">
                     <a:lnL>
                       <a:noFill/>
                     </a:lnL>
@@ -9701,35 +8812,22 @@
                     <a:bodyPr/>
                     <a:lstStyle/>
                     <a:p>
-                      <a:pPr marL="0" marR="0" algn="ctr">
-                        <a:spcBef>
-                          <a:spcPts val="0"/>
-                        </a:spcBef>
-                        <a:spcAft>
-                          <a:spcPts val="0"/>
-                        </a:spcAft>
-                      </a:pPr>
-                      <a:r>
-                        <a:rPr lang="en-US" sz="1000">
-                          <a:solidFill>
-                            <a:srgbClr val="000000"/>
-                          </a:solidFill>
-                          <a:effectLst/>
-                          <a:latin typeface="Times New Roman" panose="02020603050405020304" pitchFamily="18" charset="0"/>
-                          <a:ea typeface="Times New Roman" panose="02020603050405020304" pitchFamily="18" charset="0"/>
-                          <a:cs typeface="Times New Roman" panose="02020603050405020304" pitchFamily="18" charset="0"/>
+                      <a:pPr algn="ctr" fontAlgn="b"/>
+                      <a:r>
+                        <a:rPr lang="en-US" sz="1100" b="0" i="0" u="none" strike="noStrike">
+                          <a:solidFill>
+                            <a:srgbClr val="000000"/>
+                          </a:solidFill>
+                          <a:effectLst/>
+                          <a:latin typeface="Times New Roman Uni" panose="02020603050405020304" pitchFamily="18" charset="-128"/>
+                          <a:ea typeface="Times New Roman Uni" panose="02020603050405020304" pitchFamily="18" charset="-128"/>
+                          <a:cs typeface="Times New Roman Uni" panose="02020603050405020304" pitchFamily="18" charset="-128"/>
                         </a:rPr>
                         <a:t>14</a:t>
                       </a:r>
-                      <a:endParaRPr lang="en-US" sz="1100">
-                        <a:effectLst/>
-                        <a:latin typeface="Times New Roman" panose="02020603050405020304" pitchFamily="18" charset="0"/>
-                        <a:ea typeface="Calibri" panose="020F0502020204030204" pitchFamily="34" charset="0"/>
-                        <a:cs typeface="Times New Roman" panose="02020603050405020304" pitchFamily="18" charset="0"/>
-                      </a:endParaRPr>
-                    </a:p>
-                  </a:txBody>
-                  <a:tcPr marL="68580" marR="68580" marT="0" marB="0">
+                    </a:p>
+                  </a:txBody>
+                  <a:tcPr marL="6350" marR="6350" marT="6350" marB="0" anchor="b">
                     <a:lnL>
                       <a:noFill/>
                     </a:lnL>
@@ -9755,35 +8853,22 @@
                     <a:bodyPr/>
                     <a:lstStyle/>
                     <a:p>
-                      <a:pPr marL="0" marR="0" algn="ctr">
-                        <a:spcBef>
-                          <a:spcPts val="0"/>
-                        </a:spcBef>
-                        <a:spcAft>
-                          <a:spcPts val="0"/>
-                        </a:spcAft>
-                      </a:pPr>
-                      <a:r>
-                        <a:rPr lang="en-US" sz="1000">
-                          <a:solidFill>
-                            <a:srgbClr val="000000"/>
-                          </a:solidFill>
-                          <a:effectLst/>
-                          <a:latin typeface="Times New Roman" panose="02020603050405020304" pitchFamily="18" charset="0"/>
-                          <a:ea typeface="Times New Roman" panose="02020603050405020304" pitchFamily="18" charset="0"/>
-                          <a:cs typeface="Times New Roman" panose="02020603050405020304" pitchFamily="18" charset="0"/>
+                      <a:pPr algn="ctr" fontAlgn="b"/>
+                      <a:r>
+                        <a:rPr lang="en-US" sz="1100" b="0" i="0" u="none" strike="noStrike">
+                          <a:solidFill>
+                            <a:srgbClr val="000000"/>
+                          </a:solidFill>
+                          <a:effectLst/>
+                          <a:latin typeface="Times New Roman Uni" panose="02020603050405020304" pitchFamily="18" charset="-128"/>
+                          <a:ea typeface="Times New Roman Uni" panose="02020603050405020304" pitchFamily="18" charset="-128"/>
+                          <a:cs typeface="Times New Roman Uni" panose="02020603050405020304" pitchFamily="18" charset="-128"/>
                         </a:rPr>
                         <a:t>99</a:t>
                       </a:r>
-                      <a:endParaRPr lang="en-US" sz="1100">
-                        <a:effectLst/>
-                        <a:latin typeface="Times New Roman" panose="02020603050405020304" pitchFamily="18" charset="0"/>
-                        <a:ea typeface="Calibri" panose="020F0502020204030204" pitchFamily="34" charset="0"/>
-                        <a:cs typeface="Times New Roman" panose="02020603050405020304" pitchFamily="18" charset="0"/>
-                      </a:endParaRPr>
-                    </a:p>
-                  </a:txBody>
-                  <a:tcPr marL="68580" marR="68580" marT="0" marB="0">
+                    </a:p>
+                  </a:txBody>
+                  <a:tcPr marL="6350" marR="6350" marT="6350" marB="0" anchor="b">
                     <a:lnL>
                       <a:noFill/>
                     </a:lnL>
@@ -9809,35 +8894,22 @@
                     <a:bodyPr/>
                     <a:lstStyle/>
                     <a:p>
-                      <a:pPr marL="0" marR="0" algn="ctr">
-                        <a:spcBef>
-                          <a:spcPts val="0"/>
-                        </a:spcBef>
-                        <a:spcAft>
-                          <a:spcPts val="0"/>
-                        </a:spcAft>
-                      </a:pPr>
-                      <a:r>
-                        <a:rPr lang="en-US" sz="1000">
-                          <a:solidFill>
-                            <a:srgbClr val="000000"/>
-                          </a:solidFill>
-                          <a:effectLst/>
-                          <a:latin typeface="Times New Roman" panose="02020603050405020304" pitchFamily="18" charset="0"/>
-                          <a:ea typeface="Times New Roman" panose="02020603050405020304" pitchFamily="18" charset="0"/>
-                          <a:cs typeface="Times New Roman" panose="02020603050405020304" pitchFamily="18" charset="0"/>
+                      <a:pPr algn="ctr" fontAlgn="b"/>
+                      <a:r>
+                        <a:rPr lang="en-US" sz="1100" b="0" i="0" u="none" strike="noStrike">
+                          <a:solidFill>
+                            <a:srgbClr val="000000"/>
+                          </a:solidFill>
+                          <a:effectLst/>
+                          <a:latin typeface="Times New Roman Uni" panose="02020603050405020304" pitchFamily="18" charset="-128"/>
+                          <a:ea typeface="Times New Roman Uni" panose="02020603050405020304" pitchFamily="18" charset="-128"/>
+                          <a:cs typeface="Times New Roman Uni" panose="02020603050405020304" pitchFamily="18" charset="-128"/>
                         </a:rPr>
                         <a:t>14.14</a:t>
                       </a:r>
-                      <a:endParaRPr lang="en-US" sz="1100">
-                        <a:effectLst/>
-                        <a:latin typeface="Times New Roman" panose="02020603050405020304" pitchFamily="18" charset="0"/>
-                        <a:ea typeface="Calibri" panose="020F0502020204030204" pitchFamily="34" charset="0"/>
-                        <a:cs typeface="Times New Roman" panose="02020603050405020304" pitchFamily="18" charset="0"/>
-                      </a:endParaRPr>
-                    </a:p>
-                  </a:txBody>
-                  <a:tcPr marL="68580" marR="68580" marT="0" marB="0">
+                    </a:p>
+                  </a:txBody>
+                  <a:tcPr marL="6350" marR="6350" marT="6350" marB="0" anchor="b">
                     <a:lnL>
                       <a:noFill/>
                     </a:lnL>
@@ -9863,35 +8935,22 @@
                     <a:bodyPr/>
                     <a:lstStyle/>
                     <a:p>
-                      <a:pPr marL="0" marR="0" algn="ctr">
-                        <a:spcBef>
-                          <a:spcPts val="0"/>
-                        </a:spcBef>
-                        <a:spcAft>
-                          <a:spcPts val="0"/>
-                        </a:spcAft>
-                      </a:pPr>
-                      <a:r>
-                        <a:rPr lang="en-US" sz="1000">
-                          <a:solidFill>
-                            <a:srgbClr val="000000"/>
-                          </a:solidFill>
-                          <a:effectLst/>
-                          <a:latin typeface="Times New Roman" panose="02020603050405020304" pitchFamily="18" charset="0"/>
-                          <a:ea typeface="Times New Roman" panose="02020603050405020304" pitchFamily="18" charset="0"/>
-                          <a:cs typeface="Times New Roman" panose="02020603050405020304" pitchFamily="18" charset="0"/>
+                      <a:pPr algn="ctr" fontAlgn="b"/>
+                      <a:r>
+                        <a:rPr lang="en-US" sz="1100" b="0" i="0" u="none" strike="noStrike">
+                          <a:solidFill>
+                            <a:srgbClr val="000000"/>
+                          </a:solidFill>
+                          <a:effectLst/>
+                          <a:latin typeface="Times New Roman Uni" panose="02020603050405020304" pitchFamily="18" charset="-128"/>
+                          <a:ea typeface="Times New Roman Uni" panose="02020603050405020304" pitchFamily="18" charset="-128"/>
+                          <a:cs typeface="Times New Roman Uni" panose="02020603050405020304" pitchFamily="18" charset="-128"/>
                         </a:rPr>
                         <a:t>78.79</a:t>
                       </a:r>
-                      <a:endParaRPr lang="en-US" sz="1100">
-                        <a:effectLst/>
-                        <a:latin typeface="Times New Roman" panose="02020603050405020304" pitchFamily="18" charset="0"/>
-                        <a:ea typeface="Calibri" panose="020F0502020204030204" pitchFamily="34" charset="0"/>
-                        <a:cs typeface="Times New Roman" panose="02020603050405020304" pitchFamily="18" charset="0"/>
-                      </a:endParaRPr>
-                    </a:p>
-                  </a:txBody>
-                  <a:tcPr marL="68580" marR="68580" marT="0" marB="0">
+                    </a:p>
+                  </a:txBody>
+                  <a:tcPr marL="6350" marR="6350" marT="6350" marB="0" anchor="b">
                     <a:lnL>
                       <a:noFill/>
                     </a:lnL>
@@ -9917,35 +8976,22 @@
                     <a:bodyPr/>
                     <a:lstStyle/>
                     <a:p>
-                      <a:pPr marL="0" marR="0" algn="ctr">
-                        <a:spcBef>
-                          <a:spcPts val="0"/>
-                        </a:spcBef>
-                        <a:spcAft>
-                          <a:spcPts val="0"/>
-                        </a:spcAft>
-                      </a:pPr>
-                      <a:r>
-                        <a:rPr lang="en-US" sz="1000">
-                          <a:solidFill>
-                            <a:srgbClr val="000000"/>
-                          </a:solidFill>
-                          <a:effectLst/>
-                          <a:latin typeface="Times New Roman" panose="02020603050405020304" pitchFamily="18" charset="0"/>
-                          <a:ea typeface="Times New Roman" panose="02020603050405020304" pitchFamily="18" charset="0"/>
-                          <a:cs typeface="Times New Roman" panose="02020603050405020304" pitchFamily="18" charset="0"/>
+                      <a:pPr algn="ctr" fontAlgn="b"/>
+                      <a:r>
+                        <a:rPr lang="en-US" sz="1100" b="0" i="0" u="none" strike="noStrike">
+                          <a:solidFill>
+                            <a:srgbClr val="000000"/>
+                          </a:solidFill>
+                          <a:effectLst/>
+                          <a:latin typeface="Times New Roman Uni" panose="02020603050405020304" pitchFamily="18" charset="-128"/>
+                          <a:ea typeface="Times New Roman Uni" panose="02020603050405020304" pitchFamily="18" charset="-128"/>
+                          <a:cs typeface="Times New Roman Uni" panose="02020603050405020304" pitchFamily="18" charset="-128"/>
                         </a:rPr>
                         <a:t>63.64</a:t>
                       </a:r>
-                      <a:endParaRPr lang="en-US" sz="1100">
-                        <a:effectLst/>
-                        <a:latin typeface="Times New Roman" panose="02020603050405020304" pitchFamily="18" charset="0"/>
-                        <a:ea typeface="Calibri" panose="020F0502020204030204" pitchFamily="34" charset="0"/>
-                        <a:cs typeface="Times New Roman" panose="02020603050405020304" pitchFamily="18" charset="0"/>
-                      </a:endParaRPr>
-                    </a:p>
-                  </a:txBody>
-                  <a:tcPr marL="68580" marR="68580" marT="0" marB="0">
+                    </a:p>
+                  </a:txBody>
+                  <a:tcPr marL="6350" marR="6350" marT="6350" marB="0" anchor="b">
                     <a:lnL>
                       <a:noFill/>
                     </a:lnL>
@@ -9971,35 +9017,22 @@
                     <a:bodyPr/>
                     <a:lstStyle/>
                     <a:p>
-                      <a:pPr marL="0" marR="0" algn="ctr">
-                        <a:spcBef>
-                          <a:spcPts val="0"/>
-                        </a:spcBef>
-                        <a:spcAft>
-                          <a:spcPts val="0"/>
-                        </a:spcAft>
-                      </a:pPr>
-                      <a:r>
-                        <a:rPr lang="en-US" sz="1000" dirty="0">
-                          <a:solidFill>
-                            <a:srgbClr val="000000"/>
-                          </a:solidFill>
-                          <a:effectLst/>
-                          <a:latin typeface="Times New Roman" panose="02020603050405020304" pitchFamily="18" charset="0"/>
-                          <a:ea typeface="Times New Roman" panose="02020603050405020304" pitchFamily="18" charset="0"/>
-                          <a:cs typeface="Times New Roman" panose="02020603050405020304" pitchFamily="18" charset="0"/>
+                      <a:pPr algn="ctr" fontAlgn="b"/>
+                      <a:r>
+                        <a:rPr lang="en-US" sz="1100" b="0" i="0" u="none" strike="noStrike" dirty="0">
+                          <a:solidFill>
+                            <a:srgbClr val="000000"/>
+                          </a:solidFill>
+                          <a:effectLst/>
+                          <a:latin typeface="Times New Roman Uni" panose="02020603050405020304" pitchFamily="18" charset="-128"/>
+                          <a:ea typeface="Times New Roman Uni" panose="02020603050405020304" pitchFamily="18" charset="-128"/>
+                          <a:cs typeface="Times New Roman Uni" panose="02020603050405020304" pitchFamily="18" charset="-128"/>
                         </a:rPr>
                         <a:t>28.73</a:t>
                       </a:r>
-                      <a:endParaRPr lang="en-US" sz="1100" dirty="0">
-                        <a:effectLst/>
-                        <a:latin typeface="Times New Roman" panose="02020603050405020304" pitchFamily="18" charset="0"/>
-                        <a:ea typeface="Calibri" panose="020F0502020204030204" pitchFamily="34" charset="0"/>
-                        <a:cs typeface="Times New Roman" panose="02020603050405020304" pitchFamily="18" charset="0"/>
-                      </a:endParaRPr>
-                    </a:p>
-                  </a:txBody>
-                  <a:tcPr marL="68580" marR="68580" marT="0" marB="0">
+                    </a:p>
+                  </a:txBody>
+                  <a:tcPr marL="6350" marR="6350" marT="6350" marB="0" anchor="b">
                     <a:lnL>
                       <a:noFill/>
                     </a:lnL>
@@ -10040,6 +9073,13 @@
   <p:clrMapOvr>
     <a:masterClrMapping/>
   </p:clrMapOvr>
+  <p:timing>
+    <p:tnLst>
+      <p:par>
+        <p:cTn id="1" dur="indefinite" restart="never" nodeType="tmRoot"/>
+      </p:par>
+    </p:tnLst>
+  </p:timing>
 </p:sld>
 </file>
 
@@ -10095,10 +9135,102 @@
         </p:nvSpPr>
         <p:spPr/>
         <p:txBody>
-          <a:bodyPr/>
+          <a:bodyPr>
+            <a:normAutofit fontScale="92500" lnSpcReduction="20000"/>
+          </a:bodyPr>
           <a:lstStyle/>
           <a:p>
-            <a:endParaRPr lang="en-US"/>
+            <a:r>
+              <a:rPr lang="en-US" dirty="0" smtClean="0"/>
+              <a:t>Perform logistic regression with death as the outcome</a:t>
+            </a:r>
+          </a:p>
+          <a:p>
+            <a:pPr lvl="1"/>
+            <a:r>
+              <a:rPr lang="en-US" dirty="0" smtClean="0"/>
+              <a:t>Adjusting for BMI, procedure type, and ASA</a:t>
+            </a:r>
+          </a:p>
+          <a:p>
+            <a:pPr lvl="1"/>
+            <a:r>
+              <a:rPr lang="en-US" dirty="0" smtClean="0"/>
+              <a:t>Albumin has too much missing data</a:t>
+            </a:r>
+            <a:r>
+              <a:rPr lang="en-US" dirty="0" smtClean="0">
+                <a:sym typeface="Wingdings" panose="05000000000000000000" pitchFamily="2" charset="2"/>
+              </a:rPr>
+              <a:t></a:t>
+            </a:r>
+            <a:r>
+              <a:rPr lang="en-US" dirty="0">
+                <a:sym typeface="Wingdings" panose="05000000000000000000" pitchFamily="2" charset="2"/>
+              </a:rPr>
+              <a:t> </a:t>
+            </a:r>
+            <a:r>
+              <a:rPr lang="en-US" dirty="0" smtClean="0">
+                <a:sym typeface="Wingdings" panose="05000000000000000000" pitchFamily="2" charset="2"/>
+              </a:rPr>
+              <a:t>not to be included in model</a:t>
+            </a:r>
+            <a:endParaRPr lang="en-US" dirty="0" smtClean="0"/>
+          </a:p>
+          <a:p>
+            <a:pPr marL="457200" lvl="1" indent="0">
+              <a:buNone/>
+            </a:pPr>
+            <a:endParaRPr lang="en-US" dirty="0" smtClean="0"/>
+          </a:p>
+          <a:p>
+            <a:r>
+              <a:rPr lang="en-US" dirty="0" smtClean="0"/>
+              <a:t>Get an estimate of the death rate from the model</a:t>
+            </a:r>
+          </a:p>
+          <a:p>
+            <a:pPr lvl="1"/>
+            <a:r>
+              <a:rPr lang="en-US" dirty="0" smtClean="0"/>
+              <a:t>Different estimate for each </a:t>
+            </a:r>
+            <a:r>
+              <a:rPr lang="en-US" dirty="0" smtClean="0"/>
+              <a:t>hospital based on each patients estimated probability of death</a:t>
+            </a:r>
+          </a:p>
+          <a:p>
+            <a:pPr marL="457200" lvl="1" indent="0">
+              <a:buNone/>
+            </a:pPr>
+            <a:endParaRPr lang="en-US" dirty="0" smtClean="0"/>
+          </a:p>
+          <a:p>
+            <a:r>
+              <a:rPr lang="en-US" dirty="0" smtClean="0"/>
+              <a:t>Use bootstrapping to get an estimate of the variance around that rate</a:t>
+            </a:r>
+          </a:p>
+          <a:p>
+            <a:endParaRPr lang="en-US" dirty="0"/>
+          </a:p>
+          <a:p>
+            <a:r>
+              <a:rPr lang="en-US" dirty="0" smtClean="0"/>
+              <a:t>Investigate missing data</a:t>
+            </a:r>
+          </a:p>
+          <a:p>
+            <a:pPr lvl="1"/>
+            <a:r>
+              <a:rPr lang="en-US" dirty="0" smtClean="0"/>
+              <a:t>Determine if it appears random or not</a:t>
+            </a:r>
+          </a:p>
+          <a:p>
+            <a:endParaRPr lang="en-US" dirty="0"/>
           </a:p>
         </p:txBody>
       </p:sp>
@@ -10112,6 +9244,13 @@
   <p:clrMapOvr>
     <a:masterClrMapping/>
   </p:clrMapOvr>
+  <p:timing>
+    <p:tnLst>
+      <p:par>
+        <p:cTn id="1" dur="indefinite" restart="never" nodeType="tmRoot"/>
+      </p:par>
+    </p:tnLst>
+  </p:timing>
 </p:sld>
 </file>
 
